--- a/AprendizadoMaquina/Tópico 02 - Aprendizado Supervisionado/Tópico 02 - Aprendizado-Supervisionado - Naive Bayes.pptx
+++ b/AprendizadoMaquina/Tópico 02 - Aprendizado Supervisionado/Tópico 02 - Aprendizado-Supervisionado - Naive Bayes.pptx
@@ -23,6 +23,14 @@
     <p:sldId id="263" r:id="rId16"/>
     <p:sldId id="264" r:id="rId17"/>
     <p:sldId id="265" r:id="rId18"/>
+    <p:sldId id="266" r:id="rId19"/>
+    <p:sldId id="267" r:id="rId20"/>
+    <p:sldId id="268" r:id="rId21"/>
+    <p:sldId id="269" r:id="rId22"/>
+    <p:sldId id="270" r:id="rId23"/>
+    <p:sldId id="271" r:id="rId24"/>
+    <p:sldId id="272" r:id="rId25"/>
+    <p:sldId id="273" r:id="rId26"/>
   </p:sldIdLst>
   <p:sldSz cx="10080625" cy="7559675"/>
   <p:notesSz cx="7559675" cy="10691813"/>
@@ -306,7 +314,7 @@
             <a:pPr algn="r">
               <a:buNone/>
             </a:pPr>
-            <a:fld id="{318299A2-80CD-4385-B4A0-2F8D86C90827}" type="slidenum">
+            <a:fld id="{4A1A1202-6F70-432A-BDBD-A1AB0C1F9E75}" type="slidenum">
               <a:rPr b="0" lang="pt-BR" sz="1400" spc="-1" strike="noStrike">
                 <a:latin typeface="Times New Roman"/>
               </a:rPr>
@@ -343,7 +351,7 @@
       </p:grpSpPr>
       <p:sp>
         <p:nvSpPr>
-          <p:cNvPr id="330" name="PlaceHolder 1"/>
+          <p:cNvPr id="385" name="PlaceHolder 1"/>
           <p:cNvSpPr>
             <a:spLocks noGrp="1"/>
           </p:cNvSpPr>
@@ -366,7 +374,7 @@
       </p:sp>
       <p:sp>
         <p:nvSpPr>
-          <p:cNvPr id="331" name="PlaceHolder 2"/>
+          <p:cNvPr id="386" name="PlaceHolder 2"/>
           <p:cNvSpPr>
             <a:spLocks noGrp="1"/>
           </p:cNvSpPr>
@@ -400,7 +408,7 @@
       </p:sp>
       <p:sp>
         <p:nvSpPr>
-          <p:cNvPr id="332" name="CustomShape 3"/>
+          <p:cNvPr id="387" name="CustomShape 3"/>
           <p:cNvSpPr/>
           <p:nvPr/>
         </p:nvSpPr>
@@ -474,7 +482,7 @@
       </p:grpSpPr>
       <p:sp>
         <p:nvSpPr>
-          <p:cNvPr id="357" name="PlaceHolder 1"/>
+          <p:cNvPr id="412" name="PlaceHolder 1"/>
           <p:cNvSpPr>
             <a:spLocks noGrp="1"/>
           </p:cNvSpPr>
@@ -497,7 +505,7 @@
       </p:sp>
       <p:sp>
         <p:nvSpPr>
-          <p:cNvPr id="358" name="PlaceHolder 2"/>
+          <p:cNvPr id="413" name="PlaceHolder 2"/>
           <p:cNvSpPr>
             <a:spLocks noGrp="1"/>
           </p:cNvSpPr>
@@ -531,7 +539,7 @@
       </p:sp>
       <p:sp>
         <p:nvSpPr>
-          <p:cNvPr id="359" name="CustomShape 36"/>
+          <p:cNvPr id="414" name="CustomShape 36"/>
           <p:cNvSpPr/>
           <p:nvPr/>
         </p:nvSpPr>
@@ -574,6 +582,1274 @@
                 <a:ea typeface="+mn-ea"/>
               </a:rPr>
               <a:t>Prof. André Hochuli</a:t>
+            </a:r>
+            <a:endParaRPr b="0" lang="pt-BR" sz="1200" spc="-1" strike="noStrike">
+              <a:latin typeface="Arial"/>
+            </a:endParaRPr>
+          </a:p>
+        </p:txBody>
+      </p:sp>
+    </p:spTree>
+  </p:cSld>
+</p:notes>
+</file>
+
+<file path=ppt/notesSlides/notesSlide11.xml><?xml version="1.0" encoding="utf-8"?>
+<p:notes xmlns:a="http://schemas.openxmlformats.org/drawingml/2006/main" xmlns:p="http://schemas.openxmlformats.org/presentationml/2006/main" xmlns:r="http://schemas.openxmlformats.org/officeDocument/2006/relationships" xmlns:p14="http://schemas.microsoft.com/office/powerpoint/2010/main" xmlns:p15="http://schemas.microsoft.com/office/powerpoint/2012/main" xmlns:mc="http://schemas.openxmlformats.org/markup-compatibility/2006">
+  <p:cSld>
+    <p:spTree>
+      <p:nvGrpSpPr>
+        <p:cNvPr id="1" name=""/>
+        <p:cNvGrpSpPr/>
+        <p:nvPr/>
+      </p:nvGrpSpPr>
+      <p:grpSpPr>
+        <a:xfrm>
+          <a:off x="0" y="0"/>
+          <a:ext cx="0" cy="0"/>
+          <a:chOff x="0" y="0"/>
+          <a:chExt cx="0" cy="0"/>
+        </a:xfrm>
+      </p:grpSpPr>
+      <p:sp>
+        <p:nvSpPr>
+          <p:cNvPr id="415" name="PlaceHolder 1"/>
+          <p:cNvSpPr>
+            <a:spLocks noGrp="1"/>
+          </p:cNvSpPr>
+          <p:nvPr>
+            <p:ph type="sldImg"/>
+          </p:nvPr>
+        </p:nvSpPr>
+        <p:spPr>
+          <a:xfrm>
+            <a:off x="1376280" y="1336680"/>
+            <a:ext cx="4795560" cy="3595320"/>
+          </a:xfrm>
+          <a:prstGeom prst="rect">
+            <a:avLst/>
+          </a:prstGeom>
+          <a:ln w="0">
+            <a:noFill/>
+          </a:ln>
+        </p:spPr>
+      </p:sp>
+      <p:sp>
+        <p:nvSpPr>
+          <p:cNvPr id="416" name="PlaceHolder 2"/>
+          <p:cNvSpPr>
+            <a:spLocks noGrp="1"/>
+          </p:cNvSpPr>
+          <p:nvPr>
+            <p:ph type="body"/>
+          </p:nvPr>
+        </p:nvSpPr>
+        <p:spPr>
+          <a:xfrm>
+            <a:off x="756000" y="5145120"/>
+            <a:ext cx="6035040" cy="4197240"/>
+          </a:xfrm>
+          <a:prstGeom prst="rect">
+            <a:avLst/>
+          </a:prstGeom>
+          <a:noFill/>
+          <a:ln w="0">
+            <a:noFill/>
+          </a:ln>
+        </p:spPr>
+        <p:txBody>
+          <a:bodyPr lIns="0" rIns="0" tIns="0" bIns="0" anchor="t">
+            <a:noAutofit/>
+          </a:bodyPr>
+          <a:p>
+            <a:endParaRPr b="0" lang="pt-BR" sz="2000" spc="-1" strike="noStrike">
+              <a:latin typeface="Arial"/>
+            </a:endParaRPr>
+          </a:p>
+        </p:txBody>
+      </p:sp>
+      <p:sp>
+        <p:nvSpPr>
+          <p:cNvPr id="417" name="CustomShape 40"/>
+          <p:cNvSpPr/>
+          <p:nvPr/>
+        </p:nvSpPr>
+        <p:spPr>
+          <a:xfrm>
+            <a:off x="0" y="10155240"/>
+            <a:ext cx="3263400" cy="523800"/>
+          </a:xfrm>
+          <a:prstGeom prst="rect">
+            <a:avLst/>
+          </a:prstGeom>
+          <a:noFill/>
+          <a:ln w="0">
+            <a:noFill/>
+          </a:ln>
+        </p:spPr>
+        <p:style>
+          <a:lnRef idx="0"/>
+          <a:fillRef idx="0"/>
+          <a:effectRef idx="0"/>
+          <a:fontRef idx="minor"/>
+        </p:style>
+        <p:txBody>
+          <a:bodyPr lIns="90000" rIns="90000" tIns="45000" bIns="45000" anchor="b">
+            <a:noAutofit/>
+          </a:bodyPr>
+          <a:p>
+            <a:pPr>
+              <a:lnSpc>
+                <a:spcPct val="100000"/>
+              </a:lnSpc>
+              <a:buNone/>
+            </a:pPr>
+            <a:r>
+              <a:rPr b="0" lang="pt-BR" sz="1200" spc="-1" strike="noStrike">
+                <a:solidFill>
+                  <a:srgbClr val="000000"/>
+                </a:solidFill>
+                <a:latin typeface="Times New Roman"/>
+                <a:ea typeface="+mn-ea"/>
+              </a:rPr>
+              <a:t>Prof. André Hochuli</a:t>
+            </a:r>
+            <a:endParaRPr b="0" lang="pt-BR" sz="1200" spc="-1" strike="noStrike">
+              <a:latin typeface="Arial"/>
+            </a:endParaRPr>
+          </a:p>
+        </p:txBody>
+      </p:sp>
+    </p:spTree>
+  </p:cSld>
+</p:notes>
+</file>
+
+<file path=ppt/notesSlides/notesSlide12.xml><?xml version="1.0" encoding="utf-8"?>
+<p:notes xmlns:a="http://schemas.openxmlformats.org/drawingml/2006/main" xmlns:p="http://schemas.openxmlformats.org/presentationml/2006/main" xmlns:r="http://schemas.openxmlformats.org/officeDocument/2006/relationships" xmlns:p14="http://schemas.microsoft.com/office/powerpoint/2010/main" xmlns:p15="http://schemas.microsoft.com/office/powerpoint/2012/main" xmlns:mc="http://schemas.openxmlformats.org/markup-compatibility/2006">
+  <p:cSld>
+    <p:spTree>
+      <p:nvGrpSpPr>
+        <p:cNvPr id="1" name=""/>
+        <p:cNvGrpSpPr/>
+        <p:nvPr/>
+      </p:nvGrpSpPr>
+      <p:grpSpPr>
+        <a:xfrm>
+          <a:off x="0" y="0"/>
+          <a:ext cx="0" cy="0"/>
+          <a:chOff x="0" y="0"/>
+          <a:chExt cx="0" cy="0"/>
+        </a:xfrm>
+      </p:grpSpPr>
+      <p:sp>
+        <p:nvSpPr>
+          <p:cNvPr id="418" name="PlaceHolder 1"/>
+          <p:cNvSpPr>
+            <a:spLocks noGrp="1"/>
+          </p:cNvSpPr>
+          <p:nvPr>
+            <p:ph type="sldImg"/>
+          </p:nvPr>
+        </p:nvSpPr>
+        <p:spPr>
+          <a:xfrm>
+            <a:off x="1376280" y="1336680"/>
+            <a:ext cx="4795560" cy="3595320"/>
+          </a:xfrm>
+          <a:prstGeom prst="rect">
+            <a:avLst/>
+          </a:prstGeom>
+          <a:ln w="0">
+            <a:noFill/>
+          </a:ln>
+        </p:spPr>
+      </p:sp>
+      <p:sp>
+        <p:nvSpPr>
+          <p:cNvPr id="419" name="PlaceHolder 2"/>
+          <p:cNvSpPr>
+            <a:spLocks noGrp="1"/>
+          </p:cNvSpPr>
+          <p:nvPr>
+            <p:ph type="body"/>
+          </p:nvPr>
+        </p:nvSpPr>
+        <p:spPr>
+          <a:xfrm>
+            <a:off x="756000" y="5145120"/>
+            <a:ext cx="6035040" cy="4197240"/>
+          </a:xfrm>
+          <a:prstGeom prst="rect">
+            <a:avLst/>
+          </a:prstGeom>
+          <a:noFill/>
+          <a:ln w="0">
+            <a:noFill/>
+          </a:ln>
+        </p:spPr>
+        <p:txBody>
+          <a:bodyPr lIns="0" rIns="0" tIns="0" bIns="0" anchor="t">
+            <a:noAutofit/>
+          </a:bodyPr>
+          <a:p>
+            <a:endParaRPr b="0" lang="pt-BR" sz="2000" spc="-1" strike="noStrike">
+              <a:latin typeface="Arial"/>
+            </a:endParaRPr>
+          </a:p>
+        </p:txBody>
+      </p:sp>
+      <p:sp>
+        <p:nvSpPr>
+          <p:cNvPr id="420" name="CustomShape 44"/>
+          <p:cNvSpPr/>
+          <p:nvPr/>
+        </p:nvSpPr>
+        <p:spPr>
+          <a:xfrm>
+            <a:off x="0" y="10155240"/>
+            <a:ext cx="3263400" cy="523800"/>
+          </a:xfrm>
+          <a:prstGeom prst="rect">
+            <a:avLst/>
+          </a:prstGeom>
+          <a:noFill/>
+          <a:ln w="0">
+            <a:noFill/>
+          </a:ln>
+        </p:spPr>
+        <p:style>
+          <a:lnRef idx="0"/>
+          <a:fillRef idx="0"/>
+          <a:effectRef idx="0"/>
+          <a:fontRef idx="minor"/>
+        </p:style>
+        <p:txBody>
+          <a:bodyPr lIns="90000" rIns="90000" tIns="45000" bIns="45000" anchor="b">
+            <a:noAutofit/>
+          </a:bodyPr>
+          <a:p>
+            <a:pPr>
+              <a:lnSpc>
+                <a:spcPct val="100000"/>
+              </a:lnSpc>
+              <a:buNone/>
+            </a:pPr>
+            <a:r>
+              <a:rPr b="0" lang="pt-BR" sz="1200" spc="-1" strike="noStrike">
+                <a:solidFill>
+                  <a:srgbClr val="000000"/>
+                </a:solidFill>
+                <a:latin typeface="Times New Roman"/>
+                <a:ea typeface="+mn-ea"/>
+              </a:rPr>
+              <a:t>P</a:t>
+            </a:r>
+            <a:r>
+              <a:rPr b="0" lang="pt-BR" sz="1200" spc="-1" strike="noStrike">
+                <a:solidFill>
+                  <a:srgbClr val="000000"/>
+                </a:solidFill>
+                <a:latin typeface="Times New Roman"/>
+                <a:ea typeface="+mn-ea"/>
+              </a:rPr>
+              <a:t>r</a:t>
+            </a:r>
+            <a:r>
+              <a:rPr b="0" lang="pt-BR" sz="1200" spc="-1" strike="noStrike">
+                <a:solidFill>
+                  <a:srgbClr val="000000"/>
+                </a:solidFill>
+                <a:latin typeface="Times New Roman"/>
+                <a:ea typeface="+mn-ea"/>
+              </a:rPr>
+              <a:t>o</a:t>
+            </a:r>
+            <a:r>
+              <a:rPr b="0" lang="pt-BR" sz="1200" spc="-1" strike="noStrike">
+                <a:solidFill>
+                  <a:srgbClr val="000000"/>
+                </a:solidFill>
+                <a:latin typeface="Times New Roman"/>
+                <a:ea typeface="+mn-ea"/>
+              </a:rPr>
+              <a:t>f</a:t>
+            </a:r>
+            <a:r>
+              <a:rPr b="0" lang="pt-BR" sz="1200" spc="-1" strike="noStrike">
+                <a:solidFill>
+                  <a:srgbClr val="000000"/>
+                </a:solidFill>
+                <a:latin typeface="Times New Roman"/>
+                <a:ea typeface="+mn-ea"/>
+              </a:rPr>
+              <a:t>.</a:t>
+            </a:r>
+            <a:r>
+              <a:rPr b="0" lang="pt-BR" sz="1200" spc="-1" strike="noStrike">
+                <a:solidFill>
+                  <a:srgbClr val="000000"/>
+                </a:solidFill>
+                <a:latin typeface="Times New Roman"/>
+                <a:ea typeface="+mn-ea"/>
+              </a:rPr>
+              <a:t> </a:t>
+            </a:r>
+            <a:r>
+              <a:rPr b="0" lang="pt-BR" sz="1200" spc="-1" strike="noStrike">
+                <a:solidFill>
+                  <a:srgbClr val="000000"/>
+                </a:solidFill>
+                <a:latin typeface="Times New Roman"/>
+                <a:ea typeface="+mn-ea"/>
+              </a:rPr>
+              <a:t>A</a:t>
+            </a:r>
+            <a:r>
+              <a:rPr b="0" lang="pt-BR" sz="1200" spc="-1" strike="noStrike">
+                <a:solidFill>
+                  <a:srgbClr val="000000"/>
+                </a:solidFill>
+                <a:latin typeface="Times New Roman"/>
+                <a:ea typeface="+mn-ea"/>
+              </a:rPr>
+              <a:t>n</a:t>
+            </a:r>
+            <a:r>
+              <a:rPr b="0" lang="pt-BR" sz="1200" spc="-1" strike="noStrike">
+                <a:solidFill>
+                  <a:srgbClr val="000000"/>
+                </a:solidFill>
+                <a:latin typeface="Times New Roman"/>
+                <a:ea typeface="+mn-ea"/>
+              </a:rPr>
+              <a:t>d</a:t>
+            </a:r>
+            <a:r>
+              <a:rPr b="0" lang="pt-BR" sz="1200" spc="-1" strike="noStrike">
+                <a:solidFill>
+                  <a:srgbClr val="000000"/>
+                </a:solidFill>
+                <a:latin typeface="Times New Roman"/>
+                <a:ea typeface="+mn-ea"/>
+              </a:rPr>
+              <a:t>r</a:t>
+            </a:r>
+            <a:r>
+              <a:rPr b="0" lang="pt-BR" sz="1200" spc="-1" strike="noStrike">
+                <a:solidFill>
+                  <a:srgbClr val="000000"/>
+                </a:solidFill>
+                <a:latin typeface="Times New Roman"/>
+                <a:ea typeface="+mn-ea"/>
+              </a:rPr>
+              <a:t>é</a:t>
+            </a:r>
+            <a:r>
+              <a:rPr b="0" lang="pt-BR" sz="1200" spc="-1" strike="noStrike">
+                <a:solidFill>
+                  <a:srgbClr val="000000"/>
+                </a:solidFill>
+                <a:latin typeface="Times New Roman"/>
+                <a:ea typeface="+mn-ea"/>
+              </a:rPr>
+              <a:t> </a:t>
+            </a:r>
+            <a:r>
+              <a:rPr b="0" lang="pt-BR" sz="1200" spc="-1" strike="noStrike">
+                <a:solidFill>
+                  <a:srgbClr val="000000"/>
+                </a:solidFill>
+                <a:latin typeface="Times New Roman"/>
+                <a:ea typeface="+mn-ea"/>
+              </a:rPr>
+              <a:t>H</a:t>
+            </a:r>
+            <a:r>
+              <a:rPr b="0" lang="pt-BR" sz="1200" spc="-1" strike="noStrike">
+                <a:solidFill>
+                  <a:srgbClr val="000000"/>
+                </a:solidFill>
+                <a:latin typeface="Times New Roman"/>
+                <a:ea typeface="+mn-ea"/>
+              </a:rPr>
+              <a:t>o</a:t>
+            </a:r>
+            <a:r>
+              <a:rPr b="0" lang="pt-BR" sz="1200" spc="-1" strike="noStrike">
+                <a:solidFill>
+                  <a:srgbClr val="000000"/>
+                </a:solidFill>
+                <a:latin typeface="Times New Roman"/>
+                <a:ea typeface="+mn-ea"/>
+              </a:rPr>
+              <a:t>c</a:t>
+            </a:r>
+            <a:r>
+              <a:rPr b="0" lang="pt-BR" sz="1200" spc="-1" strike="noStrike">
+                <a:solidFill>
+                  <a:srgbClr val="000000"/>
+                </a:solidFill>
+                <a:latin typeface="Times New Roman"/>
+                <a:ea typeface="+mn-ea"/>
+              </a:rPr>
+              <a:t>h</a:t>
+            </a:r>
+            <a:r>
+              <a:rPr b="0" lang="pt-BR" sz="1200" spc="-1" strike="noStrike">
+                <a:solidFill>
+                  <a:srgbClr val="000000"/>
+                </a:solidFill>
+                <a:latin typeface="Times New Roman"/>
+                <a:ea typeface="+mn-ea"/>
+              </a:rPr>
+              <a:t>u</a:t>
+            </a:r>
+            <a:r>
+              <a:rPr b="0" lang="pt-BR" sz="1200" spc="-1" strike="noStrike">
+                <a:solidFill>
+                  <a:srgbClr val="000000"/>
+                </a:solidFill>
+                <a:latin typeface="Times New Roman"/>
+                <a:ea typeface="+mn-ea"/>
+              </a:rPr>
+              <a:t>l</a:t>
+            </a:r>
+            <a:r>
+              <a:rPr b="0" lang="pt-BR" sz="1200" spc="-1" strike="noStrike">
+                <a:solidFill>
+                  <a:srgbClr val="000000"/>
+                </a:solidFill>
+                <a:latin typeface="Times New Roman"/>
+                <a:ea typeface="+mn-ea"/>
+              </a:rPr>
+              <a:t>i</a:t>
+            </a:r>
+            <a:endParaRPr b="0" lang="pt-BR" sz="1200" spc="-1" strike="noStrike">
+              <a:latin typeface="Arial"/>
+            </a:endParaRPr>
+          </a:p>
+        </p:txBody>
+      </p:sp>
+    </p:spTree>
+  </p:cSld>
+</p:notes>
+</file>
+
+<file path=ppt/notesSlides/notesSlide13.xml><?xml version="1.0" encoding="utf-8"?>
+<p:notes xmlns:a="http://schemas.openxmlformats.org/drawingml/2006/main" xmlns:p="http://schemas.openxmlformats.org/presentationml/2006/main" xmlns:r="http://schemas.openxmlformats.org/officeDocument/2006/relationships" xmlns:p14="http://schemas.microsoft.com/office/powerpoint/2010/main" xmlns:p15="http://schemas.microsoft.com/office/powerpoint/2012/main" xmlns:mc="http://schemas.openxmlformats.org/markup-compatibility/2006">
+  <p:cSld>
+    <p:spTree>
+      <p:nvGrpSpPr>
+        <p:cNvPr id="1" name=""/>
+        <p:cNvGrpSpPr/>
+        <p:nvPr/>
+      </p:nvGrpSpPr>
+      <p:grpSpPr>
+        <a:xfrm>
+          <a:off x="0" y="0"/>
+          <a:ext cx="0" cy="0"/>
+          <a:chOff x="0" y="0"/>
+          <a:chExt cx="0" cy="0"/>
+        </a:xfrm>
+      </p:grpSpPr>
+      <p:sp>
+        <p:nvSpPr>
+          <p:cNvPr id="421" name="PlaceHolder 1"/>
+          <p:cNvSpPr>
+            <a:spLocks noGrp="1"/>
+          </p:cNvSpPr>
+          <p:nvPr>
+            <p:ph type="sldImg"/>
+          </p:nvPr>
+        </p:nvSpPr>
+        <p:spPr>
+          <a:xfrm>
+            <a:off x="1376280" y="1336680"/>
+            <a:ext cx="4795560" cy="3595320"/>
+          </a:xfrm>
+          <a:prstGeom prst="rect">
+            <a:avLst/>
+          </a:prstGeom>
+          <a:ln w="0">
+            <a:noFill/>
+          </a:ln>
+        </p:spPr>
+      </p:sp>
+      <p:sp>
+        <p:nvSpPr>
+          <p:cNvPr id="422" name="PlaceHolder 2"/>
+          <p:cNvSpPr>
+            <a:spLocks noGrp="1"/>
+          </p:cNvSpPr>
+          <p:nvPr>
+            <p:ph type="body"/>
+          </p:nvPr>
+        </p:nvSpPr>
+        <p:spPr>
+          <a:xfrm>
+            <a:off x="756000" y="5145120"/>
+            <a:ext cx="6035040" cy="4197240"/>
+          </a:xfrm>
+          <a:prstGeom prst="rect">
+            <a:avLst/>
+          </a:prstGeom>
+          <a:noFill/>
+          <a:ln w="0">
+            <a:noFill/>
+          </a:ln>
+        </p:spPr>
+        <p:txBody>
+          <a:bodyPr lIns="0" rIns="0" tIns="0" bIns="0" anchor="t">
+            <a:noAutofit/>
+          </a:bodyPr>
+          <a:p>
+            <a:endParaRPr b="0" lang="pt-BR" sz="2000" spc="-1" strike="noStrike">
+              <a:latin typeface="Arial"/>
+            </a:endParaRPr>
+          </a:p>
+        </p:txBody>
+      </p:sp>
+      <p:sp>
+        <p:nvSpPr>
+          <p:cNvPr id="423" name="CustomShape 48"/>
+          <p:cNvSpPr/>
+          <p:nvPr/>
+        </p:nvSpPr>
+        <p:spPr>
+          <a:xfrm>
+            <a:off x="0" y="10155240"/>
+            <a:ext cx="3263400" cy="523800"/>
+          </a:xfrm>
+          <a:prstGeom prst="rect">
+            <a:avLst/>
+          </a:prstGeom>
+          <a:noFill/>
+          <a:ln w="0">
+            <a:noFill/>
+          </a:ln>
+        </p:spPr>
+        <p:style>
+          <a:lnRef idx="0"/>
+          <a:fillRef idx="0"/>
+          <a:effectRef idx="0"/>
+          <a:fontRef idx="minor"/>
+        </p:style>
+        <p:txBody>
+          <a:bodyPr lIns="90000" rIns="90000" tIns="45000" bIns="45000" anchor="b">
+            <a:noAutofit/>
+          </a:bodyPr>
+          <a:p>
+            <a:pPr>
+              <a:lnSpc>
+                <a:spcPct val="100000"/>
+              </a:lnSpc>
+              <a:buNone/>
+            </a:pPr>
+            <a:r>
+              <a:rPr b="0" lang="pt-BR" sz="1200" spc="-1" strike="noStrike">
+                <a:solidFill>
+                  <a:srgbClr val="000000"/>
+                </a:solidFill>
+                <a:latin typeface="Times New Roman"/>
+                <a:ea typeface="+mn-ea"/>
+              </a:rPr>
+              <a:t>Prof. André Hochuli</a:t>
+            </a:r>
+            <a:endParaRPr b="0" lang="pt-BR" sz="1200" spc="-1" strike="noStrike">
+              <a:latin typeface="Arial"/>
+            </a:endParaRPr>
+          </a:p>
+        </p:txBody>
+      </p:sp>
+    </p:spTree>
+  </p:cSld>
+</p:notes>
+</file>
+
+<file path=ppt/notesSlides/notesSlide14.xml><?xml version="1.0" encoding="utf-8"?>
+<p:notes xmlns:a="http://schemas.openxmlformats.org/drawingml/2006/main" xmlns:p="http://schemas.openxmlformats.org/presentationml/2006/main" xmlns:r="http://schemas.openxmlformats.org/officeDocument/2006/relationships" xmlns:p14="http://schemas.microsoft.com/office/powerpoint/2010/main" xmlns:p15="http://schemas.microsoft.com/office/powerpoint/2012/main" xmlns:mc="http://schemas.openxmlformats.org/markup-compatibility/2006">
+  <p:cSld>
+    <p:spTree>
+      <p:nvGrpSpPr>
+        <p:cNvPr id="1" name=""/>
+        <p:cNvGrpSpPr/>
+        <p:nvPr/>
+      </p:nvGrpSpPr>
+      <p:grpSpPr>
+        <a:xfrm>
+          <a:off x="0" y="0"/>
+          <a:ext cx="0" cy="0"/>
+          <a:chOff x="0" y="0"/>
+          <a:chExt cx="0" cy="0"/>
+        </a:xfrm>
+      </p:grpSpPr>
+      <p:sp>
+        <p:nvSpPr>
+          <p:cNvPr id="424" name="PlaceHolder 1"/>
+          <p:cNvSpPr>
+            <a:spLocks noGrp="1"/>
+          </p:cNvSpPr>
+          <p:nvPr>
+            <p:ph type="sldImg"/>
+          </p:nvPr>
+        </p:nvSpPr>
+        <p:spPr>
+          <a:xfrm>
+            <a:off x="1376280" y="1336680"/>
+            <a:ext cx="4795560" cy="3595320"/>
+          </a:xfrm>
+          <a:prstGeom prst="rect">
+            <a:avLst/>
+          </a:prstGeom>
+          <a:ln w="0">
+            <a:noFill/>
+          </a:ln>
+        </p:spPr>
+      </p:sp>
+      <p:sp>
+        <p:nvSpPr>
+          <p:cNvPr id="425" name="PlaceHolder 2"/>
+          <p:cNvSpPr>
+            <a:spLocks noGrp="1"/>
+          </p:cNvSpPr>
+          <p:nvPr>
+            <p:ph type="body"/>
+          </p:nvPr>
+        </p:nvSpPr>
+        <p:spPr>
+          <a:xfrm>
+            <a:off x="756000" y="5145120"/>
+            <a:ext cx="6035040" cy="4197240"/>
+          </a:xfrm>
+          <a:prstGeom prst="rect">
+            <a:avLst/>
+          </a:prstGeom>
+          <a:noFill/>
+          <a:ln w="0">
+            <a:noFill/>
+          </a:ln>
+        </p:spPr>
+        <p:txBody>
+          <a:bodyPr lIns="0" rIns="0" tIns="0" bIns="0" anchor="t">
+            <a:noAutofit/>
+          </a:bodyPr>
+          <a:p>
+            <a:endParaRPr b="0" lang="pt-BR" sz="2000" spc="-1" strike="noStrike">
+              <a:latin typeface="Arial"/>
+            </a:endParaRPr>
+          </a:p>
+        </p:txBody>
+      </p:sp>
+      <p:sp>
+        <p:nvSpPr>
+          <p:cNvPr id="426" name="CustomShape 52"/>
+          <p:cNvSpPr/>
+          <p:nvPr/>
+        </p:nvSpPr>
+        <p:spPr>
+          <a:xfrm>
+            <a:off x="0" y="10155240"/>
+            <a:ext cx="3263400" cy="523800"/>
+          </a:xfrm>
+          <a:prstGeom prst="rect">
+            <a:avLst/>
+          </a:prstGeom>
+          <a:noFill/>
+          <a:ln w="0">
+            <a:noFill/>
+          </a:ln>
+        </p:spPr>
+        <p:style>
+          <a:lnRef idx="0"/>
+          <a:fillRef idx="0"/>
+          <a:effectRef idx="0"/>
+          <a:fontRef idx="minor"/>
+        </p:style>
+        <p:txBody>
+          <a:bodyPr lIns="90000" rIns="90000" tIns="45000" bIns="45000" anchor="b">
+            <a:noAutofit/>
+          </a:bodyPr>
+          <a:p>
+            <a:pPr>
+              <a:lnSpc>
+                <a:spcPct val="100000"/>
+              </a:lnSpc>
+              <a:buNone/>
+            </a:pPr>
+            <a:r>
+              <a:rPr b="0" lang="pt-BR" sz="1200" spc="-1" strike="noStrike">
+                <a:solidFill>
+                  <a:srgbClr val="000000"/>
+                </a:solidFill>
+                <a:latin typeface="Times New Roman"/>
+                <a:ea typeface="+mn-ea"/>
+              </a:rPr>
+              <a:t>Prof. André Hochuli</a:t>
+            </a:r>
+            <a:endParaRPr b="0" lang="pt-BR" sz="1200" spc="-1" strike="noStrike">
+              <a:latin typeface="Arial"/>
+            </a:endParaRPr>
+          </a:p>
+        </p:txBody>
+      </p:sp>
+    </p:spTree>
+  </p:cSld>
+</p:notes>
+</file>
+
+<file path=ppt/notesSlides/notesSlide15.xml><?xml version="1.0" encoding="utf-8"?>
+<p:notes xmlns:a="http://schemas.openxmlformats.org/drawingml/2006/main" xmlns:p="http://schemas.openxmlformats.org/presentationml/2006/main" xmlns:r="http://schemas.openxmlformats.org/officeDocument/2006/relationships" xmlns:p14="http://schemas.microsoft.com/office/powerpoint/2010/main" xmlns:p15="http://schemas.microsoft.com/office/powerpoint/2012/main" xmlns:mc="http://schemas.openxmlformats.org/markup-compatibility/2006">
+  <p:cSld>
+    <p:spTree>
+      <p:nvGrpSpPr>
+        <p:cNvPr id="1" name=""/>
+        <p:cNvGrpSpPr/>
+        <p:nvPr/>
+      </p:nvGrpSpPr>
+      <p:grpSpPr>
+        <a:xfrm>
+          <a:off x="0" y="0"/>
+          <a:ext cx="0" cy="0"/>
+          <a:chOff x="0" y="0"/>
+          <a:chExt cx="0" cy="0"/>
+        </a:xfrm>
+      </p:grpSpPr>
+      <p:sp>
+        <p:nvSpPr>
+          <p:cNvPr id="427" name="PlaceHolder 1"/>
+          <p:cNvSpPr>
+            <a:spLocks noGrp="1"/>
+          </p:cNvSpPr>
+          <p:nvPr>
+            <p:ph type="sldImg"/>
+          </p:nvPr>
+        </p:nvSpPr>
+        <p:spPr>
+          <a:xfrm>
+            <a:off x="1376280" y="1336680"/>
+            <a:ext cx="4795560" cy="3595320"/>
+          </a:xfrm>
+          <a:prstGeom prst="rect">
+            <a:avLst/>
+          </a:prstGeom>
+          <a:ln w="0">
+            <a:noFill/>
+          </a:ln>
+        </p:spPr>
+      </p:sp>
+      <p:sp>
+        <p:nvSpPr>
+          <p:cNvPr id="428" name="PlaceHolder 2"/>
+          <p:cNvSpPr>
+            <a:spLocks noGrp="1"/>
+          </p:cNvSpPr>
+          <p:nvPr>
+            <p:ph type="body"/>
+          </p:nvPr>
+        </p:nvSpPr>
+        <p:spPr>
+          <a:xfrm>
+            <a:off x="756000" y="5145120"/>
+            <a:ext cx="6035040" cy="4197240"/>
+          </a:xfrm>
+          <a:prstGeom prst="rect">
+            <a:avLst/>
+          </a:prstGeom>
+          <a:noFill/>
+          <a:ln w="0">
+            <a:noFill/>
+          </a:ln>
+        </p:spPr>
+        <p:txBody>
+          <a:bodyPr lIns="0" rIns="0" tIns="0" bIns="0" anchor="t">
+            <a:noAutofit/>
+          </a:bodyPr>
+          <a:p>
+            <a:endParaRPr b="0" lang="pt-BR" sz="2000" spc="-1" strike="noStrike">
+              <a:latin typeface="Arial"/>
+            </a:endParaRPr>
+          </a:p>
+        </p:txBody>
+      </p:sp>
+      <p:sp>
+        <p:nvSpPr>
+          <p:cNvPr id="429" name="CustomShape 56"/>
+          <p:cNvSpPr/>
+          <p:nvPr/>
+        </p:nvSpPr>
+        <p:spPr>
+          <a:xfrm>
+            <a:off x="0" y="10155240"/>
+            <a:ext cx="3263400" cy="523800"/>
+          </a:xfrm>
+          <a:prstGeom prst="rect">
+            <a:avLst/>
+          </a:prstGeom>
+          <a:noFill/>
+          <a:ln w="0">
+            <a:noFill/>
+          </a:ln>
+        </p:spPr>
+        <p:style>
+          <a:lnRef idx="0"/>
+          <a:fillRef idx="0"/>
+          <a:effectRef idx="0"/>
+          <a:fontRef idx="minor"/>
+        </p:style>
+        <p:txBody>
+          <a:bodyPr lIns="90000" rIns="90000" tIns="45000" bIns="45000" anchor="b">
+            <a:noAutofit/>
+          </a:bodyPr>
+          <a:p>
+            <a:pPr>
+              <a:lnSpc>
+                <a:spcPct val="100000"/>
+              </a:lnSpc>
+              <a:buNone/>
+            </a:pPr>
+            <a:r>
+              <a:rPr b="0" lang="pt-BR" sz="1200" spc="-1" strike="noStrike">
+                <a:solidFill>
+                  <a:srgbClr val="000000"/>
+                </a:solidFill>
+                <a:latin typeface="Times New Roman"/>
+                <a:ea typeface="+mn-ea"/>
+              </a:rPr>
+              <a:t>Prof. André Hochuli</a:t>
+            </a:r>
+            <a:endParaRPr b="0" lang="pt-BR" sz="1200" spc="-1" strike="noStrike">
+              <a:latin typeface="Arial"/>
+            </a:endParaRPr>
+          </a:p>
+        </p:txBody>
+      </p:sp>
+    </p:spTree>
+  </p:cSld>
+</p:notes>
+</file>
+
+<file path=ppt/notesSlides/notesSlide16.xml><?xml version="1.0" encoding="utf-8"?>
+<p:notes xmlns:a="http://schemas.openxmlformats.org/drawingml/2006/main" xmlns:p="http://schemas.openxmlformats.org/presentationml/2006/main" xmlns:r="http://schemas.openxmlformats.org/officeDocument/2006/relationships" xmlns:p14="http://schemas.microsoft.com/office/powerpoint/2010/main" xmlns:p15="http://schemas.microsoft.com/office/powerpoint/2012/main" xmlns:mc="http://schemas.openxmlformats.org/markup-compatibility/2006">
+  <p:cSld>
+    <p:spTree>
+      <p:nvGrpSpPr>
+        <p:cNvPr id="1" name=""/>
+        <p:cNvGrpSpPr/>
+        <p:nvPr/>
+      </p:nvGrpSpPr>
+      <p:grpSpPr>
+        <a:xfrm>
+          <a:off x="0" y="0"/>
+          <a:ext cx="0" cy="0"/>
+          <a:chOff x="0" y="0"/>
+          <a:chExt cx="0" cy="0"/>
+        </a:xfrm>
+      </p:grpSpPr>
+      <p:sp>
+        <p:nvSpPr>
+          <p:cNvPr id="430" name="PlaceHolder 1"/>
+          <p:cNvSpPr>
+            <a:spLocks noGrp="1"/>
+          </p:cNvSpPr>
+          <p:nvPr>
+            <p:ph type="sldImg"/>
+          </p:nvPr>
+        </p:nvSpPr>
+        <p:spPr>
+          <a:xfrm>
+            <a:off x="1376280" y="1336680"/>
+            <a:ext cx="4795560" cy="3595320"/>
+          </a:xfrm>
+          <a:prstGeom prst="rect">
+            <a:avLst/>
+          </a:prstGeom>
+          <a:ln w="0">
+            <a:noFill/>
+          </a:ln>
+        </p:spPr>
+      </p:sp>
+      <p:sp>
+        <p:nvSpPr>
+          <p:cNvPr id="431" name="PlaceHolder 2"/>
+          <p:cNvSpPr>
+            <a:spLocks noGrp="1"/>
+          </p:cNvSpPr>
+          <p:nvPr>
+            <p:ph type="body"/>
+          </p:nvPr>
+        </p:nvSpPr>
+        <p:spPr>
+          <a:xfrm>
+            <a:off x="756000" y="5145120"/>
+            <a:ext cx="6035040" cy="4197240"/>
+          </a:xfrm>
+          <a:prstGeom prst="rect">
+            <a:avLst/>
+          </a:prstGeom>
+          <a:noFill/>
+          <a:ln w="0">
+            <a:noFill/>
+          </a:ln>
+        </p:spPr>
+        <p:txBody>
+          <a:bodyPr lIns="0" rIns="0" tIns="0" bIns="0" anchor="t">
+            <a:noAutofit/>
+          </a:bodyPr>
+          <a:p>
+            <a:endParaRPr b="0" lang="pt-BR" sz="2000" spc="-1" strike="noStrike">
+              <a:latin typeface="Arial"/>
+            </a:endParaRPr>
+          </a:p>
+        </p:txBody>
+      </p:sp>
+      <p:sp>
+        <p:nvSpPr>
+          <p:cNvPr id="432" name="CustomShape 60"/>
+          <p:cNvSpPr/>
+          <p:nvPr/>
+        </p:nvSpPr>
+        <p:spPr>
+          <a:xfrm>
+            <a:off x="0" y="10155240"/>
+            <a:ext cx="3263400" cy="523800"/>
+          </a:xfrm>
+          <a:prstGeom prst="rect">
+            <a:avLst/>
+          </a:prstGeom>
+          <a:noFill/>
+          <a:ln w="0">
+            <a:noFill/>
+          </a:ln>
+        </p:spPr>
+        <p:style>
+          <a:lnRef idx="0"/>
+          <a:fillRef idx="0"/>
+          <a:effectRef idx="0"/>
+          <a:fontRef idx="minor"/>
+        </p:style>
+        <p:txBody>
+          <a:bodyPr lIns="90000" rIns="90000" tIns="45000" bIns="45000" anchor="b">
+            <a:noAutofit/>
+          </a:bodyPr>
+          <a:p>
+            <a:pPr>
+              <a:lnSpc>
+                <a:spcPct val="100000"/>
+              </a:lnSpc>
+              <a:buNone/>
+            </a:pPr>
+            <a:r>
+              <a:rPr b="0" lang="pt-BR" sz="1200" spc="-1" strike="noStrike">
+                <a:solidFill>
+                  <a:srgbClr val="000000"/>
+                </a:solidFill>
+                <a:latin typeface="Times New Roman"/>
+                <a:ea typeface="+mn-ea"/>
+              </a:rPr>
+              <a:t>Prof. André Hochuli</a:t>
+            </a:r>
+            <a:endParaRPr b="0" lang="pt-BR" sz="1200" spc="-1" strike="noStrike">
+              <a:latin typeface="Arial"/>
+            </a:endParaRPr>
+          </a:p>
+        </p:txBody>
+      </p:sp>
+    </p:spTree>
+  </p:cSld>
+</p:notes>
+</file>
+
+<file path=ppt/notesSlides/notesSlide17.xml><?xml version="1.0" encoding="utf-8"?>
+<p:notes xmlns:a="http://schemas.openxmlformats.org/drawingml/2006/main" xmlns:p="http://schemas.openxmlformats.org/presentationml/2006/main" xmlns:r="http://schemas.openxmlformats.org/officeDocument/2006/relationships" xmlns:p14="http://schemas.microsoft.com/office/powerpoint/2010/main" xmlns:p15="http://schemas.microsoft.com/office/powerpoint/2012/main" xmlns:mc="http://schemas.openxmlformats.org/markup-compatibility/2006">
+  <p:cSld>
+    <p:spTree>
+      <p:nvGrpSpPr>
+        <p:cNvPr id="1" name=""/>
+        <p:cNvGrpSpPr/>
+        <p:nvPr/>
+      </p:nvGrpSpPr>
+      <p:grpSpPr>
+        <a:xfrm>
+          <a:off x="0" y="0"/>
+          <a:ext cx="0" cy="0"/>
+          <a:chOff x="0" y="0"/>
+          <a:chExt cx="0" cy="0"/>
+        </a:xfrm>
+      </p:grpSpPr>
+      <p:sp>
+        <p:nvSpPr>
+          <p:cNvPr id="433" name="PlaceHolder 1"/>
+          <p:cNvSpPr>
+            <a:spLocks noGrp="1"/>
+          </p:cNvSpPr>
+          <p:nvPr>
+            <p:ph type="sldImg"/>
+          </p:nvPr>
+        </p:nvSpPr>
+        <p:spPr>
+          <a:xfrm>
+            <a:off x="1376280" y="1336680"/>
+            <a:ext cx="4795560" cy="3595320"/>
+          </a:xfrm>
+          <a:prstGeom prst="rect">
+            <a:avLst/>
+          </a:prstGeom>
+          <a:ln w="0">
+            <a:noFill/>
+          </a:ln>
+        </p:spPr>
+      </p:sp>
+      <p:sp>
+        <p:nvSpPr>
+          <p:cNvPr id="434" name="PlaceHolder 2"/>
+          <p:cNvSpPr>
+            <a:spLocks noGrp="1"/>
+          </p:cNvSpPr>
+          <p:nvPr>
+            <p:ph type="body"/>
+          </p:nvPr>
+        </p:nvSpPr>
+        <p:spPr>
+          <a:xfrm>
+            <a:off x="756000" y="5145120"/>
+            <a:ext cx="6035040" cy="4197240"/>
+          </a:xfrm>
+          <a:prstGeom prst="rect">
+            <a:avLst/>
+          </a:prstGeom>
+          <a:noFill/>
+          <a:ln w="0">
+            <a:noFill/>
+          </a:ln>
+        </p:spPr>
+        <p:txBody>
+          <a:bodyPr lIns="0" rIns="0" tIns="0" bIns="0" anchor="t">
+            <a:noAutofit/>
+          </a:bodyPr>
+          <a:p>
+            <a:endParaRPr b="0" lang="pt-BR" sz="2000" spc="-1" strike="noStrike">
+              <a:latin typeface="Arial"/>
+            </a:endParaRPr>
+          </a:p>
+        </p:txBody>
+      </p:sp>
+      <p:sp>
+        <p:nvSpPr>
+          <p:cNvPr id="435" name="CustomShape 64"/>
+          <p:cNvSpPr/>
+          <p:nvPr/>
+        </p:nvSpPr>
+        <p:spPr>
+          <a:xfrm>
+            <a:off x="0" y="10155240"/>
+            <a:ext cx="3263400" cy="523800"/>
+          </a:xfrm>
+          <a:prstGeom prst="rect">
+            <a:avLst/>
+          </a:prstGeom>
+          <a:noFill/>
+          <a:ln w="0">
+            <a:noFill/>
+          </a:ln>
+        </p:spPr>
+        <p:style>
+          <a:lnRef idx="0"/>
+          <a:fillRef idx="0"/>
+          <a:effectRef idx="0"/>
+          <a:fontRef idx="minor"/>
+        </p:style>
+        <p:txBody>
+          <a:bodyPr lIns="90000" rIns="90000" tIns="45000" bIns="45000" anchor="b">
+            <a:noAutofit/>
+          </a:bodyPr>
+          <a:p>
+            <a:pPr>
+              <a:lnSpc>
+                <a:spcPct val="100000"/>
+              </a:lnSpc>
+              <a:buNone/>
+            </a:pPr>
+            <a:r>
+              <a:rPr b="0" lang="pt-BR" sz="1200" spc="-1" strike="noStrike">
+                <a:solidFill>
+                  <a:srgbClr val="000000"/>
+                </a:solidFill>
+                <a:latin typeface="Times New Roman"/>
+                <a:ea typeface="+mn-ea"/>
+              </a:rPr>
+              <a:t>Prof. </a:t>
+            </a:r>
+            <a:r>
+              <a:rPr b="0" lang="pt-BR" sz="1200" spc="-1" strike="noStrike">
+                <a:solidFill>
+                  <a:srgbClr val="000000"/>
+                </a:solidFill>
+                <a:latin typeface="Times New Roman"/>
+                <a:ea typeface="+mn-ea"/>
+              </a:rPr>
+              <a:t>André </a:t>
+            </a:r>
+            <a:r>
+              <a:rPr b="0" lang="pt-BR" sz="1200" spc="-1" strike="noStrike">
+                <a:solidFill>
+                  <a:srgbClr val="000000"/>
+                </a:solidFill>
+                <a:latin typeface="Times New Roman"/>
+                <a:ea typeface="+mn-ea"/>
+              </a:rPr>
+              <a:t>Hochuli</a:t>
+            </a:r>
+            <a:endParaRPr b="0" lang="pt-BR" sz="1200" spc="-1" strike="noStrike">
+              <a:latin typeface="Arial"/>
+            </a:endParaRPr>
+          </a:p>
+        </p:txBody>
+      </p:sp>
+    </p:spTree>
+  </p:cSld>
+</p:notes>
+</file>
+
+<file path=ppt/notesSlides/notesSlide18.xml><?xml version="1.0" encoding="utf-8"?>
+<p:notes xmlns:a="http://schemas.openxmlformats.org/drawingml/2006/main" xmlns:p="http://schemas.openxmlformats.org/presentationml/2006/main" xmlns:r="http://schemas.openxmlformats.org/officeDocument/2006/relationships" xmlns:p14="http://schemas.microsoft.com/office/powerpoint/2010/main" xmlns:p15="http://schemas.microsoft.com/office/powerpoint/2012/main" xmlns:mc="http://schemas.openxmlformats.org/markup-compatibility/2006">
+  <p:cSld>
+    <p:spTree>
+      <p:nvGrpSpPr>
+        <p:cNvPr id="1" name=""/>
+        <p:cNvGrpSpPr/>
+        <p:nvPr/>
+      </p:nvGrpSpPr>
+      <p:grpSpPr>
+        <a:xfrm>
+          <a:off x="0" y="0"/>
+          <a:ext cx="0" cy="0"/>
+          <a:chOff x="0" y="0"/>
+          <a:chExt cx="0" cy="0"/>
+        </a:xfrm>
+      </p:grpSpPr>
+      <p:sp>
+        <p:nvSpPr>
+          <p:cNvPr id="436" name="PlaceHolder 1"/>
+          <p:cNvSpPr>
+            <a:spLocks noGrp="1"/>
+          </p:cNvSpPr>
+          <p:nvPr>
+            <p:ph type="sldImg"/>
+          </p:nvPr>
+        </p:nvSpPr>
+        <p:spPr>
+          <a:xfrm>
+            <a:off x="1376280" y="1336680"/>
+            <a:ext cx="4795560" cy="3595320"/>
+          </a:xfrm>
+          <a:prstGeom prst="rect">
+            <a:avLst/>
+          </a:prstGeom>
+          <a:ln w="0">
+            <a:noFill/>
+          </a:ln>
+        </p:spPr>
+      </p:sp>
+      <p:sp>
+        <p:nvSpPr>
+          <p:cNvPr id="437" name="PlaceHolder 2"/>
+          <p:cNvSpPr>
+            <a:spLocks noGrp="1"/>
+          </p:cNvSpPr>
+          <p:nvPr>
+            <p:ph type="body"/>
+          </p:nvPr>
+        </p:nvSpPr>
+        <p:spPr>
+          <a:xfrm>
+            <a:off x="756000" y="5145120"/>
+            <a:ext cx="6035040" cy="4197240"/>
+          </a:xfrm>
+          <a:prstGeom prst="rect">
+            <a:avLst/>
+          </a:prstGeom>
+          <a:noFill/>
+          <a:ln w="0">
+            <a:noFill/>
+          </a:ln>
+        </p:spPr>
+        <p:txBody>
+          <a:bodyPr lIns="0" rIns="0" tIns="0" bIns="0" anchor="t">
+            <a:noAutofit/>
+          </a:bodyPr>
+          <a:p>
+            <a:endParaRPr b="0" lang="pt-BR" sz="2000" spc="-1" strike="noStrike">
+              <a:latin typeface="Arial"/>
+            </a:endParaRPr>
+          </a:p>
+        </p:txBody>
+      </p:sp>
+      <p:sp>
+        <p:nvSpPr>
+          <p:cNvPr id="438" name="CustomShape 68"/>
+          <p:cNvSpPr/>
+          <p:nvPr/>
+        </p:nvSpPr>
+        <p:spPr>
+          <a:xfrm>
+            <a:off x="0" y="10155240"/>
+            <a:ext cx="3263400" cy="523800"/>
+          </a:xfrm>
+          <a:prstGeom prst="rect">
+            <a:avLst/>
+          </a:prstGeom>
+          <a:noFill/>
+          <a:ln w="0">
+            <a:noFill/>
+          </a:ln>
+        </p:spPr>
+        <p:style>
+          <a:lnRef idx="0"/>
+          <a:fillRef idx="0"/>
+          <a:effectRef idx="0"/>
+          <a:fontRef idx="minor"/>
+        </p:style>
+        <p:txBody>
+          <a:bodyPr lIns="90000" rIns="90000" tIns="45000" bIns="45000" anchor="b">
+            <a:noAutofit/>
+          </a:bodyPr>
+          <a:p>
+            <a:pPr>
+              <a:lnSpc>
+                <a:spcPct val="100000"/>
+              </a:lnSpc>
+              <a:buNone/>
+            </a:pPr>
+            <a:r>
+              <a:rPr b="0" lang="pt-BR" sz="1200" spc="-1" strike="noStrike">
+                <a:solidFill>
+                  <a:srgbClr val="000000"/>
+                </a:solidFill>
+                <a:latin typeface="Times New Roman"/>
+                <a:ea typeface="+mn-ea"/>
+              </a:rPr>
+              <a:t>Prof. </a:t>
+            </a:r>
+            <a:r>
+              <a:rPr b="0" lang="pt-BR" sz="1200" spc="-1" strike="noStrike">
+                <a:solidFill>
+                  <a:srgbClr val="000000"/>
+                </a:solidFill>
+                <a:latin typeface="Times New Roman"/>
+                <a:ea typeface="+mn-ea"/>
+              </a:rPr>
+              <a:t>André </a:t>
+            </a:r>
+            <a:r>
+              <a:rPr b="0" lang="pt-BR" sz="1200" spc="-1" strike="noStrike">
+                <a:solidFill>
+                  <a:srgbClr val="000000"/>
+                </a:solidFill>
+                <a:latin typeface="Times New Roman"/>
+                <a:ea typeface="+mn-ea"/>
+              </a:rPr>
+              <a:t>Hochuli</a:t>
             </a:r>
             <a:endParaRPr b="0" lang="pt-BR" sz="1200" spc="-1" strike="noStrike">
               <a:latin typeface="Arial"/>
@@ -605,7 +1881,7 @@
       </p:grpSpPr>
       <p:sp>
         <p:nvSpPr>
-          <p:cNvPr id="333" name="PlaceHolder 1"/>
+          <p:cNvPr id="388" name="PlaceHolder 1"/>
           <p:cNvSpPr>
             <a:spLocks noGrp="1"/>
           </p:cNvSpPr>
@@ -628,7 +1904,7 @@
       </p:sp>
       <p:sp>
         <p:nvSpPr>
-          <p:cNvPr id="334" name="PlaceHolder 2"/>
+          <p:cNvPr id="389" name="PlaceHolder 2"/>
           <p:cNvSpPr>
             <a:spLocks noGrp="1"/>
           </p:cNvSpPr>
@@ -662,7 +1938,7 @@
       </p:sp>
       <p:sp>
         <p:nvSpPr>
-          <p:cNvPr id="335" name="CustomShape 3"/>
+          <p:cNvPr id="390" name="CustomShape 3"/>
           <p:cNvSpPr/>
           <p:nvPr/>
         </p:nvSpPr>
@@ -736,7 +2012,7 @@
       </p:grpSpPr>
       <p:sp>
         <p:nvSpPr>
-          <p:cNvPr id="336" name="PlaceHolder 1"/>
+          <p:cNvPr id="391" name="PlaceHolder 1"/>
           <p:cNvSpPr>
             <a:spLocks noGrp="1"/>
           </p:cNvSpPr>
@@ -759,7 +2035,7 @@
       </p:sp>
       <p:sp>
         <p:nvSpPr>
-          <p:cNvPr id="337" name="PlaceHolder 2"/>
+          <p:cNvPr id="392" name="PlaceHolder 2"/>
           <p:cNvSpPr>
             <a:spLocks noGrp="1"/>
           </p:cNvSpPr>
@@ -793,7 +2069,7 @@
       </p:sp>
       <p:sp>
         <p:nvSpPr>
-          <p:cNvPr id="338" name="CustomShape 6"/>
+          <p:cNvPr id="393" name="CustomShape 6"/>
           <p:cNvSpPr/>
           <p:nvPr/>
         </p:nvSpPr>
@@ -867,7 +2143,7 @@
       </p:grpSpPr>
       <p:sp>
         <p:nvSpPr>
-          <p:cNvPr id="339" name="PlaceHolder 1"/>
+          <p:cNvPr id="394" name="PlaceHolder 1"/>
           <p:cNvSpPr>
             <a:spLocks noGrp="1"/>
           </p:cNvSpPr>
@@ -890,7 +2166,7 @@
       </p:sp>
       <p:sp>
         <p:nvSpPr>
-          <p:cNvPr id="340" name="PlaceHolder 2"/>
+          <p:cNvPr id="395" name="PlaceHolder 2"/>
           <p:cNvSpPr>
             <a:spLocks noGrp="1"/>
           </p:cNvSpPr>
@@ -924,7 +2200,7 @@
       </p:sp>
       <p:sp>
         <p:nvSpPr>
-          <p:cNvPr id="341" name="CustomShape 9"/>
+          <p:cNvPr id="396" name="CustomShape 9"/>
           <p:cNvSpPr/>
           <p:nvPr/>
         </p:nvSpPr>
@@ -1178,7 +2454,7 @@
       </p:grpSpPr>
       <p:sp>
         <p:nvSpPr>
-          <p:cNvPr id="342" name="PlaceHolder 1"/>
+          <p:cNvPr id="397" name="PlaceHolder 1"/>
           <p:cNvSpPr>
             <a:spLocks noGrp="1"/>
           </p:cNvSpPr>
@@ -1201,7 +2477,7 @@
       </p:sp>
       <p:sp>
         <p:nvSpPr>
-          <p:cNvPr id="343" name="PlaceHolder 2"/>
+          <p:cNvPr id="398" name="PlaceHolder 2"/>
           <p:cNvSpPr>
             <a:spLocks noGrp="1"/>
           </p:cNvSpPr>
@@ -1235,7 +2511,7 @@
       </p:sp>
       <p:sp>
         <p:nvSpPr>
-          <p:cNvPr id="344" name="CustomShape 16"/>
+          <p:cNvPr id="399" name="CustomShape 16"/>
           <p:cNvSpPr/>
           <p:nvPr/>
         </p:nvSpPr>
@@ -1329,7 +2605,7 @@
       </p:grpSpPr>
       <p:sp>
         <p:nvSpPr>
-          <p:cNvPr id="345" name="PlaceHolder 1"/>
+          <p:cNvPr id="400" name="PlaceHolder 1"/>
           <p:cNvSpPr>
             <a:spLocks noGrp="1"/>
           </p:cNvSpPr>
@@ -1352,7 +2628,7 @@
       </p:sp>
       <p:sp>
         <p:nvSpPr>
-          <p:cNvPr id="346" name="PlaceHolder 2"/>
+          <p:cNvPr id="401" name="PlaceHolder 2"/>
           <p:cNvSpPr>
             <a:spLocks noGrp="1"/>
           </p:cNvSpPr>
@@ -1386,7 +2662,7 @@
       </p:sp>
       <p:sp>
         <p:nvSpPr>
-          <p:cNvPr id="347" name="CustomShape 20"/>
+          <p:cNvPr id="402" name="CustomShape 20"/>
           <p:cNvSpPr/>
           <p:nvPr/>
         </p:nvSpPr>
@@ -1460,7 +2736,7 @@
       </p:grpSpPr>
       <p:sp>
         <p:nvSpPr>
-          <p:cNvPr id="348" name="PlaceHolder 1"/>
+          <p:cNvPr id="403" name="PlaceHolder 1"/>
           <p:cNvSpPr>
             <a:spLocks noGrp="1"/>
           </p:cNvSpPr>
@@ -1483,7 +2759,7 @@
       </p:sp>
       <p:sp>
         <p:nvSpPr>
-          <p:cNvPr id="349" name="PlaceHolder 2"/>
+          <p:cNvPr id="404" name="PlaceHolder 2"/>
           <p:cNvSpPr>
             <a:spLocks noGrp="1"/>
           </p:cNvSpPr>
@@ -1517,7 +2793,7 @@
       </p:sp>
       <p:sp>
         <p:nvSpPr>
-          <p:cNvPr id="350" name="CustomShape 24"/>
+          <p:cNvPr id="405" name="CustomShape 24"/>
           <p:cNvSpPr/>
           <p:nvPr/>
         </p:nvSpPr>
@@ -1591,7 +2867,7 @@
       </p:grpSpPr>
       <p:sp>
         <p:nvSpPr>
-          <p:cNvPr id="351" name="PlaceHolder 1"/>
+          <p:cNvPr id="406" name="PlaceHolder 1"/>
           <p:cNvSpPr>
             <a:spLocks noGrp="1"/>
           </p:cNvSpPr>
@@ -1614,7 +2890,7 @@
       </p:sp>
       <p:sp>
         <p:nvSpPr>
-          <p:cNvPr id="352" name="PlaceHolder 2"/>
+          <p:cNvPr id="407" name="PlaceHolder 2"/>
           <p:cNvSpPr>
             <a:spLocks noGrp="1"/>
           </p:cNvSpPr>
@@ -1648,7 +2924,7 @@
       </p:sp>
       <p:sp>
         <p:nvSpPr>
-          <p:cNvPr id="353" name="CustomShape 28"/>
+          <p:cNvPr id="408" name="CustomShape 28"/>
           <p:cNvSpPr/>
           <p:nvPr/>
         </p:nvSpPr>
@@ -1722,7 +2998,7 @@
       </p:grpSpPr>
       <p:sp>
         <p:nvSpPr>
-          <p:cNvPr id="354" name="PlaceHolder 1"/>
+          <p:cNvPr id="409" name="PlaceHolder 1"/>
           <p:cNvSpPr>
             <a:spLocks noGrp="1"/>
           </p:cNvSpPr>
@@ -1745,7 +3021,7 @@
       </p:sp>
       <p:sp>
         <p:nvSpPr>
-          <p:cNvPr id="355" name="PlaceHolder 2"/>
+          <p:cNvPr id="410" name="PlaceHolder 2"/>
           <p:cNvSpPr>
             <a:spLocks noGrp="1"/>
           </p:cNvSpPr>
@@ -1779,7 +3055,7 @@
       </p:sp>
       <p:sp>
         <p:nvSpPr>
-          <p:cNvPr id="356" name="CustomShape 32"/>
+          <p:cNvPr id="411" name="CustomShape 32"/>
           <p:cNvSpPr/>
           <p:nvPr/>
         </p:nvSpPr>
@@ -11065,169 +12341,7 @@
               <a:rPr b="0" lang="pt-BR" sz="4400" spc="-1" strike="noStrike">
                 <a:latin typeface="Arial"/>
               </a:rPr>
-              <a:t>C</a:t>
-            </a:r>
-            <a:r>
-              <a:rPr b="0" lang="pt-BR" sz="4400" spc="-1" strike="noStrike">
-                <a:latin typeface="Arial"/>
-              </a:rPr>
-              <a:t>li</a:t>
-            </a:r>
-            <a:r>
-              <a:rPr b="0" lang="pt-BR" sz="4400" spc="-1" strike="noStrike">
-                <a:latin typeface="Arial"/>
-              </a:rPr>
-              <a:t>c</a:t>
-            </a:r>
-            <a:r>
-              <a:rPr b="0" lang="pt-BR" sz="4400" spc="-1" strike="noStrike">
-                <a:latin typeface="Arial"/>
-              </a:rPr>
-              <a:t>k </a:t>
-            </a:r>
-            <a:r>
-              <a:rPr b="0" lang="pt-BR" sz="4400" spc="-1" strike="noStrike">
-                <a:latin typeface="Arial"/>
-              </a:rPr>
-              <a:t>t</a:t>
-            </a:r>
-            <a:r>
-              <a:rPr b="0" lang="pt-BR" sz="4400" spc="-1" strike="noStrike">
-                <a:latin typeface="Arial"/>
-              </a:rPr>
-              <a:t>o</a:t>
-            </a:r>
-            <a:r>
-              <a:rPr b="0" lang="pt-BR" sz="4400" spc="-1" strike="noStrike">
-                <a:latin typeface="Arial"/>
-              </a:rPr>
-              <a:t> </a:t>
-            </a:r>
-            <a:r>
-              <a:rPr b="0" lang="pt-BR" sz="4400" spc="-1" strike="noStrike">
-                <a:latin typeface="Arial"/>
-              </a:rPr>
-              <a:t>e</a:t>
-            </a:r>
-            <a:r>
-              <a:rPr b="0" lang="pt-BR" sz="4400" spc="-1" strike="noStrike">
-                <a:latin typeface="Arial"/>
-              </a:rPr>
-              <a:t>d</a:t>
-            </a:r>
-            <a:r>
-              <a:rPr b="0" lang="pt-BR" sz="4400" spc="-1" strike="noStrike">
-                <a:latin typeface="Arial"/>
-              </a:rPr>
-              <a:t>it </a:t>
-            </a:r>
-            <a:r>
-              <a:rPr b="0" lang="pt-BR" sz="4400" spc="-1" strike="noStrike">
-                <a:latin typeface="Arial"/>
-              </a:rPr>
-              <a:t>t</a:t>
-            </a:r>
-            <a:r>
-              <a:rPr b="0" lang="pt-BR" sz="4400" spc="-1" strike="noStrike">
-                <a:latin typeface="Arial"/>
-              </a:rPr>
-              <a:t>h</a:t>
-            </a:r>
-            <a:r>
-              <a:rPr b="0" lang="pt-BR" sz="4400" spc="-1" strike="noStrike">
-                <a:latin typeface="Arial"/>
-              </a:rPr>
-              <a:t>e</a:t>
-            </a:r>
-            <a:r>
-              <a:rPr b="0" lang="pt-BR" sz="4400" spc="-1" strike="noStrike">
-                <a:latin typeface="Arial"/>
-              </a:rPr>
-              <a:t> </a:t>
-            </a:r>
-            <a:r>
-              <a:rPr b="0" lang="pt-BR" sz="4400" spc="-1" strike="noStrike">
-                <a:latin typeface="Arial"/>
-              </a:rPr>
-              <a:t>ti</a:t>
-            </a:r>
-            <a:r>
-              <a:rPr b="0" lang="pt-BR" sz="4400" spc="-1" strike="noStrike">
-                <a:latin typeface="Arial"/>
-              </a:rPr>
-              <a:t>tl</a:t>
-            </a:r>
-            <a:r>
-              <a:rPr b="0" lang="pt-BR" sz="4400" spc="-1" strike="noStrike">
-                <a:latin typeface="Arial"/>
-              </a:rPr>
-              <a:t>e</a:t>
-            </a:r>
-            <a:r>
-              <a:rPr b="0" lang="pt-BR" sz="4400" spc="-1" strike="noStrike">
-                <a:latin typeface="Arial"/>
-              </a:rPr>
-              <a:t> </a:t>
-            </a:r>
-            <a:r>
-              <a:rPr b="0" lang="pt-BR" sz="4400" spc="-1" strike="noStrike">
-                <a:latin typeface="Arial"/>
-              </a:rPr>
-              <a:t>t</a:t>
-            </a:r>
-            <a:r>
-              <a:rPr b="0" lang="pt-BR" sz="4400" spc="-1" strike="noStrike">
-                <a:latin typeface="Arial"/>
-              </a:rPr>
-              <a:t>e</a:t>
-            </a:r>
-            <a:r>
-              <a:rPr b="0" lang="pt-BR" sz="4400" spc="-1" strike="noStrike">
-                <a:latin typeface="Arial"/>
-              </a:rPr>
-              <a:t>x</a:t>
-            </a:r>
-            <a:r>
-              <a:rPr b="0" lang="pt-BR" sz="4400" spc="-1" strike="noStrike">
-                <a:latin typeface="Arial"/>
-              </a:rPr>
-              <a:t>t </a:t>
-            </a:r>
-            <a:r>
-              <a:rPr b="0" lang="pt-BR" sz="4400" spc="-1" strike="noStrike">
-                <a:latin typeface="Arial"/>
-              </a:rPr>
-              <a:t>f</a:t>
-            </a:r>
-            <a:r>
-              <a:rPr b="0" lang="pt-BR" sz="4400" spc="-1" strike="noStrike">
-                <a:latin typeface="Arial"/>
-              </a:rPr>
-              <a:t>o</a:t>
-            </a:r>
-            <a:r>
-              <a:rPr b="0" lang="pt-BR" sz="4400" spc="-1" strike="noStrike">
-                <a:latin typeface="Arial"/>
-              </a:rPr>
-              <a:t>r</a:t>
-            </a:r>
-            <a:r>
-              <a:rPr b="0" lang="pt-BR" sz="4400" spc="-1" strike="noStrike">
-                <a:latin typeface="Arial"/>
-              </a:rPr>
-              <a:t>m</a:t>
-            </a:r>
-            <a:r>
-              <a:rPr b="0" lang="pt-BR" sz="4400" spc="-1" strike="noStrike">
-                <a:latin typeface="Arial"/>
-              </a:rPr>
-              <a:t>a</a:t>
-            </a:r>
-            <a:r>
-              <a:rPr b="0" lang="pt-BR" sz="4400" spc="-1" strike="noStrike">
-                <a:latin typeface="Arial"/>
-              </a:rPr>
-              <a:t>t</a:t>
+              <a:t>Click to edit the title text format</a:t>
             </a:r>
             <a:endParaRPr b="0" lang="pt-BR" sz="4400" spc="-1" strike="noStrike">
               <a:latin typeface="Arial"/>
@@ -13648,7 +14762,7 @@
       </p:grpSpPr>
       <p:sp>
         <p:nvSpPr>
-          <p:cNvPr id="325" name="CustomShape 33"/>
+          <p:cNvPr id="326" name="CustomShape 33"/>
           <p:cNvSpPr/>
           <p:nvPr/>
         </p:nvSpPr>
@@ -13700,7 +14814,7 @@
       </p:sp>
       <p:sp>
         <p:nvSpPr>
-          <p:cNvPr id="326" name="CustomShape 34"/>
+          <p:cNvPr id="327" name="CustomShape 34"/>
           <p:cNvSpPr/>
           <p:nvPr/>
         </p:nvSpPr>
@@ -13752,7 +14866,7 @@
       </p:sp>
       <p:sp>
         <p:nvSpPr>
-          <p:cNvPr id="327" name="CustomShape 35"/>
+          <p:cNvPr id="328" name="CustomShape 35"/>
           <p:cNvSpPr/>
           <p:nvPr/>
         </p:nvSpPr>
@@ -13804,7 +14918,7 @@
       </p:sp>
       <p:sp>
         <p:nvSpPr>
-          <p:cNvPr id="328" name=""/>
+          <p:cNvPr id="329" name=""/>
           <p:cNvSpPr/>
           <p:nvPr/>
         </p:nvSpPr>
@@ -14057,7 +15171,7 @@
       </p:sp>
       <p:pic>
         <p:nvPicPr>
-          <p:cNvPr id="329" name="" descr=""/>
+          <p:cNvPr id="330" name="" descr=""/>
           <p:cNvPicPr/>
           <p:nvPr/>
         </p:nvPicPr>
@@ -14078,6 +15192,5205 @@
           </a:ln>
         </p:spPr>
       </p:pic>
+    </p:spTree>
+  </p:cSld>
+  <mc:AlternateContent>
+    <mc:Choice Requires="p14">
+      <p:transition spd="slow" p14:dur="2000"/>
+    </mc:Choice>
+    <mc:Fallback>
+      <p:transition spd="slow"/>
+    </mc:Fallback>
+  </mc:AlternateContent>
+</p:sld>
+</file>
+
+<file path=ppt/slides/slide11.xml><?xml version="1.0" encoding="utf-8"?>
+<p:sld xmlns:a="http://schemas.openxmlformats.org/drawingml/2006/main" xmlns:p="http://schemas.openxmlformats.org/presentationml/2006/main" xmlns:r="http://schemas.openxmlformats.org/officeDocument/2006/relationships" xmlns:p14="http://schemas.microsoft.com/office/powerpoint/2010/main" xmlns:p15="http://schemas.microsoft.com/office/powerpoint/2012/main" xmlns:mc="http://schemas.openxmlformats.org/markup-compatibility/2006">
+  <p:cSld>
+    <p:spTree>
+      <p:nvGrpSpPr>
+        <p:cNvPr id="1" name=""/>
+        <p:cNvGrpSpPr/>
+        <p:nvPr/>
+      </p:nvGrpSpPr>
+      <p:grpSpPr>
+        <a:xfrm>
+          <a:off x="0" y="0"/>
+          <a:ext cx="0" cy="0"/>
+          <a:chOff x="0" y="0"/>
+          <a:chExt cx="0" cy="0"/>
+        </a:xfrm>
+      </p:grpSpPr>
+      <p:sp>
+        <p:nvSpPr>
+          <p:cNvPr id="331" name="CustomShape 37"/>
+          <p:cNvSpPr/>
+          <p:nvPr/>
+        </p:nvSpPr>
+        <p:spPr>
+          <a:xfrm>
+            <a:off x="360000" y="360000"/>
+            <a:ext cx="9347400" cy="887400"/>
+          </a:xfrm>
+          <a:prstGeom prst="rect">
+            <a:avLst/>
+          </a:prstGeom>
+          <a:noFill/>
+          <a:ln w="0">
+            <a:noFill/>
+          </a:ln>
+        </p:spPr>
+        <p:style>
+          <a:lnRef idx="0"/>
+          <a:fillRef idx="0"/>
+          <a:effectRef idx="0"/>
+          <a:fontRef idx="minor"/>
+        </p:style>
+        <p:txBody>
+          <a:bodyPr lIns="0" rIns="0" tIns="0" bIns="0" anchor="b">
+            <a:noAutofit/>
+          </a:bodyPr>
+          <a:p>
+            <a:pPr>
+              <a:lnSpc>
+                <a:spcPct val="100000"/>
+              </a:lnSpc>
+              <a:buNone/>
+            </a:pPr>
+            <a:r>
+              <a:rPr b="1" lang="pt-BR" sz="2600" spc="-1" strike="noStrike">
+                <a:solidFill>
+                  <a:srgbClr val="ffffff"/>
+                </a:solidFill>
+                <a:latin typeface="Source Sans Pro Black"/>
+                <a:ea typeface="DejaVu Sans"/>
+              </a:rPr>
+              <a:t>Classificador Naive Bayes</a:t>
+            </a:r>
+            <a:endParaRPr b="0" lang="pt-BR" sz="2600" spc="-1" strike="noStrike">
+              <a:latin typeface="Arial"/>
+            </a:endParaRPr>
+          </a:p>
+        </p:txBody>
+      </p:sp>
+      <p:sp>
+        <p:nvSpPr>
+          <p:cNvPr id="332" name="CustomShape 38"/>
+          <p:cNvSpPr/>
+          <p:nvPr/>
+        </p:nvSpPr>
+        <p:spPr>
+          <a:xfrm>
+            <a:off x="897120" y="6886080"/>
+            <a:ext cx="6434640" cy="352440"/>
+          </a:xfrm>
+          <a:prstGeom prst="rect">
+            <a:avLst/>
+          </a:prstGeom>
+          <a:noFill/>
+          <a:ln w="0">
+            <a:noFill/>
+          </a:ln>
+        </p:spPr>
+        <p:style>
+          <a:lnRef idx="0"/>
+          <a:fillRef idx="0"/>
+          <a:effectRef idx="0"/>
+          <a:fontRef idx="minor"/>
+        </p:style>
+        <p:txBody>
+          <a:bodyPr lIns="90000" rIns="90000" tIns="45000" bIns="45000" anchor="t">
+            <a:noAutofit/>
+          </a:bodyPr>
+          <a:p>
+            <a:pPr>
+              <a:lnSpc>
+                <a:spcPct val="100000"/>
+              </a:lnSpc>
+              <a:buNone/>
+            </a:pPr>
+            <a:r>
+              <a:rPr b="0" lang="pt-BR" sz="1800" spc="-1" strike="noStrike">
+                <a:solidFill>
+                  <a:srgbClr val="000000"/>
+                </a:solidFill>
+                <a:latin typeface="Arial"/>
+                <a:ea typeface="DejaVu Sans"/>
+              </a:rPr>
+              <a:t>Aprendizado de </a:t>
+            </a:r>
+            <a:r>
+              <a:rPr b="0" lang="pt-BR" sz="1800" spc="-1" strike="noStrike">
+                <a:solidFill>
+                  <a:srgbClr val="000000"/>
+                </a:solidFill>
+                <a:latin typeface="Arial"/>
+                <a:ea typeface="DejaVu Sans"/>
+              </a:rPr>
+              <a:t>Máquina - Prof. </a:t>
+            </a:r>
+            <a:r>
+              <a:rPr b="0" lang="pt-BR" sz="1800" spc="-1" strike="noStrike">
+                <a:solidFill>
+                  <a:srgbClr val="000000"/>
+                </a:solidFill>
+                <a:latin typeface="Arial"/>
+                <a:ea typeface="DejaVu Sans"/>
+              </a:rPr>
+              <a:t>André Hochuli</a:t>
+            </a:r>
+            <a:endParaRPr b="0" lang="pt-BR" sz="1800" spc="-1" strike="noStrike">
+              <a:latin typeface="Arial"/>
+            </a:endParaRPr>
+          </a:p>
+        </p:txBody>
+      </p:sp>
+      <p:sp>
+        <p:nvSpPr>
+          <p:cNvPr id="333" name="CustomShape 39"/>
+          <p:cNvSpPr/>
+          <p:nvPr/>
+        </p:nvSpPr>
+        <p:spPr>
+          <a:xfrm>
+            <a:off x="7608600" y="6886080"/>
+            <a:ext cx="2272680" cy="352440"/>
+          </a:xfrm>
+          <a:prstGeom prst="rect">
+            <a:avLst/>
+          </a:prstGeom>
+          <a:noFill/>
+          <a:ln w="0">
+            <a:noFill/>
+          </a:ln>
+        </p:spPr>
+        <p:style>
+          <a:lnRef idx="0"/>
+          <a:fillRef idx="0"/>
+          <a:effectRef idx="0"/>
+          <a:fontRef idx="minor"/>
+        </p:style>
+        <p:txBody>
+          <a:bodyPr lIns="90000" rIns="90000" tIns="45000" bIns="45000" anchor="t">
+            <a:noAutofit/>
+          </a:bodyPr>
+          <a:p>
+            <a:pPr>
+              <a:lnSpc>
+                <a:spcPct val="100000"/>
+              </a:lnSpc>
+              <a:buNone/>
+            </a:pPr>
+            <a:r>
+              <a:rPr b="0" lang="pt-BR" sz="1800" spc="-1" strike="noStrike">
+                <a:solidFill>
+                  <a:srgbClr val="000000"/>
+                </a:solidFill>
+                <a:latin typeface="Arial"/>
+                <a:ea typeface="DejaVu Sans"/>
+              </a:rPr>
+              <a:t>N</a:t>
+            </a:r>
+            <a:r>
+              <a:rPr b="0" lang="pt-BR" sz="1800" spc="-1" strike="noStrike">
+                <a:solidFill>
+                  <a:srgbClr val="000000"/>
+                </a:solidFill>
+                <a:latin typeface="Arial"/>
+                <a:ea typeface="DejaVu Sans"/>
+              </a:rPr>
+              <a:t>a</a:t>
+            </a:r>
+            <a:r>
+              <a:rPr b="0" lang="pt-BR" sz="1800" spc="-1" strike="noStrike">
+                <a:solidFill>
+                  <a:srgbClr val="000000"/>
+                </a:solidFill>
+                <a:latin typeface="Arial"/>
+                <a:ea typeface="DejaVu Sans"/>
+              </a:rPr>
+              <a:t>i</a:t>
+            </a:r>
+            <a:r>
+              <a:rPr b="0" lang="pt-BR" sz="1800" spc="-1" strike="noStrike">
+                <a:solidFill>
+                  <a:srgbClr val="000000"/>
+                </a:solidFill>
+                <a:latin typeface="Arial"/>
+                <a:ea typeface="DejaVu Sans"/>
+              </a:rPr>
+              <a:t>v</a:t>
+            </a:r>
+            <a:r>
+              <a:rPr b="0" lang="pt-BR" sz="1800" spc="-1" strike="noStrike">
+                <a:solidFill>
+                  <a:srgbClr val="000000"/>
+                </a:solidFill>
+                <a:latin typeface="Arial"/>
+                <a:ea typeface="DejaVu Sans"/>
+              </a:rPr>
+              <a:t>e</a:t>
+            </a:r>
+            <a:r>
+              <a:rPr b="0" lang="pt-BR" sz="1800" spc="-1" strike="noStrike">
+                <a:solidFill>
+                  <a:srgbClr val="000000"/>
+                </a:solidFill>
+                <a:latin typeface="Arial"/>
+                <a:ea typeface="DejaVu Sans"/>
+              </a:rPr>
+              <a:t> </a:t>
+            </a:r>
+            <a:r>
+              <a:rPr b="0" lang="pt-BR" sz="1800" spc="-1" strike="noStrike">
+                <a:solidFill>
+                  <a:srgbClr val="000000"/>
+                </a:solidFill>
+                <a:latin typeface="Arial"/>
+                <a:ea typeface="DejaVu Sans"/>
+              </a:rPr>
+              <a:t>B</a:t>
+            </a:r>
+            <a:r>
+              <a:rPr b="0" lang="pt-BR" sz="1800" spc="-1" strike="noStrike">
+                <a:solidFill>
+                  <a:srgbClr val="000000"/>
+                </a:solidFill>
+                <a:latin typeface="Arial"/>
+                <a:ea typeface="DejaVu Sans"/>
+              </a:rPr>
+              <a:t>a</a:t>
+            </a:r>
+            <a:r>
+              <a:rPr b="0" lang="pt-BR" sz="1800" spc="-1" strike="noStrike">
+                <a:solidFill>
+                  <a:srgbClr val="000000"/>
+                </a:solidFill>
+                <a:latin typeface="Arial"/>
+                <a:ea typeface="DejaVu Sans"/>
+              </a:rPr>
+              <a:t>y</a:t>
+            </a:r>
+            <a:r>
+              <a:rPr b="0" lang="pt-BR" sz="1800" spc="-1" strike="noStrike">
+                <a:solidFill>
+                  <a:srgbClr val="000000"/>
+                </a:solidFill>
+                <a:latin typeface="Arial"/>
+                <a:ea typeface="DejaVu Sans"/>
+              </a:rPr>
+              <a:t>e</a:t>
+            </a:r>
+            <a:r>
+              <a:rPr b="0" lang="pt-BR" sz="1800" spc="-1" strike="noStrike">
+                <a:solidFill>
+                  <a:srgbClr val="000000"/>
+                </a:solidFill>
+                <a:latin typeface="Arial"/>
+                <a:ea typeface="DejaVu Sans"/>
+              </a:rPr>
+              <a:t>s</a:t>
+            </a:r>
+            <a:endParaRPr b="0" lang="pt-BR" sz="1800" spc="-1" strike="noStrike">
+              <a:latin typeface="Arial"/>
+            </a:endParaRPr>
+          </a:p>
+        </p:txBody>
+      </p:sp>
+      <p:pic>
+        <p:nvPicPr>
+          <p:cNvPr id="334" name="" descr=""/>
+          <p:cNvPicPr/>
+          <p:nvPr/>
+        </p:nvPicPr>
+        <p:blipFill>
+          <a:blip r:embed="rId1"/>
+          <a:stretch/>
+        </p:blipFill>
+        <p:spPr>
+          <a:xfrm>
+            <a:off x="1980000" y="2868480"/>
+            <a:ext cx="5457600" cy="732960"/>
+          </a:xfrm>
+          <a:prstGeom prst="rect">
+            <a:avLst/>
+          </a:prstGeom>
+          <a:ln w="0">
+            <a:noFill/>
+          </a:ln>
+        </p:spPr>
+      </p:pic>
+      <p:sp>
+        <p:nvSpPr>
+          <p:cNvPr id="335" name=""/>
+          <p:cNvSpPr/>
+          <p:nvPr/>
+        </p:nvSpPr>
+        <p:spPr>
+          <a:xfrm>
+            <a:off x="4860000" y="3672000"/>
+            <a:ext cx="180000" cy="576000"/>
+          </a:xfrm>
+          <a:custGeom>
+            <a:avLst/>
+            <a:gdLst/>
+            <a:ahLst/>
+            <a:rect l="l" t="t" r="r" b="b"/>
+            <a:pathLst>
+              <a:path w="21600" h="21600">
+                <a:moveTo>
+                  <a:pt x="5400" y="0"/>
+                </a:moveTo>
+                <a:lnTo>
+                  <a:pt x="5400" y="16200"/>
+                </a:lnTo>
+                <a:lnTo>
+                  <a:pt x="0" y="16200"/>
+                </a:lnTo>
+                <a:lnTo>
+                  <a:pt x="10800" y="21600"/>
+                </a:lnTo>
+                <a:lnTo>
+                  <a:pt x="21600" y="16200"/>
+                </a:lnTo>
+                <a:lnTo>
+                  <a:pt x="16200" y="16200"/>
+                </a:lnTo>
+                <a:lnTo>
+                  <a:pt x="16200" y="0"/>
+                </a:lnTo>
+                <a:close/>
+              </a:path>
+            </a:pathLst>
+          </a:custGeom>
+          <a:solidFill>
+            <a:srgbClr val="729fcf"/>
+          </a:solidFill>
+          <a:ln w="0">
+            <a:solidFill>
+              <a:srgbClr val="3465a4"/>
+            </a:solidFill>
+          </a:ln>
+        </p:spPr>
+        <p:style>
+          <a:lnRef idx="0"/>
+          <a:fillRef idx="0"/>
+          <a:effectRef idx="0"/>
+          <a:fontRef idx="minor"/>
+        </p:style>
+      </p:sp>
+      <p:pic>
+        <p:nvPicPr>
+          <p:cNvPr id="336" name="" descr=""/>
+          <p:cNvPicPr/>
+          <p:nvPr/>
+        </p:nvPicPr>
+        <p:blipFill>
+          <a:blip r:embed="rId2"/>
+          <a:stretch/>
+        </p:blipFill>
+        <p:spPr>
+          <a:xfrm>
+            <a:off x="2160000" y="4415040"/>
+            <a:ext cx="5457600" cy="732960"/>
+          </a:xfrm>
+          <a:prstGeom prst="rect">
+            <a:avLst/>
+          </a:prstGeom>
+          <a:ln w="0">
+            <a:noFill/>
+          </a:ln>
+        </p:spPr>
+      </p:pic>
+      <p:sp>
+        <p:nvSpPr>
+          <p:cNvPr id="337" name=""/>
+          <p:cNvSpPr/>
+          <p:nvPr/>
+        </p:nvSpPr>
+        <p:spPr>
+          <a:xfrm>
+            <a:off x="4737600" y="4788000"/>
+            <a:ext cx="2160000" cy="180000"/>
+          </a:xfrm>
+          <a:prstGeom prst="line">
+            <a:avLst/>
+          </a:prstGeom>
+          <a:ln w="0">
+            <a:solidFill>
+              <a:srgbClr val="3465a4"/>
+            </a:solidFill>
+          </a:ln>
+        </p:spPr>
+        <p:style>
+          <a:lnRef idx="0"/>
+          <a:fillRef idx="0"/>
+          <a:effectRef idx="0"/>
+          <a:fontRef idx="minor"/>
+        </p:style>
+      </p:sp>
+      <p:sp>
+        <p:nvSpPr>
+          <p:cNvPr id="338" name=""/>
+          <p:cNvSpPr/>
+          <p:nvPr/>
+        </p:nvSpPr>
+        <p:spPr>
+          <a:xfrm flipV="1">
+            <a:off x="4737600" y="4788000"/>
+            <a:ext cx="2520000" cy="180000"/>
+          </a:xfrm>
+          <a:prstGeom prst="line">
+            <a:avLst/>
+          </a:prstGeom>
+          <a:ln w="0">
+            <a:solidFill>
+              <a:srgbClr val="3465a4"/>
+            </a:solidFill>
+          </a:ln>
+        </p:spPr>
+        <p:style>
+          <a:lnRef idx="0"/>
+          <a:fillRef idx="0"/>
+          <a:effectRef idx="0"/>
+          <a:fontRef idx="minor"/>
+        </p:style>
+      </p:sp>
+      <p:pic>
+        <p:nvPicPr>
+          <p:cNvPr id="339" name="" descr=""/>
+          <p:cNvPicPr/>
+          <p:nvPr/>
+        </p:nvPicPr>
+        <p:blipFill>
+          <a:blip r:embed="rId3"/>
+          <a:stretch/>
+        </p:blipFill>
+        <p:spPr>
+          <a:xfrm>
+            <a:off x="2203200" y="6048000"/>
+            <a:ext cx="5428800" cy="485280"/>
+          </a:xfrm>
+          <a:prstGeom prst="rect">
+            <a:avLst/>
+          </a:prstGeom>
+          <a:ln w="0">
+            <a:noFill/>
+          </a:ln>
+        </p:spPr>
+      </p:pic>
+      <p:sp>
+        <p:nvSpPr>
+          <p:cNvPr id="340" name=""/>
+          <p:cNvSpPr/>
+          <p:nvPr/>
+        </p:nvSpPr>
+        <p:spPr>
+          <a:xfrm>
+            <a:off x="4860000" y="5328000"/>
+            <a:ext cx="180000" cy="635040"/>
+          </a:xfrm>
+          <a:custGeom>
+            <a:avLst/>
+            <a:gdLst/>
+            <a:ahLst/>
+            <a:rect l="l" t="t" r="r" b="b"/>
+            <a:pathLst>
+              <a:path w="21600" h="21600">
+                <a:moveTo>
+                  <a:pt x="5400" y="0"/>
+                </a:moveTo>
+                <a:lnTo>
+                  <a:pt x="5400" y="16200"/>
+                </a:lnTo>
+                <a:lnTo>
+                  <a:pt x="0" y="16200"/>
+                </a:lnTo>
+                <a:lnTo>
+                  <a:pt x="10800" y="21600"/>
+                </a:lnTo>
+                <a:lnTo>
+                  <a:pt x="21600" y="16200"/>
+                </a:lnTo>
+                <a:lnTo>
+                  <a:pt x="16200" y="16200"/>
+                </a:lnTo>
+                <a:lnTo>
+                  <a:pt x="16200" y="0"/>
+                </a:lnTo>
+                <a:close/>
+              </a:path>
+            </a:pathLst>
+          </a:custGeom>
+          <a:solidFill>
+            <a:srgbClr val="729fcf"/>
+          </a:solidFill>
+          <a:ln w="0">
+            <a:solidFill>
+              <a:srgbClr val="3465a4"/>
+            </a:solidFill>
+          </a:ln>
+        </p:spPr>
+        <p:style>
+          <a:lnRef idx="0"/>
+          <a:fillRef idx="0"/>
+          <a:effectRef idx="0"/>
+          <a:fontRef idx="minor"/>
+        </p:style>
+      </p:sp>
+      <p:sp>
+        <p:nvSpPr>
+          <p:cNvPr id="341" name=""/>
+          <p:cNvSpPr/>
+          <p:nvPr/>
+        </p:nvSpPr>
+        <p:spPr>
+          <a:xfrm rot="21596400">
+            <a:off x="329040" y="1553040"/>
+            <a:ext cx="9197280" cy="5130720"/>
+          </a:xfrm>
+          <a:prstGeom prst="rect">
+            <a:avLst/>
+          </a:prstGeom>
+          <a:noFill/>
+          <a:ln w="0">
+            <a:noFill/>
+          </a:ln>
+        </p:spPr>
+        <p:style>
+          <a:lnRef idx="0"/>
+          <a:fillRef idx="0"/>
+          <a:effectRef idx="0"/>
+          <a:fontRef idx="minor"/>
+        </p:style>
+        <p:txBody>
+          <a:bodyPr lIns="90000" rIns="90000" tIns="45000" bIns="45000" anchor="t">
+            <a:noAutofit/>
+          </a:bodyPr>
+          <a:p>
+            <a:pPr>
+              <a:lnSpc>
+                <a:spcPct val="100000"/>
+              </a:lnSpc>
+              <a:buNone/>
+            </a:pPr>
+            <a:endParaRPr b="0" lang="pt-BR" sz="2000" spc="-1" strike="noStrike">
+              <a:latin typeface="Arial"/>
+            </a:endParaRPr>
+          </a:p>
+          <a:p>
+            <a:pPr marL="216000" indent="-216000">
+              <a:lnSpc>
+                <a:spcPct val="100000"/>
+              </a:lnSpc>
+              <a:buClr>
+                <a:srgbClr val="000000"/>
+              </a:buClr>
+              <a:buSzPct val="45000"/>
+              <a:buFont typeface="Wingdings" charset="2"/>
+              <a:buChar char=""/>
+            </a:pPr>
+            <a:r>
+              <a:rPr b="0" lang="pt-BR" sz="2000" spc="-1" strike="noStrike">
+                <a:solidFill>
+                  <a:srgbClr val="1c1c1c"/>
+                </a:solidFill>
+                <a:latin typeface="Latin Modern Sans"/>
+                <a:ea typeface="DejaVu Sans"/>
+              </a:rPr>
+              <a:t>Naive (“Ingênuo”) : Variáveis Independentes</a:t>
+            </a:r>
+            <a:endParaRPr b="0" lang="pt-BR" sz="2000" spc="-1" strike="noStrike">
+              <a:latin typeface="Arial"/>
+            </a:endParaRPr>
+          </a:p>
+          <a:p>
+            <a:pPr marL="216000" indent="-216000">
+              <a:lnSpc>
+                <a:spcPct val="100000"/>
+              </a:lnSpc>
+              <a:buClr>
+                <a:srgbClr val="000000"/>
+              </a:buClr>
+              <a:buSzPct val="45000"/>
+              <a:buFont typeface="Wingdings" charset="2"/>
+              <a:buChar char=""/>
+            </a:pPr>
+            <a:endParaRPr b="0" lang="pt-BR" sz="2000" spc="-1" strike="noStrike">
+              <a:latin typeface="Arial"/>
+            </a:endParaRPr>
+          </a:p>
+          <a:p>
+            <a:pPr marL="216000" indent="-216000">
+              <a:lnSpc>
+                <a:spcPct val="100000"/>
+              </a:lnSpc>
+              <a:buClr>
+                <a:srgbClr val="000000"/>
+              </a:buClr>
+              <a:buSzPct val="45000"/>
+              <a:buFont typeface="Wingdings" charset="2"/>
+              <a:buChar char=""/>
+            </a:pPr>
+            <a:r>
+              <a:rPr b="0" lang="pt-BR" sz="2000" spc="-1" strike="noStrike">
+                <a:solidFill>
+                  <a:srgbClr val="1c1c1c"/>
+                </a:solidFill>
+                <a:latin typeface="Latin Modern Sans"/>
+                <a:ea typeface="DejaVu Sans"/>
+              </a:rPr>
+              <a:t>Estende o Teorema de Bayes para Múltiplas Variáveis (Features)</a:t>
+            </a:r>
+            <a:endParaRPr b="0" lang="pt-BR" sz="2000" spc="-1" strike="noStrike">
+              <a:latin typeface="Arial"/>
+            </a:endParaRPr>
+          </a:p>
+          <a:p>
+            <a:pPr lvl="1" marL="432000" indent="-216000">
+              <a:lnSpc>
+                <a:spcPct val="100000"/>
+              </a:lnSpc>
+              <a:buClr>
+                <a:srgbClr val="000000"/>
+              </a:buClr>
+              <a:buSzPct val="45000"/>
+              <a:buFont typeface="Wingdings" charset="2"/>
+              <a:buChar char=""/>
+            </a:pPr>
+            <a:endParaRPr b="0" lang="pt-BR" sz="2000" spc="-1" strike="noStrike">
+              <a:latin typeface="Arial"/>
+            </a:endParaRPr>
+          </a:p>
+          <a:p>
+            <a:pPr lvl="1" marL="432000" indent="-216000">
+              <a:lnSpc>
+                <a:spcPct val="100000"/>
+              </a:lnSpc>
+              <a:buClr>
+                <a:srgbClr val="000000"/>
+              </a:buClr>
+              <a:buSzPct val="45000"/>
+              <a:buFont typeface="Wingdings" charset="2"/>
+              <a:buChar char=""/>
+            </a:pPr>
+            <a:endParaRPr b="0" lang="pt-BR" sz="2000" spc="-1" strike="noStrike">
+              <a:latin typeface="Arial"/>
+            </a:endParaRPr>
+          </a:p>
+          <a:p>
+            <a:pPr lvl="1" marL="432000" indent="-216000">
+              <a:lnSpc>
+                <a:spcPct val="100000"/>
+              </a:lnSpc>
+              <a:buClr>
+                <a:srgbClr val="000000"/>
+              </a:buClr>
+              <a:buSzPct val="45000"/>
+              <a:buFont typeface="Wingdings" charset="2"/>
+              <a:buChar char=""/>
+            </a:pPr>
+            <a:endParaRPr b="0" lang="pt-BR" sz="2000" spc="-1" strike="noStrike">
+              <a:latin typeface="Arial"/>
+            </a:endParaRPr>
+          </a:p>
+          <a:p>
+            <a:pPr lvl="2" marL="648000" indent="-216000">
+              <a:lnSpc>
+                <a:spcPct val="100000"/>
+              </a:lnSpc>
+              <a:buClr>
+                <a:srgbClr val="000000"/>
+              </a:buClr>
+              <a:buSzPct val="45000"/>
+              <a:buFont typeface="Wingdings" charset="2"/>
+              <a:buChar char=""/>
+            </a:pPr>
+            <a:endParaRPr b="0" lang="pt-BR" sz="2000" spc="-1" strike="noStrike">
+              <a:latin typeface="Arial"/>
+            </a:endParaRPr>
+          </a:p>
+          <a:p>
+            <a:pPr>
+              <a:lnSpc>
+                <a:spcPct val="100000"/>
+              </a:lnSpc>
+              <a:buNone/>
+            </a:pPr>
+            <a:endParaRPr b="0" lang="pt-BR" sz="2000" spc="-1" strike="noStrike">
+              <a:latin typeface="Arial"/>
+            </a:endParaRPr>
+          </a:p>
+        </p:txBody>
+      </p:sp>
+    </p:spTree>
+  </p:cSld>
+  <mc:AlternateContent>
+    <mc:Choice Requires="p14">
+      <p:transition spd="slow" p14:dur="2000"/>
+    </mc:Choice>
+    <mc:Fallback>
+      <p:transition spd="slow"/>
+    </mc:Fallback>
+  </mc:AlternateContent>
+</p:sld>
+</file>
+
+<file path=ppt/slides/slide12.xml><?xml version="1.0" encoding="utf-8"?>
+<p:sld xmlns:a="http://schemas.openxmlformats.org/drawingml/2006/main" xmlns:p="http://schemas.openxmlformats.org/presentationml/2006/main" xmlns:r="http://schemas.openxmlformats.org/officeDocument/2006/relationships" xmlns:p14="http://schemas.microsoft.com/office/powerpoint/2010/main" xmlns:p15="http://schemas.microsoft.com/office/powerpoint/2012/main" xmlns:mc="http://schemas.openxmlformats.org/markup-compatibility/2006">
+  <p:cSld>
+    <p:spTree>
+      <p:nvGrpSpPr>
+        <p:cNvPr id="1" name=""/>
+        <p:cNvGrpSpPr/>
+        <p:nvPr/>
+      </p:nvGrpSpPr>
+      <p:grpSpPr>
+        <a:xfrm>
+          <a:off x="0" y="0"/>
+          <a:ext cx="0" cy="0"/>
+          <a:chOff x="0" y="0"/>
+          <a:chExt cx="0" cy="0"/>
+        </a:xfrm>
+      </p:grpSpPr>
+      <p:sp>
+        <p:nvSpPr>
+          <p:cNvPr id="342" name="CustomShape 41"/>
+          <p:cNvSpPr/>
+          <p:nvPr/>
+        </p:nvSpPr>
+        <p:spPr>
+          <a:xfrm>
+            <a:off x="360000" y="360000"/>
+            <a:ext cx="9347400" cy="887400"/>
+          </a:xfrm>
+          <a:prstGeom prst="rect">
+            <a:avLst/>
+          </a:prstGeom>
+          <a:noFill/>
+          <a:ln w="0">
+            <a:noFill/>
+          </a:ln>
+        </p:spPr>
+        <p:style>
+          <a:lnRef idx="0"/>
+          <a:fillRef idx="0"/>
+          <a:effectRef idx="0"/>
+          <a:fontRef idx="minor"/>
+        </p:style>
+        <p:txBody>
+          <a:bodyPr lIns="0" rIns="0" tIns="0" bIns="0" anchor="b">
+            <a:noAutofit/>
+          </a:bodyPr>
+          <a:p>
+            <a:pPr>
+              <a:lnSpc>
+                <a:spcPct val="100000"/>
+              </a:lnSpc>
+              <a:buNone/>
+            </a:pPr>
+            <a:r>
+              <a:rPr b="1" lang="pt-BR" sz="2600" spc="-1" strike="noStrike">
+                <a:solidFill>
+                  <a:srgbClr val="ffffff"/>
+                </a:solidFill>
+                <a:latin typeface="Source Sans Pro Black"/>
+                <a:ea typeface="DejaVu Sans"/>
+              </a:rPr>
+              <a:t>C</a:t>
+            </a:r>
+            <a:r>
+              <a:rPr b="1" lang="pt-BR" sz="2600" spc="-1" strike="noStrike">
+                <a:solidFill>
+                  <a:srgbClr val="ffffff"/>
+                </a:solidFill>
+                <a:latin typeface="Source Sans Pro Black"/>
+                <a:ea typeface="DejaVu Sans"/>
+              </a:rPr>
+              <a:t>l</a:t>
+            </a:r>
+            <a:r>
+              <a:rPr b="1" lang="pt-BR" sz="2600" spc="-1" strike="noStrike">
+                <a:solidFill>
+                  <a:srgbClr val="ffffff"/>
+                </a:solidFill>
+                <a:latin typeface="Source Sans Pro Black"/>
+                <a:ea typeface="DejaVu Sans"/>
+              </a:rPr>
+              <a:t>a</a:t>
+            </a:r>
+            <a:r>
+              <a:rPr b="1" lang="pt-BR" sz="2600" spc="-1" strike="noStrike">
+                <a:solidFill>
+                  <a:srgbClr val="ffffff"/>
+                </a:solidFill>
+                <a:latin typeface="Source Sans Pro Black"/>
+                <a:ea typeface="DejaVu Sans"/>
+              </a:rPr>
+              <a:t>s</a:t>
+            </a:r>
+            <a:r>
+              <a:rPr b="1" lang="pt-BR" sz="2600" spc="-1" strike="noStrike">
+                <a:solidFill>
+                  <a:srgbClr val="ffffff"/>
+                </a:solidFill>
+                <a:latin typeface="Source Sans Pro Black"/>
+                <a:ea typeface="DejaVu Sans"/>
+              </a:rPr>
+              <a:t>s</a:t>
+            </a:r>
+            <a:r>
+              <a:rPr b="1" lang="pt-BR" sz="2600" spc="-1" strike="noStrike">
+                <a:solidFill>
+                  <a:srgbClr val="ffffff"/>
+                </a:solidFill>
+                <a:latin typeface="Source Sans Pro Black"/>
+                <a:ea typeface="DejaVu Sans"/>
+              </a:rPr>
+              <a:t>i</a:t>
+            </a:r>
+            <a:r>
+              <a:rPr b="1" lang="pt-BR" sz="2600" spc="-1" strike="noStrike">
+                <a:solidFill>
+                  <a:srgbClr val="ffffff"/>
+                </a:solidFill>
+                <a:latin typeface="Source Sans Pro Black"/>
+                <a:ea typeface="DejaVu Sans"/>
+              </a:rPr>
+              <a:t>f</a:t>
+            </a:r>
+            <a:r>
+              <a:rPr b="1" lang="pt-BR" sz="2600" spc="-1" strike="noStrike">
+                <a:solidFill>
+                  <a:srgbClr val="ffffff"/>
+                </a:solidFill>
+                <a:latin typeface="Source Sans Pro Black"/>
+                <a:ea typeface="DejaVu Sans"/>
+              </a:rPr>
+              <a:t>i</a:t>
+            </a:r>
+            <a:r>
+              <a:rPr b="1" lang="pt-BR" sz="2600" spc="-1" strike="noStrike">
+                <a:solidFill>
+                  <a:srgbClr val="ffffff"/>
+                </a:solidFill>
+                <a:latin typeface="Source Sans Pro Black"/>
+                <a:ea typeface="DejaVu Sans"/>
+              </a:rPr>
+              <a:t>c</a:t>
+            </a:r>
+            <a:r>
+              <a:rPr b="1" lang="pt-BR" sz="2600" spc="-1" strike="noStrike">
+                <a:solidFill>
+                  <a:srgbClr val="ffffff"/>
+                </a:solidFill>
+                <a:latin typeface="Source Sans Pro Black"/>
+                <a:ea typeface="DejaVu Sans"/>
+              </a:rPr>
+              <a:t>a</a:t>
+            </a:r>
+            <a:r>
+              <a:rPr b="1" lang="pt-BR" sz="2600" spc="-1" strike="noStrike">
+                <a:solidFill>
+                  <a:srgbClr val="ffffff"/>
+                </a:solidFill>
+                <a:latin typeface="Source Sans Pro Black"/>
+                <a:ea typeface="DejaVu Sans"/>
+              </a:rPr>
+              <a:t>d</a:t>
+            </a:r>
+            <a:r>
+              <a:rPr b="1" lang="pt-BR" sz="2600" spc="-1" strike="noStrike">
+                <a:solidFill>
+                  <a:srgbClr val="ffffff"/>
+                </a:solidFill>
+                <a:latin typeface="Source Sans Pro Black"/>
+                <a:ea typeface="DejaVu Sans"/>
+              </a:rPr>
+              <a:t>o</a:t>
+            </a:r>
+            <a:r>
+              <a:rPr b="1" lang="pt-BR" sz="2600" spc="-1" strike="noStrike">
+                <a:solidFill>
+                  <a:srgbClr val="ffffff"/>
+                </a:solidFill>
+                <a:latin typeface="Source Sans Pro Black"/>
+                <a:ea typeface="DejaVu Sans"/>
+              </a:rPr>
+              <a:t>r</a:t>
+            </a:r>
+            <a:r>
+              <a:rPr b="1" lang="pt-BR" sz="2600" spc="-1" strike="noStrike">
+                <a:solidFill>
+                  <a:srgbClr val="ffffff"/>
+                </a:solidFill>
+                <a:latin typeface="Source Sans Pro Black"/>
+                <a:ea typeface="DejaVu Sans"/>
+              </a:rPr>
+              <a:t> </a:t>
+            </a:r>
+            <a:r>
+              <a:rPr b="1" lang="pt-BR" sz="2600" spc="-1" strike="noStrike">
+                <a:solidFill>
+                  <a:srgbClr val="ffffff"/>
+                </a:solidFill>
+                <a:latin typeface="Source Sans Pro Black"/>
+                <a:ea typeface="DejaVu Sans"/>
+              </a:rPr>
+              <a:t>N</a:t>
+            </a:r>
+            <a:r>
+              <a:rPr b="1" lang="pt-BR" sz="2600" spc="-1" strike="noStrike">
+                <a:solidFill>
+                  <a:srgbClr val="ffffff"/>
+                </a:solidFill>
+                <a:latin typeface="Source Sans Pro Black"/>
+                <a:ea typeface="DejaVu Sans"/>
+              </a:rPr>
+              <a:t>a</a:t>
+            </a:r>
+            <a:r>
+              <a:rPr b="1" lang="pt-BR" sz="2600" spc="-1" strike="noStrike">
+                <a:solidFill>
+                  <a:srgbClr val="ffffff"/>
+                </a:solidFill>
+                <a:latin typeface="Source Sans Pro Black"/>
+                <a:ea typeface="DejaVu Sans"/>
+              </a:rPr>
+              <a:t>i</a:t>
+            </a:r>
+            <a:r>
+              <a:rPr b="1" lang="pt-BR" sz="2600" spc="-1" strike="noStrike">
+                <a:solidFill>
+                  <a:srgbClr val="ffffff"/>
+                </a:solidFill>
+                <a:latin typeface="Source Sans Pro Black"/>
+                <a:ea typeface="DejaVu Sans"/>
+              </a:rPr>
+              <a:t>v</a:t>
+            </a:r>
+            <a:r>
+              <a:rPr b="1" lang="pt-BR" sz="2600" spc="-1" strike="noStrike">
+                <a:solidFill>
+                  <a:srgbClr val="ffffff"/>
+                </a:solidFill>
+                <a:latin typeface="Source Sans Pro Black"/>
+                <a:ea typeface="DejaVu Sans"/>
+              </a:rPr>
+              <a:t>e</a:t>
+            </a:r>
+            <a:r>
+              <a:rPr b="1" lang="pt-BR" sz="2600" spc="-1" strike="noStrike">
+                <a:solidFill>
+                  <a:srgbClr val="ffffff"/>
+                </a:solidFill>
+                <a:latin typeface="Source Sans Pro Black"/>
+                <a:ea typeface="DejaVu Sans"/>
+              </a:rPr>
+              <a:t> </a:t>
+            </a:r>
+            <a:r>
+              <a:rPr b="1" lang="pt-BR" sz="2600" spc="-1" strike="noStrike">
+                <a:solidFill>
+                  <a:srgbClr val="ffffff"/>
+                </a:solidFill>
+                <a:latin typeface="Source Sans Pro Black"/>
+                <a:ea typeface="DejaVu Sans"/>
+              </a:rPr>
+              <a:t>B</a:t>
+            </a:r>
+            <a:r>
+              <a:rPr b="1" lang="pt-BR" sz="2600" spc="-1" strike="noStrike">
+                <a:solidFill>
+                  <a:srgbClr val="ffffff"/>
+                </a:solidFill>
+                <a:latin typeface="Source Sans Pro Black"/>
+                <a:ea typeface="DejaVu Sans"/>
+              </a:rPr>
+              <a:t>a</a:t>
+            </a:r>
+            <a:r>
+              <a:rPr b="1" lang="pt-BR" sz="2600" spc="-1" strike="noStrike">
+                <a:solidFill>
+                  <a:srgbClr val="ffffff"/>
+                </a:solidFill>
+                <a:latin typeface="Source Sans Pro Black"/>
+                <a:ea typeface="DejaVu Sans"/>
+              </a:rPr>
+              <a:t>y</a:t>
+            </a:r>
+            <a:r>
+              <a:rPr b="1" lang="pt-BR" sz="2600" spc="-1" strike="noStrike">
+                <a:solidFill>
+                  <a:srgbClr val="ffffff"/>
+                </a:solidFill>
+                <a:latin typeface="Source Sans Pro Black"/>
+                <a:ea typeface="DejaVu Sans"/>
+              </a:rPr>
+              <a:t>e</a:t>
+            </a:r>
+            <a:r>
+              <a:rPr b="1" lang="pt-BR" sz="2600" spc="-1" strike="noStrike">
+                <a:solidFill>
+                  <a:srgbClr val="ffffff"/>
+                </a:solidFill>
+                <a:latin typeface="Source Sans Pro Black"/>
+                <a:ea typeface="DejaVu Sans"/>
+              </a:rPr>
+              <a:t>s</a:t>
+            </a:r>
+            <a:endParaRPr b="0" lang="pt-BR" sz="2600" spc="-1" strike="noStrike">
+              <a:latin typeface="Arial"/>
+            </a:endParaRPr>
+          </a:p>
+        </p:txBody>
+      </p:sp>
+      <p:sp>
+        <p:nvSpPr>
+          <p:cNvPr id="343" name="CustomShape 42"/>
+          <p:cNvSpPr/>
+          <p:nvPr/>
+        </p:nvSpPr>
+        <p:spPr>
+          <a:xfrm>
+            <a:off x="897120" y="6886080"/>
+            <a:ext cx="6434640" cy="352440"/>
+          </a:xfrm>
+          <a:prstGeom prst="rect">
+            <a:avLst/>
+          </a:prstGeom>
+          <a:noFill/>
+          <a:ln w="0">
+            <a:noFill/>
+          </a:ln>
+        </p:spPr>
+        <p:style>
+          <a:lnRef idx="0"/>
+          <a:fillRef idx="0"/>
+          <a:effectRef idx="0"/>
+          <a:fontRef idx="minor"/>
+        </p:style>
+        <p:txBody>
+          <a:bodyPr lIns="90000" rIns="90000" tIns="45000" bIns="45000" anchor="t">
+            <a:noAutofit/>
+          </a:bodyPr>
+          <a:p>
+            <a:pPr>
+              <a:lnSpc>
+                <a:spcPct val="100000"/>
+              </a:lnSpc>
+              <a:buNone/>
+            </a:pPr>
+            <a:r>
+              <a:rPr b="0" lang="pt-BR" sz="1800" spc="-1" strike="noStrike">
+                <a:solidFill>
+                  <a:srgbClr val="000000"/>
+                </a:solidFill>
+                <a:latin typeface="Arial"/>
+                <a:ea typeface="DejaVu Sans"/>
+              </a:rPr>
+              <a:t>Apr</a:t>
+            </a:r>
+            <a:r>
+              <a:rPr b="0" lang="pt-BR" sz="1800" spc="-1" strike="noStrike">
+                <a:solidFill>
+                  <a:srgbClr val="000000"/>
+                </a:solidFill>
+                <a:latin typeface="Arial"/>
+                <a:ea typeface="DejaVu Sans"/>
+              </a:rPr>
+              <a:t>end</a:t>
+            </a:r>
+            <a:r>
+              <a:rPr b="0" lang="pt-BR" sz="1800" spc="-1" strike="noStrike">
+                <a:solidFill>
+                  <a:srgbClr val="000000"/>
+                </a:solidFill>
+                <a:latin typeface="Arial"/>
+                <a:ea typeface="DejaVu Sans"/>
+              </a:rPr>
+              <a:t>iza</a:t>
+            </a:r>
+            <a:r>
+              <a:rPr b="0" lang="pt-BR" sz="1800" spc="-1" strike="noStrike">
+                <a:solidFill>
+                  <a:srgbClr val="000000"/>
+                </a:solidFill>
+                <a:latin typeface="Arial"/>
+                <a:ea typeface="DejaVu Sans"/>
+              </a:rPr>
+              <a:t>do </a:t>
+            </a:r>
+            <a:r>
+              <a:rPr b="0" lang="pt-BR" sz="1800" spc="-1" strike="noStrike">
+                <a:solidFill>
+                  <a:srgbClr val="000000"/>
+                </a:solidFill>
+                <a:latin typeface="Arial"/>
+                <a:ea typeface="DejaVu Sans"/>
+              </a:rPr>
+              <a:t>de </a:t>
+            </a:r>
+            <a:r>
+              <a:rPr b="0" lang="pt-BR" sz="1800" spc="-1" strike="noStrike">
+                <a:solidFill>
+                  <a:srgbClr val="000000"/>
+                </a:solidFill>
+                <a:latin typeface="Arial"/>
+                <a:ea typeface="DejaVu Sans"/>
+              </a:rPr>
+              <a:t>Má</a:t>
+            </a:r>
+            <a:r>
+              <a:rPr b="0" lang="pt-BR" sz="1800" spc="-1" strike="noStrike">
+                <a:solidFill>
+                  <a:srgbClr val="000000"/>
+                </a:solidFill>
+                <a:latin typeface="Arial"/>
+                <a:ea typeface="DejaVu Sans"/>
+              </a:rPr>
+              <a:t>qui</a:t>
+            </a:r>
+            <a:r>
+              <a:rPr b="0" lang="pt-BR" sz="1800" spc="-1" strike="noStrike">
+                <a:solidFill>
+                  <a:srgbClr val="000000"/>
+                </a:solidFill>
+                <a:latin typeface="Arial"/>
+                <a:ea typeface="DejaVu Sans"/>
+              </a:rPr>
+              <a:t>na </a:t>
+            </a:r>
+            <a:r>
+              <a:rPr b="0" lang="pt-BR" sz="1800" spc="-1" strike="noStrike">
+                <a:solidFill>
+                  <a:srgbClr val="000000"/>
+                </a:solidFill>
+                <a:latin typeface="Arial"/>
+                <a:ea typeface="DejaVu Sans"/>
+              </a:rPr>
+              <a:t>- </a:t>
+            </a:r>
+            <a:r>
+              <a:rPr b="0" lang="pt-BR" sz="1800" spc="-1" strike="noStrike">
+                <a:solidFill>
+                  <a:srgbClr val="000000"/>
+                </a:solidFill>
+                <a:latin typeface="Arial"/>
+                <a:ea typeface="DejaVu Sans"/>
+              </a:rPr>
+              <a:t>Pro</a:t>
+            </a:r>
+            <a:r>
+              <a:rPr b="0" lang="pt-BR" sz="1800" spc="-1" strike="noStrike">
+                <a:solidFill>
+                  <a:srgbClr val="000000"/>
+                </a:solidFill>
+                <a:latin typeface="Arial"/>
+                <a:ea typeface="DejaVu Sans"/>
+              </a:rPr>
+              <a:t>f. </a:t>
+            </a:r>
+            <a:r>
+              <a:rPr b="0" lang="pt-BR" sz="1800" spc="-1" strike="noStrike">
+                <a:solidFill>
+                  <a:srgbClr val="000000"/>
+                </a:solidFill>
+                <a:latin typeface="Arial"/>
+                <a:ea typeface="DejaVu Sans"/>
+              </a:rPr>
+              <a:t>An</a:t>
+            </a:r>
+            <a:r>
+              <a:rPr b="0" lang="pt-BR" sz="1800" spc="-1" strike="noStrike">
+                <a:solidFill>
+                  <a:srgbClr val="000000"/>
+                </a:solidFill>
+                <a:latin typeface="Arial"/>
+                <a:ea typeface="DejaVu Sans"/>
+              </a:rPr>
+              <a:t>dré </a:t>
+            </a:r>
+            <a:r>
+              <a:rPr b="0" lang="pt-BR" sz="1800" spc="-1" strike="noStrike">
+                <a:solidFill>
+                  <a:srgbClr val="000000"/>
+                </a:solidFill>
+                <a:latin typeface="Arial"/>
+                <a:ea typeface="DejaVu Sans"/>
+              </a:rPr>
+              <a:t>Ho</a:t>
+            </a:r>
+            <a:r>
+              <a:rPr b="0" lang="pt-BR" sz="1800" spc="-1" strike="noStrike">
+                <a:solidFill>
+                  <a:srgbClr val="000000"/>
+                </a:solidFill>
+                <a:latin typeface="Arial"/>
+                <a:ea typeface="DejaVu Sans"/>
+              </a:rPr>
+              <a:t>chu</a:t>
+            </a:r>
+            <a:r>
+              <a:rPr b="0" lang="pt-BR" sz="1800" spc="-1" strike="noStrike">
+                <a:solidFill>
+                  <a:srgbClr val="000000"/>
+                </a:solidFill>
+                <a:latin typeface="Arial"/>
+                <a:ea typeface="DejaVu Sans"/>
+              </a:rPr>
+              <a:t>li</a:t>
+            </a:r>
+            <a:endParaRPr b="0" lang="pt-BR" sz="1800" spc="-1" strike="noStrike">
+              <a:latin typeface="Arial"/>
+            </a:endParaRPr>
+          </a:p>
+        </p:txBody>
+      </p:sp>
+      <p:sp>
+        <p:nvSpPr>
+          <p:cNvPr id="344" name="CustomShape 43"/>
+          <p:cNvSpPr/>
+          <p:nvPr/>
+        </p:nvSpPr>
+        <p:spPr>
+          <a:xfrm>
+            <a:off x="7608600" y="6886080"/>
+            <a:ext cx="2272680" cy="352440"/>
+          </a:xfrm>
+          <a:prstGeom prst="rect">
+            <a:avLst/>
+          </a:prstGeom>
+          <a:noFill/>
+          <a:ln w="0">
+            <a:noFill/>
+          </a:ln>
+        </p:spPr>
+        <p:style>
+          <a:lnRef idx="0"/>
+          <a:fillRef idx="0"/>
+          <a:effectRef idx="0"/>
+          <a:fontRef idx="minor"/>
+        </p:style>
+        <p:txBody>
+          <a:bodyPr lIns="90000" rIns="90000" tIns="45000" bIns="45000" anchor="t">
+            <a:noAutofit/>
+          </a:bodyPr>
+          <a:p>
+            <a:pPr>
+              <a:lnSpc>
+                <a:spcPct val="100000"/>
+              </a:lnSpc>
+              <a:buNone/>
+            </a:pPr>
+            <a:r>
+              <a:rPr b="0" lang="pt-BR" sz="1800" spc="-1" strike="noStrike">
+                <a:solidFill>
+                  <a:srgbClr val="000000"/>
+                </a:solidFill>
+                <a:latin typeface="Arial"/>
+                <a:ea typeface="DejaVu Sans"/>
+              </a:rPr>
+              <a:t>Naive Bayes</a:t>
+            </a:r>
+            <a:endParaRPr b="0" lang="pt-BR" sz="1800" spc="-1" strike="noStrike">
+              <a:latin typeface="Arial"/>
+            </a:endParaRPr>
+          </a:p>
+        </p:txBody>
+      </p:sp>
+      <p:sp>
+        <p:nvSpPr>
+          <p:cNvPr id="345" name=""/>
+          <p:cNvSpPr/>
+          <p:nvPr/>
+        </p:nvSpPr>
+        <p:spPr>
+          <a:xfrm rot="21596400">
+            <a:off x="329040" y="1553040"/>
+            <a:ext cx="9197280" cy="5130720"/>
+          </a:xfrm>
+          <a:prstGeom prst="rect">
+            <a:avLst/>
+          </a:prstGeom>
+          <a:noFill/>
+          <a:ln w="0">
+            <a:noFill/>
+          </a:ln>
+        </p:spPr>
+        <p:style>
+          <a:lnRef idx="0"/>
+          <a:fillRef idx="0"/>
+          <a:effectRef idx="0"/>
+          <a:fontRef idx="minor"/>
+        </p:style>
+        <p:txBody>
+          <a:bodyPr lIns="90000" rIns="90000" tIns="45000" bIns="45000" anchor="t">
+            <a:noAutofit/>
+          </a:bodyPr>
+          <a:p>
+            <a:pPr>
+              <a:lnSpc>
+                <a:spcPct val="100000"/>
+              </a:lnSpc>
+              <a:buNone/>
+            </a:pPr>
+            <a:endParaRPr b="0" lang="pt-BR" sz="2000" spc="-1" strike="noStrike">
+              <a:latin typeface="Arial"/>
+            </a:endParaRPr>
+          </a:p>
+          <a:p>
+            <a:pPr marL="216000" indent="-216000">
+              <a:lnSpc>
+                <a:spcPct val="100000"/>
+              </a:lnSpc>
+              <a:buClr>
+                <a:srgbClr val="000000"/>
+              </a:buClr>
+              <a:buSzPct val="45000"/>
+              <a:buFont typeface="Wingdings" charset="2"/>
+              <a:buChar char=""/>
+            </a:pPr>
+            <a:r>
+              <a:rPr b="0" lang="pt-BR" sz="1800" spc="-1" strike="noStrike">
+                <a:solidFill>
+                  <a:srgbClr val="1c1c1c"/>
+                </a:solidFill>
+                <a:latin typeface="Latin Modern Sans"/>
+                <a:ea typeface="DejaVu Sans"/>
+              </a:rPr>
+              <a:t>Considere o dataset sobre quem pode comprar um computador</a:t>
+            </a:r>
+            <a:endParaRPr b="0" lang="pt-BR" sz="1800" spc="-1" strike="noStrike">
+              <a:latin typeface="Arial"/>
+            </a:endParaRPr>
+          </a:p>
+          <a:p>
+            <a:pPr marL="216000" indent="-216000">
+              <a:lnSpc>
+                <a:spcPct val="100000"/>
+              </a:lnSpc>
+              <a:buClr>
+                <a:srgbClr val="000000"/>
+              </a:buClr>
+              <a:buSzPct val="45000"/>
+              <a:buFont typeface="Wingdings" charset="2"/>
+              <a:buChar char=""/>
+            </a:pPr>
+            <a:r>
+              <a:rPr b="0" lang="pt-BR" sz="1800" spc="-1" strike="noStrike">
+                <a:solidFill>
+                  <a:srgbClr val="1c1c1c"/>
+                </a:solidFill>
+                <a:latin typeface="Latin Modern Sans"/>
+                <a:ea typeface="DejaVu Sans"/>
+              </a:rPr>
+              <a:t>As features são independentes</a:t>
+            </a:r>
+            <a:endParaRPr b="0" lang="pt-BR" sz="1800" spc="-1" strike="noStrike">
+              <a:latin typeface="Arial"/>
+            </a:endParaRPr>
+          </a:p>
+          <a:p>
+            <a:pPr lvl="1" marL="432000" indent="-216000">
+              <a:lnSpc>
+                <a:spcPct val="100000"/>
+              </a:lnSpc>
+              <a:buClr>
+                <a:srgbClr val="000000"/>
+              </a:buClr>
+              <a:buSzPct val="45000"/>
+              <a:buFont typeface="Wingdings" charset="2"/>
+              <a:buChar char=""/>
+            </a:pPr>
+            <a:r>
+              <a:rPr b="0" lang="pt-BR" sz="1800" spc="-1" strike="noStrike">
+                <a:solidFill>
+                  <a:srgbClr val="1c1c1c"/>
+                </a:solidFill>
+                <a:latin typeface="Latin Modern Sans"/>
+                <a:ea typeface="DejaVu Sans"/>
+              </a:rPr>
+              <a:t>I.E: Renda alta não implica em crédito excelente</a:t>
+            </a:r>
+            <a:endParaRPr b="0" lang="pt-BR" sz="1800" spc="-1" strike="noStrike">
+              <a:latin typeface="Arial"/>
+            </a:endParaRPr>
+          </a:p>
+          <a:p>
+            <a:pPr marL="216000" indent="-216000">
+              <a:lnSpc>
+                <a:spcPct val="100000"/>
+              </a:lnSpc>
+              <a:buClr>
+                <a:srgbClr val="000000"/>
+              </a:buClr>
+              <a:buSzPct val="45000"/>
+              <a:buFont typeface="Wingdings" charset="2"/>
+              <a:buChar char=""/>
+            </a:pPr>
+            <a:endParaRPr b="0" lang="pt-BR" sz="2000" spc="-1" strike="noStrike">
+              <a:latin typeface="Arial"/>
+            </a:endParaRPr>
+          </a:p>
+          <a:p>
+            <a:pPr marL="216000" indent="-216000">
+              <a:lnSpc>
+                <a:spcPct val="100000"/>
+              </a:lnSpc>
+              <a:buClr>
+                <a:srgbClr val="000000"/>
+              </a:buClr>
+              <a:buSzPct val="45000"/>
+              <a:buFont typeface="Wingdings" charset="2"/>
+              <a:buChar char=""/>
+            </a:pPr>
+            <a:endParaRPr b="0" lang="pt-BR" sz="2000" spc="-1" strike="noStrike">
+              <a:latin typeface="Arial"/>
+            </a:endParaRPr>
+          </a:p>
+        </p:txBody>
+      </p:sp>
+      <p:pic>
+        <p:nvPicPr>
+          <p:cNvPr id="346" name="" descr=""/>
+          <p:cNvPicPr/>
+          <p:nvPr/>
+        </p:nvPicPr>
+        <p:blipFill>
+          <a:blip r:embed="rId1"/>
+          <a:stretch/>
+        </p:blipFill>
+        <p:spPr>
+          <a:xfrm>
+            <a:off x="2700000" y="2705400"/>
+            <a:ext cx="3960000" cy="3983400"/>
+          </a:xfrm>
+          <a:prstGeom prst="rect">
+            <a:avLst/>
+          </a:prstGeom>
+          <a:ln w="0">
+            <a:noFill/>
+          </a:ln>
+        </p:spPr>
+      </p:pic>
+    </p:spTree>
+  </p:cSld>
+  <mc:AlternateContent>
+    <mc:Choice Requires="p14">
+      <p:transition spd="slow" p14:dur="2000"/>
+    </mc:Choice>
+    <mc:Fallback>
+      <p:transition spd="slow"/>
+    </mc:Fallback>
+  </mc:AlternateContent>
+</p:sld>
+</file>
+
+<file path=ppt/slides/slide13.xml><?xml version="1.0" encoding="utf-8"?>
+<p:sld xmlns:a="http://schemas.openxmlformats.org/drawingml/2006/main" xmlns:p="http://schemas.openxmlformats.org/presentationml/2006/main" xmlns:r="http://schemas.openxmlformats.org/officeDocument/2006/relationships" xmlns:p14="http://schemas.microsoft.com/office/powerpoint/2010/main" xmlns:p15="http://schemas.microsoft.com/office/powerpoint/2012/main" xmlns:mc="http://schemas.openxmlformats.org/markup-compatibility/2006">
+  <p:cSld>
+    <p:spTree>
+      <p:nvGrpSpPr>
+        <p:cNvPr id="1" name=""/>
+        <p:cNvGrpSpPr/>
+        <p:nvPr/>
+      </p:nvGrpSpPr>
+      <p:grpSpPr>
+        <a:xfrm>
+          <a:off x="0" y="0"/>
+          <a:ext cx="0" cy="0"/>
+          <a:chOff x="0" y="0"/>
+          <a:chExt cx="0" cy="0"/>
+        </a:xfrm>
+      </p:grpSpPr>
+      <p:sp>
+        <p:nvSpPr>
+          <p:cNvPr id="347" name="CustomShape 45"/>
+          <p:cNvSpPr/>
+          <p:nvPr/>
+        </p:nvSpPr>
+        <p:spPr>
+          <a:xfrm>
+            <a:off x="360000" y="360000"/>
+            <a:ext cx="9347400" cy="887400"/>
+          </a:xfrm>
+          <a:prstGeom prst="rect">
+            <a:avLst/>
+          </a:prstGeom>
+          <a:noFill/>
+          <a:ln w="0">
+            <a:noFill/>
+          </a:ln>
+        </p:spPr>
+        <p:style>
+          <a:lnRef idx="0"/>
+          <a:fillRef idx="0"/>
+          <a:effectRef idx="0"/>
+          <a:fontRef idx="minor"/>
+        </p:style>
+        <p:txBody>
+          <a:bodyPr lIns="0" rIns="0" tIns="0" bIns="0" anchor="b">
+            <a:noAutofit/>
+          </a:bodyPr>
+          <a:p>
+            <a:pPr>
+              <a:lnSpc>
+                <a:spcPct val="100000"/>
+              </a:lnSpc>
+              <a:buNone/>
+            </a:pPr>
+            <a:r>
+              <a:rPr b="1" lang="pt-BR" sz="2600" spc="-1" strike="noStrike">
+                <a:solidFill>
+                  <a:srgbClr val="ffffff"/>
+                </a:solidFill>
+                <a:latin typeface="Source Sans Pro Black"/>
+                <a:ea typeface="DejaVu Sans"/>
+              </a:rPr>
+              <a:t>C</a:t>
+            </a:r>
+            <a:r>
+              <a:rPr b="1" lang="pt-BR" sz="2600" spc="-1" strike="noStrike">
+                <a:solidFill>
+                  <a:srgbClr val="ffffff"/>
+                </a:solidFill>
+                <a:latin typeface="Source Sans Pro Black"/>
+                <a:ea typeface="DejaVu Sans"/>
+              </a:rPr>
+              <a:t>l</a:t>
+            </a:r>
+            <a:r>
+              <a:rPr b="1" lang="pt-BR" sz="2600" spc="-1" strike="noStrike">
+                <a:solidFill>
+                  <a:srgbClr val="ffffff"/>
+                </a:solidFill>
+                <a:latin typeface="Source Sans Pro Black"/>
+                <a:ea typeface="DejaVu Sans"/>
+              </a:rPr>
+              <a:t>a</a:t>
+            </a:r>
+            <a:r>
+              <a:rPr b="1" lang="pt-BR" sz="2600" spc="-1" strike="noStrike">
+                <a:solidFill>
+                  <a:srgbClr val="ffffff"/>
+                </a:solidFill>
+                <a:latin typeface="Source Sans Pro Black"/>
+                <a:ea typeface="DejaVu Sans"/>
+              </a:rPr>
+              <a:t>s</a:t>
+            </a:r>
+            <a:r>
+              <a:rPr b="1" lang="pt-BR" sz="2600" spc="-1" strike="noStrike">
+                <a:solidFill>
+                  <a:srgbClr val="ffffff"/>
+                </a:solidFill>
+                <a:latin typeface="Source Sans Pro Black"/>
+                <a:ea typeface="DejaVu Sans"/>
+              </a:rPr>
+              <a:t>s</a:t>
+            </a:r>
+            <a:r>
+              <a:rPr b="1" lang="pt-BR" sz="2600" spc="-1" strike="noStrike">
+                <a:solidFill>
+                  <a:srgbClr val="ffffff"/>
+                </a:solidFill>
+                <a:latin typeface="Source Sans Pro Black"/>
+                <a:ea typeface="DejaVu Sans"/>
+              </a:rPr>
+              <a:t>i</a:t>
+            </a:r>
+            <a:r>
+              <a:rPr b="1" lang="pt-BR" sz="2600" spc="-1" strike="noStrike">
+                <a:solidFill>
+                  <a:srgbClr val="ffffff"/>
+                </a:solidFill>
+                <a:latin typeface="Source Sans Pro Black"/>
+                <a:ea typeface="DejaVu Sans"/>
+              </a:rPr>
+              <a:t>f</a:t>
+            </a:r>
+            <a:r>
+              <a:rPr b="1" lang="pt-BR" sz="2600" spc="-1" strike="noStrike">
+                <a:solidFill>
+                  <a:srgbClr val="ffffff"/>
+                </a:solidFill>
+                <a:latin typeface="Source Sans Pro Black"/>
+                <a:ea typeface="DejaVu Sans"/>
+              </a:rPr>
+              <a:t>i</a:t>
+            </a:r>
+            <a:r>
+              <a:rPr b="1" lang="pt-BR" sz="2600" spc="-1" strike="noStrike">
+                <a:solidFill>
+                  <a:srgbClr val="ffffff"/>
+                </a:solidFill>
+                <a:latin typeface="Source Sans Pro Black"/>
+                <a:ea typeface="DejaVu Sans"/>
+              </a:rPr>
+              <a:t>c</a:t>
+            </a:r>
+            <a:r>
+              <a:rPr b="1" lang="pt-BR" sz="2600" spc="-1" strike="noStrike">
+                <a:solidFill>
+                  <a:srgbClr val="ffffff"/>
+                </a:solidFill>
+                <a:latin typeface="Source Sans Pro Black"/>
+                <a:ea typeface="DejaVu Sans"/>
+              </a:rPr>
+              <a:t>a</a:t>
+            </a:r>
+            <a:r>
+              <a:rPr b="1" lang="pt-BR" sz="2600" spc="-1" strike="noStrike">
+                <a:solidFill>
+                  <a:srgbClr val="ffffff"/>
+                </a:solidFill>
+                <a:latin typeface="Source Sans Pro Black"/>
+                <a:ea typeface="DejaVu Sans"/>
+              </a:rPr>
+              <a:t>d</a:t>
+            </a:r>
+            <a:r>
+              <a:rPr b="1" lang="pt-BR" sz="2600" spc="-1" strike="noStrike">
+                <a:solidFill>
+                  <a:srgbClr val="ffffff"/>
+                </a:solidFill>
+                <a:latin typeface="Source Sans Pro Black"/>
+                <a:ea typeface="DejaVu Sans"/>
+              </a:rPr>
+              <a:t>o</a:t>
+            </a:r>
+            <a:r>
+              <a:rPr b="1" lang="pt-BR" sz="2600" spc="-1" strike="noStrike">
+                <a:solidFill>
+                  <a:srgbClr val="ffffff"/>
+                </a:solidFill>
+                <a:latin typeface="Source Sans Pro Black"/>
+                <a:ea typeface="DejaVu Sans"/>
+              </a:rPr>
+              <a:t>r</a:t>
+            </a:r>
+            <a:r>
+              <a:rPr b="1" lang="pt-BR" sz="2600" spc="-1" strike="noStrike">
+                <a:solidFill>
+                  <a:srgbClr val="ffffff"/>
+                </a:solidFill>
+                <a:latin typeface="Source Sans Pro Black"/>
+                <a:ea typeface="DejaVu Sans"/>
+              </a:rPr>
+              <a:t> </a:t>
+            </a:r>
+            <a:r>
+              <a:rPr b="1" lang="pt-BR" sz="2600" spc="-1" strike="noStrike">
+                <a:solidFill>
+                  <a:srgbClr val="ffffff"/>
+                </a:solidFill>
+                <a:latin typeface="Source Sans Pro Black"/>
+                <a:ea typeface="DejaVu Sans"/>
+              </a:rPr>
+              <a:t>N</a:t>
+            </a:r>
+            <a:r>
+              <a:rPr b="1" lang="pt-BR" sz="2600" spc="-1" strike="noStrike">
+                <a:solidFill>
+                  <a:srgbClr val="ffffff"/>
+                </a:solidFill>
+                <a:latin typeface="Source Sans Pro Black"/>
+                <a:ea typeface="DejaVu Sans"/>
+              </a:rPr>
+              <a:t>a</a:t>
+            </a:r>
+            <a:r>
+              <a:rPr b="1" lang="pt-BR" sz="2600" spc="-1" strike="noStrike">
+                <a:solidFill>
+                  <a:srgbClr val="ffffff"/>
+                </a:solidFill>
+                <a:latin typeface="Source Sans Pro Black"/>
+                <a:ea typeface="DejaVu Sans"/>
+              </a:rPr>
+              <a:t>i</a:t>
+            </a:r>
+            <a:r>
+              <a:rPr b="1" lang="pt-BR" sz="2600" spc="-1" strike="noStrike">
+                <a:solidFill>
+                  <a:srgbClr val="ffffff"/>
+                </a:solidFill>
+                <a:latin typeface="Source Sans Pro Black"/>
+                <a:ea typeface="DejaVu Sans"/>
+              </a:rPr>
+              <a:t>v</a:t>
+            </a:r>
+            <a:r>
+              <a:rPr b="1" lang="pt-BR" sz="2600" spc="-1" strike="noStrike">
+                <a:solidFill>
+                  <a:srgbClr val="ffffff"/>
+                </a:solidFill>
+                <a:latin typeface="Source Sans Pro Black"/>
+                <a:ea typeface="DejaVu Sans"/>
+              </a:rPr>
+              <a:t>e</a:t>
+            </a:r>
+            <a:r>
+              <a:rPr b="1" lang="pt-BR" sz="2600" spc="-1" strike="noStrike">
+                <a:solidFill>
+                  <a:srgbClr val="ffffff"/>
+                </a:solidFill>
+                <a:latin typeface="Source Sans Pro Black"/>
+                <a:ea typeface="DejaVu Sans"/>
+              </a:rPr>
+              <a:t> </a:t>
+            </a:r>
+            <a:r>
+              <a:rPr b="1" lang="pt-BR" sz="2600" spc="-1" strike="noStrike">
+                <a:solidFill>
+                  <a:srgbClr val="ffffff"/>
+                </a:solidFill>
+                <a:latin typeface="Source Sans Pro Black"/>
+                <a:ea typeface="DejaVu Sans"/>
+              </a:rPr>
+              <a:t>B</a:t>
+            </a:r>
+            <a:r>
+              <a:rPr b="1" lang="pt-BR" sz="2600" spc="-1" strike="noStrike">
+                <a:solidFill>
+                  <a:srgbClr val="ffffff"/>
+                </a:solidFill>
+                <a:latin typeface="Source Sans Pro Black"/>
+                <a:ea typeface="DejaVu Sans"/>
+              </a:rPr>
+              <a:t>a</a:t>
+            </a:r>
+            <a:r>
+              <a:rPr b="1" lang="pt-BR" sz="2600" spc="-1" strike="noStrike">
+                <a:solidFill>
+                  <a:srgbClr val="ffffff"/>
+                </a:solidFill>
+                <a:latin typeface="Source Sans Pro Black"/>
+                <a:ea typeface="DejaVu Sans"/>
+              </a:rPr>
+              <a:t>y</a:t>
+            </a:r>
+            <a:r>
+              <a:rPr b="1" lang="pt-BR" sz="2600" spc="-1" strike="noStrike">
+                <a:solidFill>
+                  <a:srgbClr val="ffffff"/>
+                </a:solidFill>
+                <a:latin typeface="Source Sans Pro Black"/>
+                <a:ea typeface="DejaVu Sans"/>
+              </a:rPr>
+              <a:t>e</a:t>
+            </a:r>
+            <a:r>
+              <a:rPr b="1" lang="pt-BR" sz="2600" spc="-1" strike="noStrike">
+                <a:solidFill>
+                  <a:srgbClr val="ffffff"/>
+                </a:solidFill>
+                <a:latin typeface="Source Sans Pro Black"/>
+                <a:ea typeface="DejaVu Sans"/>
+              </a:rPr>
+              <a:t>s</a:t>
+            </a:r>
+            <a:endParaRPr b="0" lang="pt-BR" sz="2600" spc="-1" strike="noStrike">
+              <a:latin typeface="Arial"/>
+            </a:endParaRPr>
+          </a:p>
+        </p:txBody>
+      </p:sp>
+      <p:sp>
+        <p:nvSpPr>
+          <p:cNvPr id="348" name="CustomShape 46"/>
+          <p:cNvSpPr/>
+          <p:nvPr/>
+        </p:nvSpPr>
+        <p:spPr>
+          <a:xfrm>
+            <a:off x="897120" y="6886080"/>
+            <a:ext cx="6434640" cy="352440"/>
+          </a:xfrm>
+          <a:prstGeom prst="rect">
+            <a:avLst/>
+          </a:prstGeom>
+          <a:noFill/>
+          <a:ln w="0">
+            <a:noFill/>
+          </a:ln>
+        </p:spPr>
+        <p:style>
+          <a:lnRef idx="0"/>
+          <a:fillRef idx="0"/>
+          <a:effectRef idx="0"/>
+          <a:fontRef idx="minor"/>
+        </p:style>
+        <p:txBody>
+          <a:bodyPr lIns="90000" rIns="90000" tIns="45000" bIns="45000" anchor="t">
+            <a:noAutofit/>
+          </a:bodyPr>
+          <a:p>
+            <a:pPr>
+              <a:lnSpc>
+                <a:spcPct val="100000"/>
+              </a:lnSpc>
+              <a:buNone/>
+            </a:pPr>
+            <a:r>
+              <a:rPr b="0" lang="pt-BR" sz="1800" spc="-1" strike="noStrike">
+                <a:solidFill>
+                  <a:srgbClr val="000000"/>
+                </a:solidFill>
+                <a:latin typeface="Arial"/>
+                <a:ea typeface="DejaVu Sans"/>
+              </a:rPr>
+              <a:t>A</a:t>
+            </a:r>
+            <a:r>
+              <a:rPr b="0" lang="pt-BR" sz="1800" spc="-1" strike="noStrike">
+                <a:solidFill>
+                  <a:srgbClr val="000000"/>
+                </a:solidFill>
+                <a:latin typeface="Arial"/>
+                <a:ea typeface="DejaVu Sans"/>
+              </a:rPr>
+              <a:t>p</a:t>
+            </a:r>
+            <a:r>
+              <a:rPr b="0" lang="pt-BR" sz="1800" spc="-1" strike="noStrike">
+                <a:solidFill>
+                  <a:srgbClr val="000000"/>
+                </a:solidFill>
+                <a:latin typeface="Arial"/>
+                <a:ea typeface="DejaVu Sans"/>
+              </a:rPr>
+              <a:t>r</a:t>
+            </a:r>
+            <a:r>
+              <a:rPr b="0" lang="pt-BR" sz="1800" spc="-1" strike="noStrike">
+                <a:solidFill>
+                  <a:srgbClr val="000000"/>
+                </a:solidFill>
+                <a:latin typeface="Arial"/>
+                <a:ea typeface="DejaVu Sans"/>
+              </a:rPr>
+              <a:t>e</a:t>
+            </a:r>
+            <a:r>
+              <a:rPr b="0" lang="pt-BR" sz="1800" spc="-1" strike="noStrike">
+                <a:solidFill>
+                  <a:srgbClr val="000000"/>
+                </a:solidFill>
+                <a:latin typeface="Arial"/>
+                <a:ea typeface="DejaVu Sans"/>
+              </a:rPr>
+              <a:t>n</a:t>
+            </a:r>
+            <a:r>
+              <a:rPr b="0" lang="pt-BR" sz="1800" spc="-1" strike="noStrike">
+                <a:solidFill>
+                  <a:srgbClr val="000000"/>
+                </a:solidFill>
+                <a:latin typeface="Arial"/>
+                <a:ea typeface="DejaVu Sans"/>
+              </a:rPr>
+              <a:t>d</a:t>
+            </a:r>
+            <a:r>
+              <a:rPr b="0" lang="pt-BR" sz="1800" spc="-1" strike="noStrike">
+                <a:solidFill>
+                  <a:srgbClr val="000000"/>
+                </a:solidFill>
+                <a:latin typeface="Arial"/>
+                <a:ea typeface="DejaVu Sans"/>
+              </a:rPr>
+              <a:t>i</a:t>
+            </a:r>
+            <a:r>
+              <a:rPr b="0" lang="pt-BR" sz="1800" spc="-1" strike="noStrike">
+                <a:solidFill>
+                  <a:srgbClr val="000000"/>
+                </a:solidFill>
+                <a:latin typeface="Arial"/>
+                <a:ea typeface="DejaVu Sans"/>
+              </a:rPr>
+              <a:t>z</a:t>
+            </a:r>
+            <a:r>
+              <a:rPr b="0" lang="pt-BR" sz="1800" spc="-1" strike="noStrike">
+                <a:solidFill>
+                  <a:srgbClr val="000000"/>
+                </a:solidFill>
+                <a:latin typeface="Arial"/>
+                <a:ea typeface="DejaVu Sans"/>
+              </a:rPr>
+              <a:t>a</a:t>
+            </a:r>
+            <a:r>
+              <a:rPr b="0" lang="pt-BR" sz="1800" spc="-1" strike="noStrike">
+                <a:solidFill>
+                  <a:srgbClr val="000000"/>
+                </a:solidFill>
+                <a:latin typeface="Arial"/>
+                <a:ea typeface="DejaVu Sans"/>
+              </a:rPr>
+              <a:t>d</a:t>
+            </a:r>
+            <a:r>
+              <a:rPr b="0" lang="pt-BR" sz="1800" spc="-1" strike="noStrike">
+                <a:solidFill>
+                  <a:srgbClr val="000000"/>
+                </a:solidFill>
+                <a:latin typeface="Arial"/>
+                <a:ea typeface="DejaVu Sans"/>
+              </a:rPr>
+              <a:t>o</a:t>
+            </a:r>
+            <a:r>
+              <a:rPr b="0" lang="pt-BR" sz="1800" spc="-1" strike="noStrike">
+                <a:solidFill>
+                  <a:srgbClr val="000000"/>
+                </a:solidFill>
+                <a:latin typeface="Arial"/>
+                <a:ea typeface="DejaVu Sans"/>
+              </a:rPr>
+              <a:t> </a:t>
+            </a:r>
+            <a:r>
+              <a:rPr b="0" lang="pt-BR" sz="1800" spc="-1" strike="noStrike">
+                <a:solidFill>
+                  <a:srgbClr val="000000"/>
+                </a:solidFill>
+                <a:latin typeface="Arial"/>
+                <a:ea typeface="DejaVu Sans"/>
+              </a:rPr>
+              <a:t>d</a:t>
+            </a:r>
+            <a:r>
+              <a:rPr b="0" lang="pt-BR" sz="1800" spc="-1" strike="noStrike">
+                <a:solidFill>
+                  <a:srgbClr val="000000"/>
+                </a:solidFill>
+                <a:latin typeface="Arial"/>
+                <a:ea typeface="DejaVu Sans"/>
+              </a:rPr>
+              <a:t>e</a:t>
+            </a:r>
+            <a:r>
+              <a:rPr b="0" lang="pt-BR" sz="1800" spc="-1" strike="noStrike">
+                <a:solidFill>
+                  <a:srgbClr val="000000"/>
+                </a:solidFill>
+                <a:latin typeface="Arial"/>
+                <a:ea typeface="DejaVu Sans"/>
+              </a:rPr>
+              <a:t> </a:t>
+            </a:r>
+            <a:r>
+              <a:rPr b="0" lang="pt-BR" sz="1800" spc="-1" strike="noStrike">
+                <a:solidFill>
+                  <a:srgbClr val="000000"/>
+                </a:solidFill>
+                <a:latin typeface="Arial"/>
+                <a:ea typeface="DejaVu Sans"/>
+              </a:rPr>
+              <a:t>M</a:t>
+            </a:r>
+            <a:r>
+              <a:rPr b="0" lang="pt-BR" sz="1800" spc="-1" strike="noStrike">
+                <a:solidFill>
+                  <a:srgbClr val="000000"/>
+                </a:solidFill>
+                <a:latin typeface="Arial"/>
+                <a:ea typeface="DejaVu Sans"/>
+              </a:rPr>
+              <a:t>á</a:t>
+            </a:r>
+            <a:r>
+              <a:rPr b="0" lang="pt-BR" sz="1800" spc="-1" strike="noStrike">
+                <a:solidFill>
+                  <a:srgbClr val="000000"/>
+                </a:solidFill>
+                <a:latin typeface="Arial"/>
+                <a:ea typeface="DejaVu Sans"/>
+              </a:rPr>
+              <a:t>q</a:t>
+            </a:r>
+            <a:r>
+              <a:rPr b="0" lang="pt-BR" sz="1800" spc="-1" strike="noStrike">
+                <a:solidFill>
+                  <a:srgbClr val="000000"/>
+                </a:solidFill>
+                <a:latin typeface="Arial"/>
+                <a:ea typeface="DejaVu Sans"/>
+              </a:rPr>
+              <a:t>u</a:t>
+            </a:r>
+            <a:r>
+              <a:rPr b="0" lang="pt-BR" sz="1800" spc="-1" strike="noStrike">
+                <a:solidFill>
+                  <a:srgbClr val="000000"/>
+                </a:solidFill>
+                <a:latin typeface="Arial"/>
+                <a:ea typeface="DejaVu Sans"/>
+              </a:rPr>
+              <a:t>i</a:t>
+            </a:r>
+            <a:r>
+              <a:rPr b="0" lang="pt-BR" sz="1800" spc="-1" strike="noStrike">
+                <a:solidFill>
+                  <a:srgbClr val="000000"/>
+                </a:solidFill>
+                <a:latin typeface="Arial"/>
+                <a:ea typeface="DejaVu Sans"/>
+              </a:rPr>
+              <a:t>n</a:t>
+            </a:r>
+            <a:r>
+              <a:rPr b="0" lang="pt-BR" sz="1800" spc="-1" strike="noStrike">
+                <a:solidFill>
+                  <a:srgbClr val="000000"/>
+                </a:solidFill>
+                <a:latin typeface="Arial"/>
+                <a:ea typeface="DejaVu Sans"/>
+              </a:rPr>
+              <a:t>a</a:t>
+            </a:r>
+            <a:r>
+              <a:rPr b="0" lang="pt-BR" sz="1800" spc="-1" strike="noStrike">
+                <a:solidFill>
+                  <a:srgbClr val="000000"/>
+                </a:solidFill>
+                <a:latin typeface="Arial"/>
+                <a:ea typeface="DejaVu Sans"/>
+              </a:rPr>
+              <a:t> </a:t>
+            </a:r>
+            <a:r>
+              <a:rPr b="0" lang="pt-BR" sz="1800" spc="-1" strike="noStrike">
+                <a:solidFill>
+                  <a:srgbClr val="000000"/>
+                </a:solidFill>
+                <a:latin typeface="Arial"/>
+                <a:ea typeface="DejaVu Sans"/>
+              </a:rPr>
+              <a:t>-</a:t>
+            </a:r>
+            <a:r>
+              <a:rPr b="0" lang="pt-BR" sz="1800" spc="-1" strike="noStrike">
+                <a:solidFill>
+                  <a:srgbClr val="000000"/>
+                </a:solidFill>
+                <a:latin typeface="Arial"/>
+                <a:ea typeface="DejaVu Sans"/>
+              </a:rPr>
+              <a:t> </a:t>
+            </a:r>
+            <a:r>
+              <a:rPr b="0" lang="pt-BR" sz="1800" spc="-1" strike="noStrike">
+                <a:solidFill>
+                  <a:srgbClr val="000000"/>
+                </a:solidFill>
+                <a:latin typeface="Arial"/>
+                <a:ea typeface="DejaVu Sans"/>
+              </a:rPr>
+              <a:t>P</a:t>
+            </a:r>
+            <a:r>
+              <a:rPr b="0" lang="pt-BR" sz="1800" spc="-1" strike="noStrike">
+                <a:solidFill>
+                  <a:srgbClr val="000000"/>
+                </a:solidFill>
+                <a:latin typeface="Arial"/>
+                <a:ea typeface="DejaVu Sans"/>
+              </a:rPr>
+              <a:t>r</a:t>
+            </a:r>
+            <a:r>
+              <a:rPr b="0" lang="pt-BR" sz="1800" spc="-1" strike="noStrike">
+                <a:solidFill>
+                  <a:srgbClr val="000000"/>
+                </a:solidFill>
+                <a:latin typeface="Arial"/>
+                <a:ea typeface="DejaVu Sans"/>
+              </a:rPr>
+              <a:t>o</a:t>
+            </a:r>
+            <a:r>
+              <a:rPr b="0" lang="pt-BR" sz="1800" spc="-1" strike="noStrike">
+                <a:solidFill>
+                  <a:srgbClr val="000000"/>
+                </a:solidFill>
+                <a:latin typeface="Arial"/>
+                <a:ea typeface="DejaVu Sans"/>
+              </a:rPr>
+              <a:t>f</a:t>
+            </a:r>
+            <a:r>
+              <a:rPr b="0" lang="pt-BR" sz="1800" spc="-1" strike="noStrike">
+                <a:solidFill>
+                  <a:srgbClr val="000000"/>
+                </a:solidFill>
+                <a:latin typeface="Arial"/>
+                <a:ea typeface="DejaVu Sans"/>
+              </a:rPr>
+              <a:t>.</a:t>
+            </a:r>
+            <a:r>
+              <a:rPr b="0" lang="pt-BR" sz="1800" spc="-1" strike="noStrike">
+                <a:solidFill>
+                  <a:srgbClr val="000000"/>
+                </a:solidFill>
+                <a:latin typeface="Arial"/>
+                <a:ea typeface="DejaVu Sans"/>
+              </a:rPr>
+              <a:t> </a:t>
+            </a:r>
+            <a:r>
+              <a:rPr b="0" lang="pt-BR" sz="1800" spc="-1" strike="noStrike">
+                <a:solidFill>
+                  <a:srgbClr val="000000"/>
+                </a:solidFill>
+                <a:latin typeface="Arial"/>
+                <a:ea typeface="DejaVu Sans"/>
+              </a:rPr>
+              <a:t>A</a:t>
+            </a:r>
+            <a:r>
+              <a:rPr b="0" lang="pt-BR" sz="1800" spc="-1" strike="noStrike">
+                <a:solidFill>
+                  <a:srgbClr val="000000"/>
+                </a:solidFill>
+                <a:latin typeface="Arial"/>
+                <a:ea typeface="DejaVu Sans"/>
+              </a:rPr>
+              <a:t>n</a:t>
+            </a:r>
+            <a:r>
+              <a:rPr b="0" lang="pt-BR" sz="1800" spc="-1" strike="noStrike">
+                <a:solidFill>
+                  <a:srgbClr val="000000"/>
+                </a:solidFill>
+                <a:latin typeface="Arial"/>
+                <a:ea typeface="DejaVu Sans"/>
+              </a:rPr>
+              <a:t>d</a:t>
+            </a:r>
+            <a:r>
+              <a:rPr b="0" lang="pt-BR" sz="1800" spc="-1" strike="noStrike">
+                <a:solidFill>
+                  <a:srgbClr val="000000"/>
+                </a:solidFill>
+                <a:latin typeface="Arial"/>
+                <a:ea typeface="DejaVu Sans"/>
+              </a:rPr>
+              <a:t>r</a:t>
+            </a:r>
+            <a:r>
+              <a:rPr b="0" lang="pt-BR" sz="1800" spc="-1" strike="noStrike">
+                <a:solidFill>
+                  <a:srgbClr val="000000"/>
+                </a:solidFill>
+                <a:latin typeface="Arial"/>
+                <a:ea typeface="DejaVu Sans"/>
+              </a:rPr>
+              <a:t>é</a:t>
+            </a:r>
+            <a:r>
+              <a:rPr b="0" lang="pt-BR" sz="1800" spc="-1" strike="noStrike">
+                <a:solidFill>
+                  <a:srgbClr val="000000"/>
+                </a:solidFill>
+                <a:latin typeface="Arial"/>
+                <a:ea typeface="DejaVu Sans"/>
+              </a:rPr>
+              <a:t> </a:t>
+            </a:r>
+            <a:r>
+              <a:rPr b="0" lang="pt-BR" sz="1800" spc="-1" strike="noStrike">
+                <a:solidFill>
+                  <a:srgbClr val="000000"/>
+                </a:solidFill>
+                <a:latin typeface="Arial"/>
+                <a:ea typeface="DejaVu Sans"/>
+              </a:rPr>
+              <a:t>H</a:t>
+            </a:r>
+            <a:r>
+              <a:rPr b="0" lang="pt-BR" sz="1800" spc="-1" strike="noStrike">
+                <a:solidFill>
+                  <a:srgbClr val="000000"/>
+                </a:solidFill>
+                <a:latin typeface="Arial"/>
+                <a:ea typeface="DejaVu Sans"/>
+              </a:rPr>
+              <a:t>o</a:t>
+            </a:r>
+            <a:r>
+              <a:rPr b="0" lang="pt-BR" sz="1800" spc="-1" strike="noStrike">
+                <a:solidFill>
+                  <a:srgbClr val="000000"/>
+                </a:solidFill>
+                <a:latin typeface="Arial"/>
+                <a:ea typeface="DejaVu Sans"/>
+              </a:rPr>
+              <a:t>c</a:t>
+            </a:r>
+            <a:r>
+              <a:rPr b="0" lang="pt-BR" sz="1800" spc="-1" strike="noStrike">
+                <a:solidFill>
+                  <a:srgbClr val="000000"/>
+                </a:solidFill>
+                <a:latin typeface="Arial"/>
+                <a:ea typeface="DejaVu Sans"/>
+              </a:rPr>
+              <a:t>h</a:t>
+            </a:r>
+            <a:r>
+              <a:rPr b="0" lang="pt-BR" sz="1800" spc="-1" strike="noStrike">
+                <a:solidFill>
+                  <a:srgbClr val="000000"/>
+                </a:solidFill>
+                <a:latin typeface="Arial"/>
+                <a:ea typeface="DejaVu Sans"/>
+              </a:rPr>
+              <a:t>u</a:t>
+            </a:r>
+            <a:r>
+              <a:rPr b="0" lang="pt-BR" sz="1800" spc="-1" strike="noStrike">
+                <a:solidFill>
+                  <a:srgbClr val="000000"/>
+                </a:solidFill>
+                <a:latin typeface="Arial"/>
+                <a:ea typeface="DejaVu Sans"/>
+              </a:rPr>
+              <a:t>l</a:t>
+            </a:r>
+            <a:r>
+              <a:rPr b="0" lang="pt-BR" sz="1800" spc="-1" strike="noStrike">
+                <a:solidFill>
+                  <a:srgbClr val="000000"/>
+                </a:solidFill>
+                <a:latin typeface="Arial"/>
+                <a:ea typeface="DejaVu Sans"/>
+              </a:rPr>
+              <a:t>i</a:t>
+            </a:r>
+            <a:endParaRPr b="0" lang="pt-BR" sz="1800" spc="-1" strike="noStrike">
+              <a:latin typeface="Arial"/>
+            </a:endParaRPr>
+          </a:p>
+        </p:txBody>
+      </p:sp>
+      <p:sp>
+        <p:nvSpPr>
+          <p:cNvPr id="349" name="CustomShape 47"/>
+          <p:cNvSpPr/>
+          <p:nvPr/>
+        </p:nvSpPr>
+        <p:spPr>
+          <a:xfrm>
+            <a:off x="7608600" y="6886080"/>
+            <a:ext cx="2272680" cy="352440"/>
+          </a:xfrm>
+          <a:prstGeom prst="rect">
+            <a:avLst/>
+          </a:prstGeom>
+          <a:noFill/>
+          <a:ln w="0">
+            <a:noFill/>
+          </a:ln>
+        </p:spPr>
+        <p:style>
+          <a:lnRef idx="0"/>
+          <a:fillRef idx="0"/>
+          <a:effectRef idx="0"/>
+          <a:fontRef idx="minor"/>
+        </p:style>
+        <p:txBody>
+          <a:bodyPr lIns="90000" rIns="90000" tIns="45000" bIns="45000" anchor="t">
+            <a:noAutofit/>
+          </a:bodyPr>
+          <a:p>
+            <a:pPr>
+              <a:lnSpc>
+                <a:spcPct val="100000"/>
+              </a:lnSpc>
+              <a:buNone/>
+            </a:pPr>
+            <a:r>
+              <a:rPr b="0" lang="pt-BR" sz="1800" spc="-1" strike="noStrike">
+                <a:solidFill>
+                  <a:srgbClr val="000000"/>
+                </a:solidFill>
+                <a:latin typeface="Arial"/>
+                <a:ea typeface="DejaVu Sans"/>
+              </a:rPr>
+              <a:t>Naive Bayes</a:t>
+            </a:r>
+            <a:endParaRPr b="0" lang="pt-BR" sz="1800" spc="-1" strike="noStrike">
+              <a:latin typeface="Arial"/>
+            </a:endParaRPr>
+          </a:p>
+        </p:txBody>
+      </p:sp>
+      <p:sp>
+        <p:nvSpPr>
+          <p:cNvPr id="350" name=""/>
+          <p:cNvSpPr/>
+          <p:nvPr/>
+        </p:nvSpPr>
+        <p:spPr>
+          <a:xfrm rot="21596400">
+            <a:off x="329040" y="1553040"/>
+            <a:ext cx="9197280" cy="5130720"/>
+          </a:xfrm>
+          <a:prstGeom prst="rect">
+            <a:avLst/>
+          </a:prstGeom>
+          <a:noFill/>
+          <a:ln w="0">
+            <a:noFill/>
+          </a:ln>
+        </p:spPr>
+        <p:style>
+          <a:lnRef idx="0"/>
+          <a:fillRef idx="0"/>
+          <a:effectRef idx="0"/>
+          <a:fontRef idx="minor"/>
+        </p:style>
+        <p:txBody>
+          <a:bodyPr lIns="90000" rIns="90000" tIns="45000" bIns="45000" anchor="t">
+            <a:noAutofit/>
+          </a:bodyPr>
+          <a:p>
+            <a:pPr>
+              <a:lnSpc>
+                <a:spcPct val="100000"/>
+              </a:lnSpc>
+              <a:buNone/>
+            </a:pPr>
+            <a:endParaRPr b="0" lang="pt-BR" sz="2000" spc="-1" strike="noStrike">
+              <a:latin typeface="Arial"/>
+            </a:endParaRPr>
+          </a:p>
+          <a:p>
+            <a:pPr marL="216000" indent="-216000">
+              <a:lnSpc>
+                <a:spcPct val="100000"/>
+              </a:lnSpc>
+              <a:buClr>
+                <a:srgbClr val="000000"/>
+              </a:buClr>
+              <a:buSzPct val="45000"/>
+              <a:buFont typeface="Wingdings" charset="2"/>
+              <a:buChar char=""/>
+            </a:pPr>
+            <a:r>
+              <a:rPr b="0" lang="pt-BR" sz="1800" spc="-1" strike="noStrike">
+                <a:solidFill>
+                  <a:srgbClr val="1c1c1c"/>
+                </a:solidFill>
+                <a:latin typeface="Latin Modern Sans"/>
+                <a:ea typeface="DejaVu Sans"/>
+              </a:rPr>
+              <a:t>Sendo assim:</a:t>
+            </a:r>
+            <a:endParaRPr b="0" lang="pt-BR" sz="1800" spc="-1" strike="noStrike">
+              <a:latin typeface="Arial"/>
+            </a:endParaRPr>
+          </a:p>
+          <a:p>
+            <a:pPr lvl="1" marL="432000" indent="-216000">
+              <a:lnSpc>
+                <a:spcPct val="100000"/>
+              </a:lnSpc>
+              <a:buClr>
+                <a:srgbClr val="000000"/>
+              </a:buClr>
+              <a:buSzPct val="45000"/>
+              <a:buFont typeface="Wingdings" charset="2"/>
+              <a:buChar char=""/>
+            </a:pPr>
+            <a:r>
+              <a:rPr b="0" lang="pt-BR" sz="1800" spc="-1" strike="noStrike">
+                <a:solidFill>
+                  <a:srgbClr val="1c1c1c"/>
+                </a:solidFill>
+                <a:latin typeface="Latin Modern Sans"/>
+                <a:ea typeface="DejaVu Sans"/>
+              </a:rPr>
+              <a:t>X</a:t>
+            </a:r>
+            <a:r>
+              <a:rPr b="0" lang="pt-BR" sz="1800" spc="-1" strike="noStrike" baseline="-8000">
+                <a:solidFill>
+                  <a:srgbClr val="1c1c1c"/>
+                </a:solidFill>
+                <a:latin typeface="Latin Modern Sans"/>
+                <a:ea typeface="DejaVu Sans"/>
+              </a:rPr>
+              <a:t>1</a:t>
+            </a:r>
+            <a:r>
+              <a:rPr b="0" lang="pt-BR" sz="1800" spc="-1" strike="noStrike">
+                <a:solidFill>
+                  <a:srgbClr val="1c1c1c"/>
+                </a:solidFill>
+                <a:latin typeface="Latin Modern Sans"/>
+                <a:ea typeface="DejaVu Sans"/>
+              </a:rPr>
+              <a:t>: Income</a:t>
+            </a:r>
+            <a:endParaRPr b="0" lang="pt-BR" sz="1800" spc="-1" strike="noStrike">
+              <a:latin typeface="Arial"/>
+            </a:endParaRPr>
+          </a:p>
+          <a:p>
+            <a:pPr lvl="1" marL="432000" indent="-216000">
+              <a:lnSpc>
+                <a:spcPct val="100000"/>
+              </a:lnSpc>
+              <a:buClr>
+                <a:srgbClr val="000000"/>
+              </a:buClr>
+              <a:buSzPct val="45000"/>
+              <a:buFont typeface="Wingdings" charset="2"/>
+              <a:buChar char=""/>
+            </a:pPr>
+            <a:r>
+              <a:rPr b="0" lang="pt-BR" sz="1800" spc="-1" strike="noStrike">
+                <a:solidFill>
+                  <a:srgbClr val="1c1c1c"/>
+                </a:solidFill>
+                <a:latin typeface="Latin Modern Sans"/>
+                <a:ea typeface="DejaVu Sans"/>
+              </a:rPr>
+              <a:t>X</a:t>
+            </a:r>
+            <a:r>
+              <a:rPr b="0" lang="pt-BR" sz="1800" spc="-1" strike="noStrike" baseline="-8000">
+                <a:solidFill>
+                  <a:srgbClr val="1c1c1c"/>
+                </a:solidFill>
+                <a:latin typeface="Latin Modern Sans"/>
+                <a:ea typeface="DejaVu Sans"/>
+              </a:rPr>
+              <a:t>2</a:t>
+            </a:r>
+            <a:r>
+              <a:rPr b="0" lang="pt-BR" sz="1800" spc="-1" strike="noStrike">
+                <a:solidFill>
+                  <a:srgbClr val="1c1c1c"/>
+                </a:solidFill>
+                <a:latin typeface="Latin Modern Sans"/>
+                <a:ea typeface="DejaVu Sans"/>
+              </a:rPr>
+              <a:t>: Student</a:t>
+            </a:r>
+            <a:endParaRPr b="0" lang="pt-BR" sz="1800" spc="-1" strike="noStrike">
+              <a:latin typeface="Arial"/>
+            </a:endParaRPr>
+          </a:p>
+          <a:p>
+            <a:pPr lvl="1" marL="432000" indent="-216000">
+              <a:lnSpc>
+                <a:spcPct val="100000"/>
+              </a:lnSpc>
+              <a:buClr>
+                <a:srgbClr val="000000"/>
+              </a:buClr>
+              <a:buSzPct val="45000"/>
+              <a:buFont typeface="Wingdings" charset="2"/>
+              <a:buChar char=""/>
+            </a:pPr>
+            <a:r>
+              <a:rPr b="0" lang="pt-BR" sz="1800" spc="-1" strike="noStrike">
+                <a:solidFill>
+                  <a:srgbClr val="1c1c1c"/>
+                </a:solidFill>
+                <a:latin typeface="Latin Modern Sans"/>
+                <a:ea typeface="DejaVu Sans"/>
+              </a:rPr>
+              <a:t>X3: Credit</a:t>
+            </a:r>
+            <a:endParaRPr b="0" lang="pt-BR" sz="1800" spc="-1" strike="noStrike">
+              <a:latin typeface="Arial"/>
+            </a:endParaRPr>
+          </a:p>
+          <a:p>
+            <a:pPr lvl="1" marL="432000" indent="-216000">
+              <a:lnSpc>
+                <a:spcPct val="100000"/>
+              </a:lnSpc>
+              <a:buClr>
+                <a:srgbClr val="000000"/>
+              </a:buClr>
+              <a:buSzPct val="45000"/>
+              <a:buFont typeface="Wingdings" charset="2"/>
+              <a:buChar char=""/>
+            </a:pPr>
+            <a:endParaRPr b="0" lang="pt-BR" sz="1800" spc="-1" strike="noStrike">
+              <a:latin typeface="Arial"/>
+            </a:endParaRPr>
+          </a:p>
+          <a:p>
+            <a:pPr marL="216000" indent="-216000">
+              <a:lnSpc>
+                <a:spcPct val="100000"/>
+              </a:lnSpc>
+              <a:buClr>
+                <a:srgbClr val="000000"/>
+              </a:buClr>
+              <a:buSzPct val="45000"/>
+              <a:buFont typeface="Wingdings" charset="2"/>
+              <a:buChar char=""/>
+            </a:pPr>
+            <a:r>
+              <a:rPr b="0" lang="pt-BR" sz="1800" spc="-1" strike="noStrike">
+                <a:solidFill>
+                  <a:srgbClr val="1c1c1c"/>
+                </a:solidFill>
+                <a:latin typeface="Latin Modern Sans"/>
+                <a:ea typeface="DejaVu Sans"/>
+              </a:rPr>
+              <a:t>Classe</a:t>
+            </a:r>
+            <a:endParaRPr b="0" lang="pt-BR" sz="1800" spc="-1" strike="noStrike">
+              <a:latin typeface="Arial"/>
+            </a:endParaRPr>
+          </a:p>
+          <a:p>
+            <a:pPr lvl="1" marL="432000" indent="-216000">
+              <a:lnSpc>
+                <a:spcPct val="100000"/>
+              </a:lnSpc>
+              <a:buClr>
+                <a:srgbClr val="000000"/>
+              </a:buClr>
+              <a:buSzPct val="45000"/>
+              <a:buFont typeface="Wingdings" charset="2"/>
+              <a:buChar char=""/>
+            </a:pPr>
+            <a:r>
+              <a:rPr b="0" lang="pt-BR" sz="1800" spc="-1" strike="noStrike">
+                <a:solidFill>
+                  <a:srgbClr val="1c1c1c"/>
+                </a:solidFill>
+                <a:latin typeface="Latin Modern Sans"/>
+                <a:ea typeface="DejaVu Sans"/>
+              </a:rPr>
+              <a:t>Y: Buys Computer</a:t>
+            </a:r>
+            <a:endParaRPr b="0" lang="pt-BR" sz="1800" spc="-1" strike="noStrike">
+              <a:latin typeface="Arial"/>
+            </a:endParaRPr>
+          </a:p>
+          <a:p>
+            <a:pPr lvl="1" marL="432000" indent="-216000">
+              <a:lnSpc>
+                <a:spcPct val="100000"/>
+              </a:lnSpc>
+              <a:buClr>
+                <a:srgbClr val="000000"/>
+              </a:buClr>
+              <a:buSzPct val="45000"/>
+              <a:buFont typeface="Wingdings" charset="2"/>
+              <a:buChar char=""/>
+            </a:pPr>
+            <a:endParaRPr b="0" lang="pt-BR" sz="1800" spc="-1" strike="noStrike">
+              <a:latin typeface="Arial"/>
+            </a:endParaRPr>
+          </a:p>
+          <a:p>
+            <a:pPr marL="216000" indent="-216000">
+              <a:lnSpc>
+                <a:spcPct val="100000"/>
+              </a:lnSpc>
+              <a:buClr>
+                <a:srgbClr val="000000"/>
+              </a:buClr>
+              <a:buSzPct val="45000"/>
+              <a:buFont typeface="Wingdings" charset="2"/>
+              <a:buChar char=""/>
+            </a:pPr>
+            <a:endParaRPr b="0" lang="pt-BR" sz="1800" spc="-1" strike="noStrike">
+              <a:latin typeface="Arial"/>
+            </a:endParaRPr>
+          </a:p>
+          <a:p>
+            <a:pPr marL="216000" indent="-216000">
+              <a:lnSpc>
+                <a:spcPct val="100000"/>
+              </a:lnSpc>
+              <a:buClr>
+                <a:srgbClr val="000000"/>
+              </a:buClr>
+              <a:buSzPct val="45000"/>
+              <a:buFont typeface="Wingdings" charset="2"/>
+              <a:buChar char=""/>
+            </a:pPr>
+            <a:r>
+              <a:rPr b="0" lang="pt-BR" sz="1800" spc="-1" strike="noStrike">
+                <a:solidFill>
+                  <a:srgbClr val="1c1c1c"/>
+                </a:solidFill>
+                <a:latin typeface="Latin Modern Sans"/>
+                <a:ea typeface="DejaVu Sans"/>
+              </a:rPr>
+              <a:t>Naive Bayes para 3 features:</a:t>
+            </a:r>
+            <a:endParaRPr b="0" lang="pt-BR" sz="1800" spc="-1" strike="noStrike">
+              <a:latin typeface="Arial"/>
+            </a:endParaRPr>
+          </a:p>
+          <a:p>
+            <a:pPr lvl="1" marL="432000" indent="-216000">
+              <a:lnSpc>
+                <a:spcPct val="100000"/>
+              </a:lnSpc>
+              <a:buClr>
+                <a:srgbClr val="000000"/>
+              </a:buClr>
+              <a:buSzPct val="45000"/>
+              <a:buFont typeface="Wingdings" charset="2"/>
+              <a:buChar char=""/>
+            </a:pPr>
+            <a:endParaRPr b="0" lang="pt-BR" sz="1800" spc="-1" strike="noStrike">
+              <a:latin typeface="Arial"/>
+            </a:endParaRPr>
+          </a:p>
+          <a:p>
+            <a:pPr marL="216000" indent="-216000">
+              <a:lnSpc>
+                <a:spcPct val="100000"/>
+              </a:lnSpc>
+              <a:buClr>
+                <a:srgbClr val="000000"/>
+              </a:buClr>
+              <a:buSzPct val="45000"/>
+              <a:buFont typeface="Wingdings" charset="2"/>
+              <a:buChar char=""/>
+            </a:pPr>
+            <a:endParaRPr b="0" lang="pt-BR" sz="2000" spc="-1" strike="noStrike">
+              <a:latin typeface="Arial"/>
+            </a:endParaRPr>
+          </a:p>
+          <a:p>
+            <a:pPr marL="216000" indent="-216000">
+              <a:lnSpc>
+                <a:spcPct val="100000"/>
+              </a:lnSpc>
+              <a:buClr>
+                <a:srgbClr val="000000"/>
+              </a:buClr>
+              <a:buSzPct val="45000"/>
+              <a:buFont typeface="Wingdings" charset="2"/>
+              <a:buChar char=""/>
+            </a:pPr>
+            <a:endParaRPr b="0" lang="pt-BR" sz="2000" spc="-1" strike="noStrike">
+              <a:latin typeface="Arial"/>
+            </a:endParaRPr>
+          </a:p>
+        </p:txBody>
+      </p:sp>
+      <p:pic>
+        <p:nvPicPr>
+          <p:cNvPr id="351" name="" descr=""/>
+          <p:cNvPicPr/>
+          <p:nvPr/>
+        </p:nvPicPr>
+        <p:blipFill>
+          <a:blip r:embed="rId1"/>
+          <a:stretch/>
+        </p:blipFill>
+        <p:spPr>
+          <a:xfrm>
+            <a:off x="5760000" y="2136600"/>
+            <a:ext cx="3960000" cy="3983400"/>
+          </a:xfrm>
+          <a:prstGeom prst="rect">
+            <a:avLst/>
+          </a:prstGeom>
+          <a:ln w="0">
+            <a:noFill/>
+          </a:ln>
+        </p:spPr>
+      </p:pic>
+      <p:pic>
+        <p:nvPicPr>
+          <p:cNvPr id="352" name="" descr=""/>
+          <p:cNvPicPr/>
+          <p:nvPr/>
+        </p:nvPicPr>
+        <p:blipFill>
+          <a:blip r:embed="rId2"/>
+          <a:stretch/>
+        </p:blipFill>
+        <p:spPr>
+          <a:xfrm>
+            <a:off x="686520" y="5040000"/>
+            <a:ext cx="4353480" cy="461160"/>
+          </a:xfrm>
+          <a:prstGeom prst="rect">
+            <a:avLst/>
+          </a:prstGeom>
+          <a:ln w="0">
+            <a:noFill/>
+          </a:ln>
+        </p:spPr>
+      </p:pic>
+    </p:spTree>
+  </p:cSld>
+  <mc:AlternateContent>
+    <mc:Choice Requires="p14">
+      <p:transition spd="slow" p14:dur="2000"/>
+    </mc:Choice>
+    <mc:Fallback>
+      <p:transition spd="slow"/>
+    </mc:Fallback>
+  </mc:AlternateContent>
+</p:sld>
+</file>
+
+<file path=ppt/slides/slide14.xml><?xml version="1.0" encoding="utf-8"?>
+<p:sld xmlns:a="http://schemas.openxmlformats.org/drawingml/2006/main" xmlns:p="http://schemas.openxmlformats.org/presentationml/2006/main" xmlns:r="http://schemas.openxmlformats.org/officeDocument/2006/relationships" xmlns:p14="http://schemas.microsoft.com/office/powerpoint/2010/main" xmlns:p15="http://schemas.microsoft.com/office/powerpoint/2012/main" xmlns:mc="http://schemas.openxmlformats.org/markup-compatibility/2006">
+  <p:cSld>
+    <p:spTree>
+      <p:nvGrpSpPr>
+        <p:cNvPr id="1" name=""/>
+        <p:cNvGrpSpPr/>
+        <p:nvPr/>
+      </p:nvGrpSpPr>
+      <p:grpSpPr>
+        <a:xfrm>
+          <a:off x="0" y="0"/>
+          <a:ext cx="0" cy="0"/>
+          <a:chOff x="0" y="0"/>
+          <a:chExt cx="0" cy="0"/>
+        </a:xfrm>
+      </p:grpSpPr>
+      <p:sp>
+        <p:nvSpPr>
+          <p:cNvPr id="353" name="CustomShape 49"/>
+          <p:cNvSpPr/>
+          <p:nvPr/>
+        </p:nvSpPr>
+        <p:spPr>
+          <a:xfrm>
+            <a:off x="360000" y="360000"/>
+            <a:ext cx="9347400" cy="887400"/>
+          </a:xfrm>
+          <a:prstGeom prst="rect">
+            <a:avLst/>
+          </a:prstGeom>
+          <a:noFill/>
+          <a:ln w="0">
+            <a:noFill/>
+          </a:ln>
+        </p:spPr>
+        <p:style>
+          <a:lnRef idx="0"/>
+          <a:fillRef idx="0"/>
+          <a:effectRef idx="0"/>
+          <a:fontRef idx="minor"/>
+        </p:style>
+        <p:txBody>
+          <a:bodyPr lIns="0" rIns="0" tIns="0" bIns="0" anchor="b">
+            <a:noAutofit/>
+          </a:bodyPr>
+          <a:p>
+            <a:pPr>
+              <a:lnSpc>
+                <a:spcPct val="100000"/>
+              </a:lnSpc>
+              <a:buNone/>
+            </a:pPr>
+            <a:r>
+              <a:rPr b="1" lang="pt-BR" sz="2600" spc="-1" strike="noStrike">
+                <a:solidFill>
+                  <a:srgbClr val="ffffff"/>
+                </a:solidFill>
+                <a:latin typeface="Source Sans Pro Black"/>
+                <a:ea typeface="DejaVu Sans"/>
+              </a:rPr>
+              <a:t>Classificador Naive Bayes</a:t>
+            </a:r>
+            <a:endParaRPr b="0" lang="pt-BR" sz="2600" spc="-1" strike="noStrike">
+              <a:latin typeface="Arial"/>
+            </a:endParaRPr>
+          </a:p>
+        </p:txBody>
+      </p:sp>
+      <p:sp>
+        <p:nvSpPr>
+          <p:cNvPr id="354" name="CustomShape 50"/>
+          <p:cNvSpPr/>
+          <p:nvPr/>
+        </p:nvSpPr>
+        <p:spPr>
+          <a:xfrm>
+            <a:off x="897120" y="6886080"/>
+            <a:ext cx="6434640" cy="352440"/>
+          </a:xfrm>
+          <a:prstGeom prst="rect">
+            <a:avLst/>
+          </a:prstGeom>
+          <a:noFill/>
+          <a:ln w="0">
+            <a:noFill/>
+          </a:ln>
+        </p:spPr>
+        <p:style>
+          <a:lnRef idx="0"/>
+          <a:fillRef idx="0"/>
+          <a:effectRef idx="0"/>
+          <a:fontRef idx="minor"/>
+        </p:style>
+        <p:txBody>
+          <a:bodyPr lIns="90000" rIns="90000" tIns="45000" bIns="45000" anchor="t">
+            <a:noAutofit/>
+          </a:bodyPr>
+          <a:p>
+            <a:pPr>
+              <a:lnSpc>
+                <a:spcPct val="100000"/>
+              </a:lnSpc>
+              <a:buNone/>
+            </a:pPr>
+            <a:r>
+              <a:rPr b="0" lang="pt-BR" sz="1800" spc="-1" strike="noStrike">
+                <a:solidFill>
+                  <a:srgbClr val="000000"/>
+                </a:solidFill>
+                <a:latin typeface="Arial"/>
+                <a:ea typeface="DejaVu Sans"/>
+              </a:rPr>
+              <a:t>Aprendizado de Máquina - Prof. André Hochuli</a:t>
+            </a:r>
+            <a:endParaRPr b="0" lang="pt-BR" sz="1800" spc="-1" strike="noStrike">
+              <a:latin typeface="Arial"/>
+            </a:endParaRPr>
+          </a:p>
+        </p:txBody>
+      </p:sp>
+      <p:sp>
+        <p:nvSpPr>
+          <p:cNvPr id="355" name="CustomShape 51"/>
+          <p:cNvSpPr/>
+          <p:nvPr/>
+        </p:nvSpPr>
+        <p:spPr>
+          <a:xfrm>
+            <a:off x="7608600" y="6886080"/>
+            <a:ext cx="2272680" cy="352440"/>
+          </a:xfrm>
+          <a:prstGeom prst="rect">
+            <a:avLst/>
+          </a:prstGeom>
+          <a:noFill/>
+          <a:ln w="0">
+            <a:noFill/>
+          </a:ln>
+        </p:spPr>
+        <p:style>
+          <a:lnRef idx="0"/>
+          <a:fillRef idx="0"/>
+          <a:effectRef idx="0"/>
+          <a:fontRef idx="minor"/>
+        </p:style>
+        <p:txBody>
+          <a:bodyPr lIns="90000" rIns="90000" tIns="45000" bIns="45000" anchor="t">
+            <a:noAutofit/>
+          </a:bodyPr>
+          <a:p>
+            <a:pPr>
+              <a:lnSpc>
+                <a:spcPct val="100000"/>
+              </a:lnSpc>
+              <a:buNone/>
+            </a:pPr>
+            <a:r>
+              <a:rPr b="0" lang="pt-BR" sz="1800" spc="-1" strike="noStrike">
+                <a:solidFill>
+                  <a:srgbClr val="000000"/>
+                </a:solidFill>
+                <a:latin typeface="Arial"/>
+                <a:ea typeface="DejaVu Sans"/>
+              </a:rPr>
+              <a:t>Naive Bayes</a:t>
+            </a:r>
+            <a:endParaRPr b="0" lang="pt-BR" sz="1800" spc="-1" strike="noStrike">
+              <a:latin typeface="Arial"/>
+            </a:endParaRPr>
+          </a:p>
+        </p:txBody>
+      </p:sp>
+      <p:sp>
+        <p:nvSpPr>
+          <p:cNvPr id="356" name=""/>
+          <p:cNvSpPr/>
+          <p:nvPr/>
+        </p:nvSpPr>
+        <p:spPr>
+          <a:xfrm rot="21596400">
+            <a:off x="329040" y="1553040"/>
+            <a:ext cx="9197280" cy="5130720"/>
+          </a:xfrm>
+          <a:prstGeom prst="rect">
+            <a:avLst/>
+          </a:prstGeom>
+          <a:noFill/>
+          <a:ln w="0">
+            <a:noFill/>
+          </a:ln>
+        </p:spPr>
+        <p:style>
+          <a:lnRef idx="0"/>
+          <a:fillRef idx="0"/>
+          <a:effectRef idx="0"/>
+          <a:fontRef idx="minor"/>
+        </p:style>
+        <p:txBody>
+          <a:bodyPr lIns="90000" rIns="90000" tIns="45000" bIns="45000" anchor="t">
+            <a:noAutofit/>
+          </a:bodyPr>
+          <a:p>
+            <a:pPr>
+              <a:lnSpc>
+                <a:spcPct val="100000"/>
+              </a:lnSpc>
+              <a:buNone/>
+            </a:pPr>
+            <a:endParaRPr b="0" lang="pt-BR" sz="2000" spc="-1" strike="noStrike">
+              <a:latin typeface="Arial"/>
+            </a:endParaRPr>
+          </a:p>
+          <a:p>
+            <a:pPr marL="216000" indent="-216000">
+              <a:lnSpc>
+                <a:spcPct val="100000"/>
+              </a:lnSpc>
+              <a:buClr>
+                <a:srgbClr val="000000"/>
+              </a:buClr>
+              <a:buSzPct val="45000"/>
+              <a:buFont typeface="Wingdings" charset="2"/>
+              <a:buChar char=""/>
+            </a:pPr>
+            <a:r>
+              <a:rPr b="0" lang="pt-BR" sz="1800" spc="-1" strike="noStrike">
+                <a:solidFill>
+                  <a:srgbClr val="1c1c1c"/>
+                </a:solidFill>
+                <a:latin typeface="Latin Modern Sans"/>
+                <a:ea typeface="DejaVu Sans"/>
+              </a:rPr>
+              <a:t>P</a:t>
+            </a:r>
+            <a:r>
+              <a:rPr b="0" lang="pt-BR" sz="1800" spc="-1" strike="noStrike">
+                <a:solidFill>
+                  <a:srgbClr val="1c1c1c"/>
+                </a:solidFill>
+                <a:latin typeface="Latin Modern Sans"/>
+                <a:ea typeface="DejaVu Sans"/>
+              </a:rPr>
+              <a:t>r</a:t>
+            </a:r>
+            <a:r>
+              <a:rPr b="0" lang="pt-BR" sz="1800" spc="-1" strike="noStrike">
+                <a:solidFill>
+                  <a:srgbClr val="1c1c1c"/>
+                </a:solidFill>
+                <a:latin typeface="Latin Modern Sans"/>
+                <a:ea typeface="DejaVu Sans"/>
+              </a:rPr>
+              <a:t>o</a:t>
+            </a:r>
+            <a:r>
+              <a:rPr b="0" lang="pt-BR" sz="1800" spc="-1" strike="noStrike">
+                <a:solidFill>
+                  <a:srgbClr val="1c1c1c"/>
+                </a:solidFill>
+                <a:latin typeface="Latin Modern Sans"/>
+                <a:ea typeface="DejaVu Sans"/>
+              </a:rPr>
+              <a:t>b</a:t>
+            </a:r>
+            <a:r>
+              <a:rPr b="0" lang="pt-BR" sz="1800" spc="-1" strike="noStrike">
+                <a:solidFill>
+                  <a:srgbClr val="1c1c1c"/>
+                </a:solidFill>
+                <a:latin typeface="Latin Modern Sans"/>
+                <a:ea typeface="DejaVu Sans"/>
+              </a:rPr>
+              <a:t>a</a:t>
+            </a:r>
+            <a:r>
+              <a:rPr b="0" lang="pt-BR" sz="1800" spc="-1" strike="noStrike">
+                <a:solidFill>
+                  <a:srgbClr val="1c1c1c"/>
+                </a:solidFill>
+                <a:latin typeface="Latin Modern Sans"/>
+                <a:ea typeface="DejaVu Sans"/>
+              </a:rPr>
+              <a:t>b</a:t>
+            </a:r>
+            <a:r>
+              <a:rPr b="0" lang="pt-BR" sz="1800" spc="-1" strike="noStrike">
+                <a:solidFill>
+                  <a:srgbClr val="1c1c1c"/>
+                </a:solidFill>
+                <a:latin typeface="Latin Modern Sans"/>
+                <a:ea typeface="DejaVu Sans"/>
+              </a:rPr>
+              <a:t>i</a:t>
+            </a:r>
+            <a:r>
+              <a:rPr b="0" lang="pt-BR" sz="1800" spc="-1" strike="noStrike">
+                <a:solidFill>
+                  <a:srgbClr val="1c1c1c"/>
+                </a:solidFill>
+                <a:latin typeface="Latin Modern Sans"/>
+                <a:ea typeface="DejaVu Sans"/>
+              </a:rPr>
+              <a:t>l</a:t>
+            </a:r>
+            <a:r>
+              <a:rPr b="0" lang="pt-BR" sz="1800" spc="-1" strike="noStrike">
+                <a:solidFill>
+                  <a:srgbClr val="1c1c1c"/>
+                </a:solidFill>
+                <a:latin typeface="Latin Modern Sans"/>
+                <a:ea typeface="DejaVu Sans"/>
+              </a:rPr>
+              <a:t>i</a:t>
+            </a:r>
+            <a:r>
+              <a:rPr b="0" lang="pt-BR" sz="1800" spc="-1" strike="noStrike">
+                <a:solidFill>
+                  <a:srgbClr val="1c1c1c"/>
+                </a:solidFill>
+                <a:latin typeface="Latin Modern Sans"/>
+                <a:ea typeface="DejaVu Sans"/>
+              </a:rPr>
+              <a:t>d</a:t>
+            </a:r>
+            <a:r>
+              <a:rPr b="0" lang="pt-BR" sz="1800" spc="-1" strike="noStrike">
+                <a:solidFill>
+                  <a:srgbClr val="1c1c1c"/>
+                </a:solidFill>
+                <a:latin typeface="Latin Modern Sans"/>
+                <a:ea typeface="DejaVu Sans"/>
+              </a:rPr>
+              <a:t>a</a:t>
+            </a:r>
+            <a:r>
+              <a:rPr b="0" lang="pt-BR" sz="1800" spc="-1" strike="noStrike">
+                <a:solidFill>
+                  <a:srgbClr val="1c1c1c"/>
+                </a:solidFill>
+                <a:latin typeface="Latin Modern Sans"/>
+                <a:ea typeface="DejaVu Sans"/>
+              </a:rPr>
+              <a:t>d</a:t>
+            </a:r>
+            <a:r>
+              <a:rPr b="0" lang="pt-BR" sz="1800" spc="-1" strike="noStrike">
+                <a:solidFill>
+                  <a:srgbClr val="1c1c1c"/>
+                </a:solidFill>
+                <a:latin typeface="Latin Modern Sans"/>
+                <a:ea typeface="DejaVu Sans"/>
+              </a:rPr>
+              <a:t>e</a:t>
+            </a:r>
+            <a:r>
+              <a:rPr b="0" lang="pt-BR" sz="1800" spc="-1" strike="noStrike">
+                <a:solidFill>
+                  <a:srgbClr val="1c1c1c"/>
+                </a:solidFill>
+                <a:latin typeface="Latin Modern Sans"/>
+                <a:ea typeface="DejaVu Sans"/>
+              </a:rPr>
+              <a:t>s</a:t>
+            </a:r>
+            <a:r>
+              <a:rPr b="0" lang="pt-BR" sz="1800" spc="-1" strike="noStrike">
+                <a:solidFill>
+                  <a:srgbClr val="1c1c1c"/>
+                </a:solidFill>
+                <a:latin typeface="Latin Modern Sans"/>
+                <a:ea typeface="DejaVu Sans"/>
+              </a:rPr>
+              <a:t> </a:t>
+            </a:r>
+            <a:r>
+              <a:rPr b="0" lang="pt-BR" sz="1800" spc="-1" strike="noStrike">
+                <a:solidFill>
+                  <a:srgbClr val="1c1c1c"/>
+                </a:solidFill>
+                <a:latin typeface="Latin Modern Sans"/>
+                <a:ea typeface="DejaVu Sans"/>
+              </a:rPr>
+              <a:t>I</a:t>
+            </a:r>
+            <a:r>
+              <a:rPr b="0" lang="pt-BR" sz="1800" spc="-1" strike="noStrike">
+                <a:solidFill>
+                  <a:srgbClr val="1c1c1c"/>
+                </a:solidFill>
+                <a:latin typeface="Latin Modern Sans"/>
+                <a:ea typeface="DejaVu Sans"/>
+              </a:rPr>
+              <a:t>n</a:t>
+            </a:r>
+            <a:r>
+              <a:rPr b="0" lang="pt-BR" sz="1800" spc="-1" strike="noStrike">
+                <a:solidFill>
+                  <a:srgbClr val="1c1c1c"/>
+                </a:solidFill>
+                <a:latin typeface="Latin Modern Sans"/>
+                <a:ea typeface="DejaVu Sans"/>
+              </a:rPr>
+              <a:t>d</a:t>
+            </a:r>
+            <a:r>
+              <a:rPr b="0" lang="pt-BR" sz="1800" spc="-1" strike="noStrike">
+                <a:solidFill>
+                  <a:srgbClr val="1c1c1c"/>
+                </a:solidFill>
+                <a:latin typeface="Latin Modern Sans"/>
+                <a:ea typeface="DejaVu Sans"/>
+              </a:rPr>
+              <a:t>i</a:t>
+            </a:r>
+            <a:r>
+              <a:rPr b="0" lang="pt-BR" sz="1800" spc="-1" strike="noStrike">
+                <a:solidFill>
+                  <a:srgbClr val="1c1c1c"/>
+                </a:solidFill>
+                <a:latin typeface="Latin Modern Sans"/>
+                <a:ea typeface="DejaVu Sans"/>
+              </a:rPr>
+              <a:t>v</a:t>
+            </a:r>
+            <a:r>
+              <a:rPr b="0" lang="pt-BR" sz="1800" spc="-1" strike="noStrike">
+                <a:solidFill>
+                  <a:srgbClr val="1c1c1c"/>
+                </a:solidFill>
+                <a:latin typeface="Latin Modern Sans"/>
+                <a:ea typeface="DejaVu Sans"/>
+              </a:rPr>
+              <a:t>i</a:t>
+            </a:r>
+            <a:r>
+              <a:rPr b="0" lang="pt-BR" sz="1800" spc="-1" strike="noStrike">
+                <a:solidFill>
+                  <a:srgbClr val="1c1c1c"/>
+                </a:solidFill>
+                <a:latin typeface="Latin Modern Sans"/>
+                <a:ea typeface="DejaVu Sans"/>
+              </a:rPr>
+              <a:t>d</a:t>
+            </a:r>
+            <a:r>
+              <a:rPr b="0" lang="pt-BR" sz="1800" spc="-1" strike="noStrike">
+                <a:solidFill>
+                  <a:srgbClr val="1c1c1c"/>
+                </a:solidFill>
+                <a:latin typeface="Latin Modern Sans"/>
+                <a:ea typeface="DejaVu Sans"/>
+              </a:rPr>
+              <a:t>u</a:t>
+            </a:r>
+            <a:r>
+              <a:rPr b="0" lang="pt-BR" sz="1800" spc="-1" strike="noStrike">
+                <a:solidFill>
+                  <a:srgbClr val="1c1c1c"/>
+                </a:solidFill>
+                <a:latin typeface="Latin Modern Sans"/>
+                <a:ea typeface="DejaVu Sans"/>
+              </a:rPr>
+              <a:t>a</a:t>
+            </a:r>
+            <a:r>
+              <a:rPr b="0" lang="pt-BR" sz="1800" spc="-1" strike="noStrike">
+                <a:solidFill>
+                  <a:srgbClr val="1c1c1c"/>
+                </a:solidFill>
+                <a:latin typeface="Latin Modern Sans"/>
+                <a:ea typeface="DejaVu Sans"/>
+              </a:rPr>
+              <a:t>i</a:t>
+            </a:r>
+            <a:r>
+              <a:rPr b="0" lang="pt-BR" sz="1800" spc="-1" strike="noStrike">
+                <a:solidFill>
+                  <a:srgbClr val="1c1c1c"/>
+                </a:solidFill>
+                <a:latin typeface="Latin Modern Sans"/>
+                <a:ea typeface="DejaVu Sans"/>
+              </a:rPr>
+              <a:t>s</a:t>
+            </a:r>
+            <a:r>
+              <a:rPr b="0" lang="pt-BR" sz="1800" spc="-1" strike="noStrike">
+                <a:solidFill>
+                  <a:srgbClr val="1c1c1c"/>
+                </a:solidFill>
+                <a:latin typeface="Latin Modern Sans"/>
+                <a:ea typeface="DejaVu Sans"/>
+              </a:rPr>
+              <a:t> </a:t>
+            </a:r>
+            <a:r>
+              <a:rPr b="0" lang="pt-BR" sz="1800" spc="-1" strike="noStrike">
+                <a:solidFill>
+                  <a:srgbClr val="1c1c1c"/>
+                </a:solidFill>
+                <a:latin typeface="Latin Modern Sans"/>
+                <a:ea typeface="DejaVu Sans"/>
+              </a:rPr>
+              <a:t>(</a:t>
+            </a:r>
+            <a:r>
+              <a:rPr b="0" lang="pt-BR" sz="1800" spc="-1" strike="noStrike">
+                <a:solidFill>
+                  <a:srgbClr val="1c1c1c"/>
+                </a:solidFill>
+                <a:latin typeface="Latin Modern Sans"/>
+                <a:ea typeface="DejaVu Sans"/>
+              </a:rPr>
+              <a:t>T</a:t>
+            </a:r>
+            <a:r>
+              <a:rPr b="0" lang="pt-BR" sz="1800" spc="-1" strike="noStrike">
+                <a:solidFill>
+                  <a:srgbClr val="1c1c1c"/>
+                </a:solidFill>
+                <a:latin typeface="Latin Modern Sans"/>
+                <a:ea typeface="DejaVu Sans"/>
+              </a:rPr>
+              <a:t>r</a:t>
+            </a:r>
+            <a:r>
+              <a:rPr b="0" lang="pt-BR" sz="1800" spc="-1" strike="noStrike">
+                <a:solidFill>
+                  <a:srgbClr val="1c1c1c"/>
+                </a:solidFill>
+                <a:latin typeface="Latin Modern Sans"/>
+                <a:ea typeface="DejaVu Sans"/>
+              </a:rPr>
+              <a:t>e</a:t>
+            </a:r>
+            <a:r>
+              <a:rPr b="0" lang="pt-BR" sz="1800" spc="-1" strike="noStrike">
+                <a:solidFill>
+                  <a:srgbClr val="1c1c1c"/>
+                </a:solidFill>
+                <a:latin typeface="Latin Modern Sans"/>
+                <a:ea typeface="DejaVu Sans"/>
+              </a:rPr>
+              <a:t>i</a:t>
+            </a:r>
+            <a:r>
+              <a:rPr b="0" lang="pt-BR" sz="1800" spc="-1" strike="noStrike">
+                <a:solidFill>
+                  <a:srgbClr val="1c1c1c"/>
+                </a:solidFill>
+                <a:latin typeface="Latin Modern Sans"/>
+                <a:ea typeface="DejaVu Sans"/>
+              </a:rPr>
+              <a:t>n</a:t>
+            </a:r>
+            <a:r>
+              <a:rPr b="0" lang="pt-BR" sz="1800" spc="-1" strike="noStrike">
+                <a:solidFill>
+                  <a:srgbClr val="1c1c1c"/>
+                </a:solidFill>
+                <a:latin typeface="Latin Modern Sans"/>
+                <a:ea typeface="DejaVu Sans"/>
+              </a:rPr>
+              <a:t>o</a:t>
+            </a:r>
+            <a:r>
+              <a:rPr b="0" lang="pt-BR" sz="1800" spc="-1" strike="noStrike">
+                <a:solidFill>
+                  <a:srgbClr val="1c1c1c"/>
+                </a:solidFill>
+                <a:latin typeface="Latin Modern Sans"/>
+                <a:ea typeface="DejaVu Sans"/>
+              </a:rPr>
+              <a:t>)</a:t>
+            </a:r>
+            <a:endParaRPr b="0" lang="pt-BR" sz="1800" spc="-1" strike="noStrike">
+              <a:latin typeface="Arial"/>
+            </a:endParaRPr>
+          </a:p>
+        </p:txBody>
+      </p:sp>
+      <p:pic>
+        <p:nvPicPr>
+          <p:cNvPr id="357" name="" descr=""/>
+          <p:cNvPicPr/>
+          <p:nvPr/>
+        </p:nvPicPr>
+        <p:blipFill>
+          <a:blip r:embed="rId1"/>
+          <a:stretch/>
+        </p:blipFill>
+        <p:spPr>
+          <a:xfrm>
+            <a:off x="792360" y="2520000"/>
+            <a:ext cx="8567640" cy="3227760"/>
+          </a:xfrm>
+          <a:prstGeom prst="rect">
+            <a:avLst/>
+          </a:prstGeom>
+          <a:ln w="0">
+            <a:noFill/>
+          </a:ln>
+        </p:spPr>
+      </p:pic>
+    </p:spTree>
+  </p:cSld>
+  <mc:AlternateContent>
+    <mc:Choice Requires="p14">
+      <p:transition spd="slow" p14:dur="2000"/>
+    </mc:Choice>
+    <mc:Fallback>
+      <p:transition spd="slow"/>
+    </mc:Fallback>
+  </mc:AlternateContent>
+</p:sld>
+</file>
+
+<file path=ppt/slides/slide15.xml><?xml version="1.0" encoding="utf-8"?>
+<p:sld xmlns:a="http://schemas.openxmlformats.org/drawingml/2006/main" xmlns:p="http://schemas.openxmlformats.org/presentationml/2006/main" xmlns:r="http://schemas.openxmlformats.org/officeDocument/2006/relationships" xmlns:p14="http://schemas.microsoft.com/office/powerpoint/2010/main" xmlns:p15="http://schemas.microsoft.com/office/powerpoint/2012/main" xmlns:mc="http://schemas.openxmlformats.org/markup-compatibility/2006">
+  <p:cSld>
+    <p:spTree>
+      <p:nvGrpSpPr>
+        <p:cNvPr id="1" name=""/>
+        <p:cNvGrpSpPr/>
+        <p:nvPr/>
+      </p:nvGrpSpPr>
+      <p:grpSpPr>
+        <a:xfrm>
+          <a:off x="0" y="0"/>
+          <a:ext cx="0" cy="0"/>
+          <a:chOff x="0" y="0"/>
+          <a:chExt cx="0" cy="0"/>
+        </a:xfrm>
+      </p:grpSpPr>
+      <p:sp>
+        <p:nvSpPr>
+          <p:cNvPr id="358" name="CustomShape 53"/>
+          <p:cNvSpPr/>
+          <p:nvPr/>
+        </p:nvSpPr>
+        <p:spPr>
+          <a:xfrm>
+            <a:off x="360000" y="360000"/>
+            <a:ext cx="9347400" cy="887400"/>
+          </a:xfrm>
+          <a:prstGeom prst="rect">
+            <a:avLst/>
+          </a:prstGeom>
+          <a:noFill/>
+          <a:ln w="0">
+            <a:noFill/>
+          </a:ln>
+        </p:spPr>
+        <p:style>
+          <a:lnRef idx="0"/>
+          <a:fillRef idx="0"/>
+          <a:effectRef idx="0"/>
+          <a:fontRef idx="minor"/>
+        </p:style>
+        <p:txBody>
+          <a:bodyPr lIns="0" rIns="0" tIns="0" bIns="0" anchor="b">
+            <a:noAutofit/>
+          </a:bodyPr>
+          <a:p>
+            <a:pPr>
+              <a:lnSpc>
+                <a:spcPct val="100000"/>
+              </a:lnSpc>
+              <a:buNone/>
+            </a:pPr>
+            <a:r>
+              <a:rPr b="1" lang="pt-BR" sz="2600" spc="-1" strike="noStrike">
+                <a:solidFill>
+                  <a:srgbClr val="ffffff"/>
+                </a:solidFill>
+                <a:latin typeface="Source Sans Pro Black"/>
+                <a:ea typeface="DejaVu Sans"/>
+              </a:rPr>
+              <a:t>Classificador Naive Bayes</a:t>
+            </a:r>
+            <a:endParaRPr b="0" lang="pt-BR" sz="2600" spc="-1" strike="noStrike">
+              <a:latin typeface="Arial"/>
+            </a:endParaRPr>
+          </a:p>
+        </p:txBody>
+      </p:sp>
+      <p:sp>
+        <p:nvSpPr>
+          <p:cNvPr id="359" name="CustomShape 54"/>
+          <p:cNvSpPr/>
+          <p:nvPr/>
+        </p:nvSpPr>
+        <p:spPr>
+          <a:xfrm>
+            <a:off x="897120" y="6886080"/>
+            <a:ext cx="6434640" cy="352440"/>
+          </a:xfrm>
+          <a:prstGeom prst="rect">
+            <a:avLst/>
+          </a:prstGeom>
+          <a:noFill/>
+          <a:ln w="0">
+            <a:noFill/>
+          </a:ln>
+        </p:spPr>
+        <p:style>
+          <a:lnRef idx="0"/>
+          <a:fillRef idx="0"/>
+          <a:effectRef idx="0"/>
+          <a:fontRef idx="minor"/>
+        </p:style>
+        <p:txBody>
+          <a:bodyPr lIns="90000" rIns="90000" tIns="45000" bIns="45000" anchor="t">
+            <a:noAutofit/>
+          </a:bodyPr>
+          <a:p>
+            <a:pPr>
+              <a:lnSpc>
+                <a:spcPct val="100000"/>
+              </a:lnSpc>
+              <a:buNone/>
+            </a:pPr>
+            <a:r>
+              <a:rPr b="0" lang="pt-BR" sz="1800" spc="-1" strike="noStrike">
+                <a:solidFill>
+                  <a:srgbClr val="000000"/>
+                </a:solidFill>
+                <a:latin typeface="Arial"/>
+                <a:ea typeface="DejaVu Sans"/>
+              </a:rPr>
+              <a:t>Aprendizado de Máquina - Prof. André Hochuli</a:t>
+            </a:r>
+            <a:endParaRPr b="0" lang="pt-BR" sz="1800" spc="-1" strike="noStrike">
+              <a:latin typeface="Arial"/>
+            </a:endParaRPr>
+          </a:p>
+        </p:txBody>
+      </p:sp>
+      <p:sp>
+        <p:nvSpPr>
+          <p:cNvPr id="360" name="CustomShape 55"/>
+          <p:cNvSpPr/>
+          <p:nvPr/>
+        </p:nvSpPr>
+        <p:spPr>
+          <a:xfrm>
+            <a:off x="7608600" y="6886080"/>
+            <a:ext cx="2272680" cy="352440"/>
+          </a:xfrm>
+          <a:prstGeom prst="rect">
+            <a:avLst/>
+          </a:prstGeom>
+          <a:noFill/>
+          <a:ln w="0">
+            <a:noFill/>
+          </a:ln>
+        </p:spPr>
+        <p:style>
+          <a:lnRef idx="0"/>
+          <a:fillRef idx="0"/>
+          <a:effectRef idx="0"/>
+          <a:fontRef idx="minor"/>
+        </p:style>
+        <p:txBody>
+          <a:bodyPr lIns="90000" rIns="90000" tIns="45000" bIns="45000" anchor="t">
+            <a:noAutofit/>
+          </a:bodyPr>
+          <a:p>
+            <a:pPr>
+              <a:lnSpc>
+                <a:spcPct val="100000"/>
+              </a:lnSpc>
+              <a:buNone/>
+            </a:pPr>
+            <a:r>
+              <a:rPr b="0" lang="pt-BR" sz="1800" spc="-1" strike="noStrike">
+                <a:solidFill>
+                  <a:srgbClr val="000000"/>
+                </a:solidFill>
+                <a:latin typeface="Arial"/>
+                <a:ea typeface="DejaVu Sans"/>
+              </a:rPr>
+              <a:t>Naive Bayes</a:t>
+            </a:r>
+            <a:endParaRPr b="0" lang="pt-BR" sz="1800" spc="-1" strike="noStrike">
+              <a:latin typeface="Arial"/>
+            </a:endParaRPr>
+          </a:p>
+        </p:txBody>
+      </p:sp>
+      <p:sp>
+        <p:nvSpPr>
+          <p:cNvPr id="361" name=""/>
+          <p:cNvSpPr/>
+          <p:nvPr/>
+        </p:nvSpPr>
+        <p:spPr>
+          <a:xfrm rot="21596400">
+            <a:off x="329040" y="1553040"/>
+            <a:ext cx="9197280" cy="5130720"/>
+          </a:xfrm>
+          <a:prstGeom prst="rect">
+            <a:avLst/>
+          </a:prstGeom>
+          <a:noFill/>
+          <a:ln w="0">
+            <a:noFill/>
+          </a:ln>
+        </p:spPr>
+        <p:style>
+          <a:lnRef idx="0"/>
+          <a:fillRef idx="0"/>
+          <a:effectRef idx="0"/>
+          <a:fontRef idx="minor"/>
+        </p:style>
+        <p:txBody>
+          <a:bodyPr lIns="90000" rIns="90000" tIns="45000" bIns="45000" anchor="t">
+            <a:noAutofit/>
+          </a:bodyPr>
+          <a:p>
+            <a:pPr>
+              <a:lnSpc>
+                <a:spcPct val="100000"/>
+              </a:lnSpc>
+              <a:buNone/>
+            </a:pPr>
+            <a:endParaRPr b="0" lang="pt-BR" sz="2000" spc="-1" strike="noStrike">
+              <a:latin typeface="Arial"/>
+            </a:endParaRPr>
+          </a:p>
+          <a:p>
+            <a:pPr lvl="9" marL="2160000" indent="-216000">
+              <a:lnSpc>
+                <a:spcPct val="100000"/>
+              </a:lnSpc>
+              <a:buClr>
+                <a:srgbClr val="000000"/>
+              </a:buClr>
+              <a:buSzPct val="45000"/>
+              <a:buFont typeface="Wingdings" charset="2"/>
+              <a:buChar char=""/>
+            </a:pPr>
+            <a:r>
+              <a:rPr b="0" lang="pt-BR" sz="1800" spc="-1" strike="noStrike">
+                <a:solidFill>
+                  <a:srgbClr val="1c1c1c"/>
+                </a:solidFill>
+                <a:latin typeface="Latin Modern Sans"/>
+                <a:ea typeface="DejaVu Sans"/>
+              </a:rPr>
+              <a:t>Teste</a:t>
+            </a:r>
+            <a:endParaRPr b="0" lang="pt-BR" sz="1800" spc="-1" strike="noStrike">
+              <a:latin typeface="Arial"/>
+            </a:endParaRPr>
+          </a:p>
+        </p:txBody>
+      </p:sp>
+      <p:pic>
+        <p:nvPicPr>
+          <p:cNvPr id="362" name="" descr=""/>
+          <p:cNvPicPr/>
+          <p:nvPr/>
+        </p:nvPicPr>
+        <p:blipFill>
+          <a:blip r:embed="rId1"/>
+          <a:stretch/>
+        </p:blipFill>
+        <p:spPr>
+          <a:xfrm>
+            <a:off x="3252240" y="1800000"/>
+            <a:ext cx="6287760" cy="452880"/>
+          </a:xfrm>
+          <a:prstGeom prst="rect">
+            <a:avLst/>
+          </a:prstGeom>
+          <a:ln w="0">
+            <a:noFill/>
+          </a:ln>
+        </p:spPr>
+      </p:pic>
+      <p:pic>
+        <p:nvPicPr>
+          <p:cNvPr id="363" name="" descr=""/>
+          <p:cNvPicPr/>
+          <p:nvPr/>
+        </p:nvPicPr>
+        <p:blipFill>
+          <a:blip r:embed="rId2"/>
+          <a:stretch/>
+        </p:blipFill>
+        <p:spPr>
+          <a:xfrm>
+            <a:off x="457920" y="2291040"/>
+            <a:ext cx="3192480" cy="4188960"/>
+          </a:xfrm>
+          <a:prstGeom prst="rect">
+            <a:avLst/>
+          </a:prstGeom>
+          <a:ln w="0">
+            <a:noFill/>
+          </a:ln>
+        </p:spPr>
+      </p:pic>
+      <p:pic>
+        <p:nvPicPr>
+          <p:cNvPr id="364" name="" descr=""/>
+          <p:cNvPicPr/>
+          <p:nvPr/>
+        </p:nvPicPr>
+        <p:blipFill>
+          <a:blip r:embed="rId3"/>
+          <a:stretch/>
+        </p:blipFill>
+        <p:spPr>
+          <a:xfrm>
+            <a:off x="4140000" y="2739960"/>
+            <a:ext cx="5220000" cy="1220040"/>
+          </a:xfrm>
+          <a:prstGeom prst="rect">
+            <a:avLst/>
+          </a:prstGeom>
+          <a:ln w="0">
+            <a:noFill/>
+          </a:ln>
+        </p:spPr>
+      </p:pic>
+      <p:pic>
+        <p:nvPicPr>
+          <p:cNvPr id="365" name="" descr=""/>
+          <p:cNvPicPr/>
+          <p:nvPr/>
+        </p:nvPicPr>
+        <p:blipFill>
+          <a:blip r:embed="rId4"/>
+          <a:stretch/>
+        </p:blipFill>
+        <p:spPr>
+          <a:xfrm>
+            <a:off x="4320000" y="4664160"/>
+            <a:ext cx="5004000" cy="1275840"/>
+          </a:xfrm>
+          <a:prstGeom prst="rect">
+            <a:avLst/>
+          </a:prstGeom>
+          <a:ln w="0">
+            <a:noFill/>
+          </a:ln>
+        </p:spPr>
+      </p:pic>
+    </p:spTree>
+  </p:cSld>
+  <mc:AlternateContent>
+    <mc:Choice Requires="p14">
+      <p:transition spd="slow" p14:dur="2000"/>
+    </mc:Choice>
+    <mc:Fallback>
+      <p:transition spd="slow"/>
+    </mc:Fallback>
+  </mc:AlternateContent>
+</p:sld>
+</file>
+
+<file path=ppt/slides/slide16.xml><?xml version="1.0" encoding="utf-8"?>
+<p:sld xmlns:a="http://schemas.openxmlformats.org/drawingml/2006/main" xmlns:p="http://schemas.openxmlformats.org/presentationml/2006/main" xmlns:r="http://schemas.openxmlformats.org/officeDocument/2006/relationships" xmlns:p14="http://schemas.microsoft.com/office/powerpoint/2010/main" xmlns:p15="http://schemas.microsoft.com/office/powerpoint/2012/main" xmlns:mc="http://schemas.openxmlformats.org/markup-compatibility/2006">
+  <p:cSld>
+    <p:spTree>
+      <p:nvGrpSpPr>
+        <p:cNvPr id="1" name=""/>
+        <p:cNvGrpSpPr/>
+        <p:nvPr/>
+      </p:nvGrpSpPr>
+      <p:grpSpPr>
+        <a:xfrm>
+          <a:off x="0" y="0"/>
+          <a:ext cx="0" cy="0"/>
+          <a:chOff x="0" y="0"/>
+          <a:chExt cx="0" cy="0"/>
+        </a:xfrm>
+      </p:grpSpPr>
+      <p:sp>
+        <p:nvSpPr>
+          <p:cNvPr id="366" name="CustomShape 57"/>
+          <p:cNvSpPr/>
+          <p:nvPr/>
+        </p:nvSpPr>
+        <p:spPr>
+          <a:xfrm>
+            <a:off x="360000" y="360000"/>
+            <a:ext cx="9347400" cy="887400"/>
+          </a:xfrm>
+          <a:prstGeom prst="rect">
+            <a:avLst/>
+          </a:prstGeom>
+          <a:noFill/>
+          <a:ln w="0">
+            <a:noFill/>
+          </a:ln>
+        </p:spPr>
+        <p:style>
+          <a:lnRef idx="0"/>
+          <a:fillRef idx="0"/>
+          <a:effectRef idx="0"/>
+          <a:fontRef idx="minor"/>
+        </p:style>
+        <p:txBody>
+          <a:bodyPr lIns="0" rIns="0" tIns="0" bIns="0" anchor="b">
+            <a:noAutofit/>
+          </a:bodyPr>
+          <a:p>
+            <a:pPr>
+              <a:lnSpc>
+                <a:spcPct val="100000"/>
+              </a:lnSpc>
+              <a:buNone/>
+            </a:pPr>
+            <a:r>
+              <a:rPr b="1" lang="pt-BR" sz="2600" spc="-1" strike="noStrike">
+                <a:solidFill>
+                  <a:srgbClr val="ffffff"/>
+                </a:solidFill>
+                <a:latin typeface="Source Sans Pro Black"/>
+                <a:ea typeface="DejaVu Sans"/>
+              </a:rPr>
+              <a:t>C</a:t>
+            </a:r>
+            <a:r>
+              <a:rPr b="1" lang="pt-BR" sz="2600" spc="-1" strike="noStrike">
+                <a:solidFill>
+                  <a:srgbClr val="ffffff"/>
+                </a:solidFill>
+                <a:latin typeface="Source Sans Pro Black"/>
+                <a:ea typeface="DejaVu Sans"/>
+              </a:rPr>
+              <a:t>l</a:t>
+            </a:r>
+            <a:r>
+              <a:rPr b="1" lang="pt-BR" sz="2600" spc="-1" strike="noStrike">
+                <a:solidFill>
+                  <a:srgbClr val="ffffff"/>
+                </a:solidFill>
+                <a:latin typeface="Source Sans Pro Black"/>
+                <a:ea typeface="DejaVu Sans"/>
+              </a:rPr>
+              <a:t>a</a:t>
+            </a:r>
+            <a:r>
+              <a:rPr b="1" lang="pt-BR" sz="2600" spc="-1" strike="noStrike">
+                <a:solidFill>
+                  <a:srgbClr val="ffffff"/>
+                </a:solidFill>
+                <a:latin typeface="Source Sans Pro Black"/>
+                <a:ea typeface="DejaVu Sans"/>
+              </a:rPr>
+              <a:t>s</a:t>
+            </a:r>
+            <a:r>
+              <a:rPr b="1" lang="pt-BR" sz="2600" spc="-1" strike="noStrike">
+                <a:solidFill>
+                  <a:srgbClr val="ffffff"/>
+                </a:solidFill>
+                <a:latin typeface="Source Sans Pro Black"/>
+                <a:ea typeface="DejaVu Sans"/>
+              </a:rPr>
+              <a:t>s</a:t>
+            </a:r>
+            <a:r>
+              <a:rPr b="1" lang="pt-BR" sz="2600" spc="-1" strike="noStrike">
+                <a:solidFill>
+                  <a:srgbClr val="ffffff"/>
+                </a:solidFill>
+                <a:latin typeface="Source Sans Pro Black"/>
+                <a:ea typeface="DejaVu Sans"/>
+              </a:rPr>
+              <a:t>i</a:t>
+            </a:r>
+            <a:r>
+              <a:rPr b="1" lang="pt-BR" sz="2600" spc="-1" strike="noStrike">
+                <a:solidFill>
+                  <a:srgbClr val="ffffff"/>
+                </a:solidFill>
+                <a:latin typeface="Source Sans Pro Black"/>
+                <a:ea typeface="DejaVu Sans"/>
+              </a:rPr>
+              <a:t>f</a:t>
+            </a:r>
+            <a:r>
+              <a:rPr b="1" lang="pt-BR" sz="2600" spc="-1" strike="noStrike">
+                <a:solidFill>
+                  <a:srgbClr val="ffffff"/>
+                </a:solidFill>
+                <a:latin typeface="Source Sans Pro Black"/>
+                <a:ea typeface="DejaVu Sans"/>
+              </a:rPr>
+              <a:t>i</a:t>
+            </a:r>
+            <a:r>
+              <a:rPr b="1" lang="pt-BR" sz="2600" spc="-1" strike="noStrike">
+                <a:solidFill>
+                  <a:srgbClr val="ffffff"/>
+                </a:solidFill>
+                <a:latin typeface="Source Sans Pro Black"/>
+                <a:ea typeface="DejaVu Sans"/>
+              </a:rPr>
+              <a:t>c</a:t>
+            </a:r>
+            <a:r>
+              <a:rPr b="1" lang="pt-BR" sz="2600" spc="-1" strike="noStrike">
+                <a:solidFill>
+                  <a:srgbClr val="ffffff"/>
+                </a:solidFill>
+                <a:latin typeface="Source Sans Pro Black"/>
+                <a:ea typeface="DejaVu Sans"/>
+              </a:rPr>
+              <a:t>a</a:t>
+            </a:r>
+            <a:r>
+              <a:rPr b="1" lang="pt-BR" sz="2600" spc="-1" strike="noStrike">
+                <a:solidFill>
+                  <a:srgbClr val="ffffff"/>
+                </a:solidFill>
+                <a:latin typeface="Source Sans Pro Black"/>
+                <a:ea typeface="DejaVu Sans"/>
+              </a:rPr>
+              <a:t>d</a:t>
+            </a:r>
+            <a:r>
+              <a:rPr b="1" lang="pt-BR" sz="2600" spc="-1" strike="noStrike">
+                <a:solidFill>
+                  <a:srgbClr val="ffffff"/>
+                </a:solidFill>
+                <a:latin typeface="Source Sans Pro Black"/>
+                <a:ea typeface="DejaVu Sans"/>
+              </a:rPr>
+              <a:t>o</a:t>
+            </a:r>
+            <a:r>
+              <a:rPr b="1" lang="pt-BR" sz="2600" spc="-1" strike="noStrike">
+                <a:solidFill>
+                  <a:srgbClr val="ffffff"/>
+                </a:solidFill>
+                <a:latin typeface="Source Sans Pro Black"/>
+                <a:ea typeface="DejaVu Sans"/>
+              </a:rPr>
+              <a:t>r</a:t>
+            </a:r>
+            <a:r>
+              <a:rPr b="1" lang="pt-BR" sz="2600" spc="-1" strike="noStrike">
+                <a:solidFill>
+                  <a:srgbClr val="ffffff"/>
+                </a:solidFill>
+                <a:latin typeface="Source Sans Pro Black"/>
+                <a:ea typeface="DejaVu Sans"/>
+              </a:rPr>
+              <a:t> </a:t>
+            </a:r>
+            <a:r>
+              <a:rPr b="1" lang="pt-BR" sz="2600" spc="-1" strike="noStrike">
+                <a:solidFill>
+                  <a:srgbClr val="ffffff"/>
+                </a:solidFill>
+                <a:latin typeface="Source Sans Pro Black"/>
+                <a:ea typeface="DejaVu Sans"/>
+              </a:rPr>
+              <a:t>N</a:t>
+            </a:r>
+            <a:r>
+              <a:rPr b="1" lang="pt-BR" sz="2600" spc="-1" strike="noStrike">
+                <a:solidFill>
+                  <a:srgbClr val="ffffff"/>
+                </a:solidFill>
+                <a:latin typeface="Source Sans Pro Black"/>
+                <a:ea typeface="DejaVu Sans"/>
+              </a:rPr>
+              <a:t>a</a:t>
+            </a:r>
+            <a:r>
+              <a:rPr b="1" lang="pt-BR" sz="2600" spc="-1" strike="noStrike">
+                <a:solidFill>
+                  <a:srgbClr val="ffffff"/>
+                </a:solidFill>
+                <a:latin typeface="Source Sans Pro Black"/>
+                <a:ea typeface="DejaVu Sans"/>
+              </a:rPr>
+              <a:t>i</a:t>
+            </a:r>
+            <a:r>
+              <a:rPr b="1" lang="pt-BR" sz="2600" spc="-1" strike="noStrike">
+                <a:solidFill>
+                  <a:srgbClr val="ffffff"/>
+                </a:solidFill>
+                <a:latin typeface="Source Sans Pro Black"/>
+                <a:ea typeface="DejaVu Sans"/>
+              </a:rPr>
+              <a:t>v</a:t>
+            </a:r>
+            <a:r>
+              <a:rPr b="1" lang="pt-BR" sz="2600" spc="-1" strike="noStrike">
+                <a:solidFill>
+                  <a:srgbClr val="ffffff"/>
+                </a:solidFill>
+                <a:latin typeface="Source Sans Pro Black"/>
+                <a:ea typeface="DejaVu Sans"/>
+              </a:rPr>
+              <a:t>e</a:t>
+            </a:r>
+            <a:r>
+              <a:rPr b="1" lang="pt-BR" sz="2600" spc="-1" strike="noStrike">
+                <a:solidFill>
+                  <a:srgbClr val="ffffff"/>
+                </a:solidFill>
+                <a:latin typeface="Source Sans Pro Black"/>
+                <a:ea typeface="DejaVu Sans"/>
+              </a:rPr>
+              <a:t> </a:t>
+            </a:r>
+            <a:r>
+              <a:rPr b="1" lang="pt-BR" sz="2600" spc="-1" strike="noStrike">
+                <a:solidFill>
+                  <a:srgbClr val="ffffff"/>
+                </a:solidFill>
+                <a:latin typeface="Source Sans Pro Black"/>
+                <a:ea typeface="DejaVu Sans"/>
+              </a:rPr>
+              <a:t>B</a:t>
+            </a:r>
+            <a:r>
+              <a:rPr b="1" lang="pt-BR" sz="2600" spc="-1" strike="noStrike">
+                <a:solidFill>
+                  <a:srgbClr val="ffffff"/>
+                </a:solidFill>
+                <a:latin typeface="Source Sans Pro Black"/>
+                <a:ea typeface="DejaVu Sans"/>
+              </a:rPr>
+              <a:t>a</a:t>
+            </a:r>
+            <a:r>
+              <a:rPr b="1" lang="pt-BR" sz="2600" spc="-1" strike="noStrike">
+                <a:solidFill>
+                  <a:srgbClr val="ffffff"/>
+                </a:solidFill>
+                <a:latin typeface="Source Sans Pro Black"/>
+                <a:ea typeface="DejaVu Sans"/>
+              </a:rPr>
+              <a:t>y</a:t>
+            </a:r>
+            <a:r>
+              <a:rPr b="1" lang="pt-BR" sz="2600" spc="-1" strike="noStrike">
+                <a:solidFill>
+                  <a:srgbClr val="ffffff"/>
+                </a:solidFill>
+                <a:latin typeface="Source Sans Pro Black"/>
+                <a:ea typeface="DejaVu Sans"/>
+              </a:rPr>
+              <a:t>e</a:t>
+            </a:r>
+            <a:r>
+              <a:rPr b="1" lang="pt-BR" sz="2600" spc="-1" strike="noStrike">
+                <a:solidFill>
+                  <a:srgbClr val="ffffff"/>
+                </a:solidFill>
+                <a:latin typeface="Source Sans Pro Black"/>
+                <a:ea typeface="DejaVu Sans"/>
+              </a:rPr>
+              <a:t>s</a:t>
+            </a:r>
+            <a:endParaRPr b="0" lang="pt-BR" sz="2600" spc="-1" strike="noStrike">
+              <a:latin typeface="Arial"/>
+            </a:endParaRPr>
+          </a:p>
+        </p:txBody>
+      </p:sp>
+      <p:sp>
+        <p:nvSpPr>
+          <p:cNvPr id="367" name="CustomShape 58"/>
+          <p:cNvSpPr/>
+          <p:nvPr/>
+        </p:nvSpPr>
+        <p:spPr>
+          <a:xfrm>
+            <a:off x="897120" y="6886080"/>
+            <a:ext cx="6434640" cy="352440"/>
+          </a:xfrm>
+          <a:prstGeom prst="rect">
+            <a:avLst/>
+          </a:prstGeom>
+          <a:noFill/>
+          <a:ln w="0">
+            <a:noFill/>
+          </a:ln>
+        </p:spPr>
+        <p:style>
+          <a:lnRef idx="0"/>
+          <a:fillRef idx="0"/>
+          <a:effectRef idx="0"/>
+          <a:fontRef idx="minor"/>
+        </p:style>
+        <p:txBody>
+          <a:bodyPr lIns="90000" rIns="90000" tIns="45000" bIns="45000" anchor="t">
+            <a:noAutofit/>
+          </a:bodyPr>
+          <a:p>
+            <a:pPr>
+              <a:lnSpc>
+                <a:spcPct val="100000"/>
+              </a:lnSpc>
+              <a:buNone/>
+            </a:pPr>
+            <a:r>
+              <a:rPr b="0" lang="pt-BR" sz="1800" spc="-1" strike="noStrike">
+                <a:solidFill>
+                  <a:srgbClr val="000000"/>
+                </a:solidFill>
+                <a:latin typeface="Arial"/>
+                <a:ea typeface="DejaVu Sans"/>
+              </a:rPr>
+              <a:t>Aprendizado </a:t>
+            </a:r>
+            <a:r>
+              <a:rPr b="0" lang="pt-BR" sz="1800" spc="-1" strike="noStrike">
+                <a:solidFill>
+                  <a:srgbClr val="000000"/>
+                </a:solidFill>
+                <a:latin typeface="Arial"/>
+                <a:ea typeface="DejaVu Sans"/>
+              </a:rPr>
+              <a:t>de Máquina </a:t>
+            </a:r>
+            <a:r>
+              <a:rPr b="0" lang="pt-BR" sz="1800" spc="-1" strike="noStrike">
+                <a:solidFill>
+                  <a:srgbClr val="000000"/>
+                </a:solidFill>
+                <a:latin typeface="Arial"/>
+                <a:ea typeface="DejaVu Sans"/>
+              </a:rPr>
+              <a:t>- Prof. André </a:t>
+            </a:r>
+            <a:r>
+              <a:rPr b="0" lang="pt-BR" sz="1800" spc="-1" strike="noStrike">
+                <a:solidFill>
+                  <a:srgbClr val="000000"/>
+                </a:solidFill>
+                <a:latin typeface="Arial"/>
+                <a:ea typeface="DejaVu Sans"/>
+              </a:rPr>
+              <a:t>Hochuli</a:t>
+            </a:r>
+            <a:endParaRPr b="0" lang="pt-BR" sz="1800" spc="-1" strike="noStrike">
+              <a:latin typeface="Arial"/>
+            </a:endParaRPr>
+          </a:p>
+        </p:txBody>
+      </p:sp>
+      <p:sp>
+        <p:nvSpPr>
+          <p:cNvPr id="368" name="CustomShape 59"/>
+          <p:cNvSpPr/>
+          <p:nvPr/>
+        </p:nvSpPr>
+        <p:spPr>
+          <a:xfrm>
+            <a:off x="7608600" y="6886080"/>
+            <a:ext cx="2272680" cy="352440"/>
+          </a:xfrm>
+          <a:prstGeom prst="rect">
+            <a:avLst/>
+          </a:prstGeom>
+          <a:noFill/>
+          <a:ln w="0">
+            <a:noFill/>
+          </a:ln>
+        </p:spPr>
+        <p:style>
+          <a:lnRef idx="0"/>
+          <a:fillRef idx="0"/>
+          <a:effectRef idx="0"/>
+          <a:fontRef idx="minor"/>
+        </p:style>
+        <p:txBody>
+          <a:bodyPr lIns="90000" rIns="90000" tIns="45000" bIns="45000" anchor="t">
+            <a:noAutofit/>
+          </a:bodyPr>
+          <a:p>
+            <a:pPr>
+              <a:lnSpc>
+                <a:spcPct val="100000"/>
+              </a:lnSpc>
+              <a:buNone/>
+            </a:pPr>
+            <a:r>
+              <a:rPr b="0" lang="pt-BR" sz="1800" spc="-1" strike="noStrike">
+                <a:solidFill>
+                  <a:srgbClr val="000000"/>
+                </a:solidFill>
+                <a:latin typeface="Arial"/>
+                <a:ea typeface="DejaVu Sans"/>
+              </a:rPr>
+              <a:t>Naive Bayes</a:t>
+            </a:r>
+            <a:endParaRPr b="0" lang="pt-BR" sz="1800" spc="-1" strike="noStrike">
+              <a:latin typeface="Arial"/>
+            </a:endParaRPr>
+          </a:p>
+        </p:txBody>
+      </p:sp>
+      <p:sp>
+        <p:nvSpPr>
+          <p:cNvPr id="369" name=""/>
+          <p:cNvSpPr/>
+          <p:nvPr/>
+        </p:nvSpPr>
+        <p:spPr>
+          <a:xfrm rot="21596400">
+            <a:off x="329040" y="1553040"/>
+            <a:ext cx="9197280" cy="5130720"/>
+          </a:xfrm>
+          <a:prstGeom prst="rect">
+            <a:avLst/>
+          </a:prstGeom>
+          <a:noFill/>
+          <a:ln w="0">
+            <a:noFill/>
+          </a:ln>
+        </p:spPr>
+        <p:style>
+          <a:lnRef idx="0"/>
+          <a:fillRef idx="0"/>
+          <a:effectRef idx="0"/>
+          <a:fontRef idx="minor"/>
+        </p:style>
+        <p:txBody>
+          <a:bodyPr lIns="90000" rIns="90000" tIns="45000" bIns="45000" anchor="t">
+            <a:noAutofit/>
+          </a:bodyPr>
+          <a:p>
+            <a:pPr>
+              <a:lnSpc>
+                <a:spcPct val="100000"/>
+              </a:lnSpc>
+              <a:buNone/>
+            </a:pPr>
+            <a:endParaRPr b="0" lang="pt-BR" sz="2000" spc="-1" strike="noStrike">
+              <a:latin typeface="Arial"/>
+            </a:endParaRPr>
+          </a:p>
+          <a:p>
+            <a:pPr marL="216000" indent="-216000">
+              <a:lnSpc>
+                <a:spcPct val="100000"/>
+              </a:lnSpc>
+              <a:buClr>
+                <a:srgbClr val="000000"/>
+              </a:buClr>
+              <a:buSzPct val="45000"/>
+              <a:buFont typeface="Wingdings" charset="2"/>
+              <a:buChar char=""/>
+            </a:pPr>
+            <a:r>
+              <a:rPr b="0" lang="pt-BR" sz="1800" spc="-1" strike="noStrike">
+                <a:solidFill>
+                  <a:srgbClr val="1c1c1c"/>
+                </a:solidFill>
+                <a:latin typeface="Latin Modern Sans"/>
+                <a:ea typeface="DejaVu Sans"/>
+              </a:rPr>
+              <a:t>Input (Test)</a:t>
+            </a:r>
+            <a:endParaRPr b="0" lang="pt-BR" sz="1800" spc="-1" strike="noStrike">
+              <a:latin typeface="Arial"/>
+            </a:endParaRPr>
+          </a:p>
+        </p:txBody>
+      </p:sp>
+      <p:pic>
+        <p:nvPicPr>
+          <p:cNvPr id="370" name="" descr=""/>
+          <p:cNvPicPr/>
+          <p:nvPr/>
+        </p:nvPicPr>
+        <p:blipFill>
+          <a:blip r:embed="rId1"/>
+          <a:stretch/>
+        </p:blipFill>
+        <p:spPr>
+          <a:xfrm>
+            <a:off x="3960000" y="1931760"/>
+            <a:ext cx="5671800" cy="408240"/>
+          </a:xfrm>
+          <a:prstGeom prst="rect">
+            <a:avLst/>
+          </a:prstGeom>
+          <a:ln w="0">
+            <a:noFill/>
+          </a:ln>
+        </p:spPr>
+      </p:pic>
+      <p:pic>
+        <p:nvPicPr>
+          <p:cNvPr id="371" name="" descr=""/>
+          <p:cNvPicPr/>
+          <p:nvPr/>
+        </p:nvPicPr>
+        <p:blipFill>
+          <a:blip r:embed="rId2"/>
+          <a:stretch/>
+        </p:blipFill>
+        <p:spPr>
+          <a:xfrm>
+            <a:off x="1440000" y="3420000"/>
+            <a:ext cx="2418480" cy="866160"/>
+          </a:xfrm>
+          <a:prstGeom prst="rect">
+            <a:avLst/>
+          </a:prstGeom>
+          <a:ln w="0">
+            <a:noFill/>
+          </a:ln>
+        </p:spPr>
+      </p:pic>
+      <p:sp>
+        <p:nvSpPr>
+          <p:cNvPr id="372" name=""/>
+          <p:cNvSpPr/>
+          <p:nvPr/>
+        </p:nvSpPr>
+        <p:spPr>
+          <a:xfrm>
+            <a:off x="3960000" y="3780000"/>
+            <a:ext cx="720000" cy="180000"/>
+          </a:xfrm>
+          <a:custGeom>
+            <a:avLst/>
+            <a:gdLst/>
+            <a:ahLst/>
+            <a:rect l="l" t="t" r="r" b="b"/>
+            <a:pathLst>
+              <a:path w="21600" h="21600">
+                <a:moveTo>
+                  <a:pt x="0" y="5400"/>
+                </a:moveTo>
+                <a:lnTo>
+                  <a:pt x="16200" y="5400"/>
+                </a:lnTo>
+                <a:lnTo>
+                  <a:pt x="16200" y="0"/>
+                </a:lnTo>
+                <a:lnTo>
+                  <a:pt x="21600" y="10800"/>
+                </a:lnTo>
+                <a:lnTo>
+                  <a:pt x="16200" y="21600"/>
+                </a:lnTo>
+                <a:lnTo>
+                  <a:pt x="16200" y="16200"/>
+                </a:lnTo>
+                <a:lnTo>
+                  <a:pt x="0" y="16200"/>
+                </a:lnTo>
+                <a:close/>
+              </a:path>
+            </a:pathLst>
+          </a:custGeom>
+          <a:solidFill>
+            <a:srgbClr val="729fcf"/>
+          </a:solidFill>
+          <a:ln w="0">
+            <a:solidFill>
+              <a:srgbClr val="3465a4"/>
+            </a:solidFill>
+          </a:ln>
+        </p:spPr>
+        <p:style>
+          <a:lnRef idx="0"/>
+          <a:fillRef idx="0"/>
+          <a:effectRef idx="0"/>
+          <a:fontRef idx="minor"/>
+        </p:style>
+      </p:sp>
+      <p:pic>
+        <p:nvPicPr>
+          <p:cNvPr id="373" name="" descr=""/>
+          <p:cNvPicPr/>
+          <p:nvPr/>
+        </p:nvPicPr>
+        <p:blipFill>
+          <a:blip r:embed="rId3"/>
+          <a:stretch/>
+        </p:blipFill>
+        <p:spPr>
+          <a:xfrm>
+            <a:off x="5040000" y="3516120"/>
+            <a:ext cx="866160" cy="227880"/>
+          </a:xfrm>
+          <a:prstGeom prst="rect">
+            <a:avLst/>
+          </a:prstGeom>
+          <a:ln w="0">
+            <a:noFill/>
+          </a:ln>
+        </p:spPr>
+      </p:pic>
+      <p:pic>
+        <p:nvPicPr>
+          <p:cNvPr id="374" name="" descr=""/>
+          <p:cNvPicPr/>
+          <p:nvPr/>
+        </p:nvPicPr>
+        <p:blipFill>
+          <a:blip r:embed="rId4"/>
+          <a:stretch/>
+        </p:blipFill>
+        <p:spPr>
+          <a:xfrm>
+            <a:off x="5040000" y="3960000"/>
+            <a:ext cx="828000" cy="246960"/>
+          </a:xfrm>
+          <a:prstGeom prst="rect">
+            <a:avLst/>
+          </a:prstGeom>
+          <a:ln w="0">
+            <a:noFill/>
+          </a:ln>
+        </p:spPr>
+      </p:pic>
+      <p:sp>
+        <p:nvSpPr>
+          <p:cNvPr id="375" name=""/>
+          <p:cNvSpPr/>
+          <p:nvPr/>
+        </p:nvSpPr>
+        <p:spPr>
+          <a:xfrm>
+            <a:off x="5004000" y="3456000"/>
+            <a:ext cx="900000" cy="360000"/>
+          </a:xfrm>
+          <a:prstGeom prst="rect">
+            <a:avLst/>
+          </a:prstGeom>
+          <a:noFill/>
+          <a:ln w="0">
+            <a:solidFill>
+              <a:srgbClr val="3465a4"/>
+            </a:solidFill>
+          </a:ln>
+        </p:spPr>
+        <p:style>
+          <a:lnRef idx="0"/>
+          <a:fillRef idx="0"/>
+          <a:effectRef idx="0"/>
+          <a:fontRef idx="minor"/>
+        </p:style>
+      </p:sp>
+      <p:sp>
+        <p:nvSpPr>
+          <p:cNvPr id="376" name=""/>
+          <p:cNvSpPr txBox="1"/>
+          <p:nvPr/>
+        </p:nvSpPr>
+        <p:spPr>
+          <a:xfrm>
+            <a:off x="6031800" y="3459960"/>
+            <a:ext cx="772200" cy="356040"/>
+          </a:xfrm>
+          <a:prstGeom prst="rect">
+            <a:avLst/>
+          </a:prstGeom>
+          <a:noFill/>
+          <a:ln w="0">
+            <a:noFill/>
+          </a:ln>
+        </p:spPr>
+        <p:txBody>
+          <a:bodyPr lIns="90000" rIns="90000" tIns="45000" bIns="45000" anchor="t">
+            <a:noAutofit/>
+          </a:bodyPr>
+          <a:p>
+            <a:r>
+              <a:rPr b="0" lang="pt-BR" sz="1800" spc="-1" strike="noStrike">
+                <a:solidFill>
+                  <a:srgbClr val="1c1c1c"/>
+                </a:solidFill>
+                <a:latin typeface="Latin Modern Sans"/>
+                <a:ea typeface="DejaVu Sans"/>
+              </a:rPr>
+              <a:t>YES</a:t>
+            </a:r>
+            <a:endParaRPr b="0" lang="pt-BR" sz="1800" spc="-1" strike="noStrike">
+              <a:latin typeface="Arial"/>
+            </a:endParaRPr>
+          </a:p>
+        </p:txBody>
+      </p:sp>
+    </p:spTree>
+  </p:cSld>
+  <mc:AlternateContent>
+    <mc:Choice Requires="p14">
+      <p:transition spd="slow" p14:dur="2000"/>
+    </mc:Choice>
+    <mc:Fallback>
+      <p:transition spd="slow"/>
+    </mc:Fallback>
+  </mc:AlternateContent>
+</p:sld>
+</file>
+
+<file path=ppt/slides/slide17.xml><?xml version="1.0" encoding="utf-8"?>
+<p:sld xmlns:a="http://schemas.openxmlformats.org/drawingml/2006/main" xmlns:p="http://schemas.openxmlformats.org/presentationml/2006/main" xmlns:r="http://schemas.openxmlformats.org/officeDocument/2006/relationships" xmlns:p14="http://schemas.microsoft.com/office/powerpoint/2010/main" xmlns:p15="http://schemas.microsoft.com/office/powerpoint/2012/main" xmlns:mc="http://schemas.openxmlformats.org/markup-compatibility/2006">
+  <p:cSld>
+    <p:spTree>
+      <p:nvGrpSpPr>
+        <p:cNvPr id="1" name=""/>
+        <p:cNvGrpSpPr/>
+        <p:nvPr/>
+      </p:nvGrpSpPr>
+      <p:grpSpPr>
+        <a:xfrm>
+          <a:off x="0" y="0"/>
+          <a:ext cx="0" cy="0"/>
+          <a:chOff x="0" y="0"/>
+          <a:chExt cx="0" cy="0"/>
+        </a:xfrm>
+      </p:grpSpPr>
+      <p:sp>
+        <p:nvSpPr>
+          <p:cNvPr id="377" name="CustomShape 61"/>
+          <p:cNvSpPr/>
+          <p:nvPr/>
+        </p:nvSpPr>
+        <p:spPr>
+          <a:xfrm>
+            <a:off x="360000" y="360000"/>
+            <a:ext cx="9347400" cy="887400"/>
+          </a:xfrm>
+          <a:prstGeom prst="rect">
+            <a:avLst/>
+          </a:prstGeom>
+          <a:noFill/>
+          <a:ln w="0">
+            <a:noFill/>
+          </a:ln>
+        </p:spPr>
+        <p:style>
+          <a:lnRef idx="0"/>
+          <a:fillRef idx="0"/>
+          <a:effectRef idx="0"/>
+          <a:fontRef idx="minor"/>
+        </p:style>
+        <p:txBody>
+          <a:bodyPr lIns="0" rIns="0" tIns="0" bIns="0" anchor="b">
+            <a:noAutofit/>
+          </a:bodyPr>
+          <a:p>
+            <a:pPr>
+              <a:lnSpc>
+                <a:spcPct val="100000"/>
+              </a:lnSpc>
+              <a:buNone/>
+            </a:pPr>
+            <a:r>
+              <a:rPr b="1" lang="pt-BR" sz="2600" spc="-1" strike="noStrike">
+                <a:solidFill>
+                  <a:srgbClr val="ffffff"/>
+                </a:solidFill>
+                <a:latin typeface="Source Sans Pro Black"/>
+                <a:ea typeface="DejaVu Sans"/>
+              </a:rPr>
+              <a:t>Considerações Finais</a:t>
+            </a:r>
+            <a:endParaRPr b="0" lang="pt-BR" sz="2600" spc="-1" strike="noStrike">
+              <a:latin typeface="Arial"/>
+            </a:endParaRPr>
+          </a:p>
+        </p:txBody>
+      </p:sp>
+      <p:sp>
+        <p:nvSpPr>
+          <p:cNvPr id="378" name="CustomShape 62"/>
+          <p:cNvSpPr/>
+          <p:nvPr/>
+        </p:nvSpPr>
+        <p:spPr>
+          <a:xfrm>
+            <a:off x="897120" y="6886080"/>
+            <a:ext cx="6434640" cy="352440"/>
+          </a:xfrm>
+          <a:prstGeom prst="rect">
+            <a:avLst/>
+          </a:prstGeom>
+          <a:noFill/>
+          <a:ln w="0">
+            <a:noFill/>
+          </a:ln>
+        </p:spPr>
+        <p:style>
+          <a:lnRef idx="0"/>
+          <a:fillRef idx="0"/>
+          <a:effectRef idx="0"/>
+          <a:fontRef idx="minor"/>
+        </p:style>
+        <p:txBody>
+          <a:bodyPr lIns="90000" rIns="90000" tIns="45000" bIns="45000" anchor="t">
+            <a:noAutofit/>
+          </a:bodyPr>
+          <a:p>
+            <a:pPr>
+              <a:lnSpc>
+                <a:spcPct val="100000"/>
+              </a:lnSpc>
+              <a:buNone/>
+            </a:pPr>
+            <a:r>
+              <a:rPr b="0" lang="pt-BR" sz="1800" spc="-1" strike="noStrike">
+                <a:solidFill>
+                  <a:srgbClr val="000000"/>
+                </a:solidFill>
+                <a:latin typeface="Arial"/>
+                <a:ea typeface="DejaVu Sans"/>
+              </a:rPr>
+              <a:t>Aprendizado de Máquina - Prof. André Hochuli</a:t>
+            </a:r>
+            <a:endParaRPr b="0" lang="pt-BR" sz="1800" spc="-1" strike="noStrike">
+              <a:latin typeface="Arial"/>
+            </a:endParaRPr>
+          </a:p>
+        </p:txBody>
+      </p:sp>
+      <p:sp>
+        <p:nvSpPr>
+          <p:cNvPr id="379" name="CustomShape 63"/>
+          <p:cNvSpPr/>
+          <p:nvPr/>
+        </p:nvSpPr>
+        <p:spPr>
+          <a:xfrm>
+            <a:off x="7608600" y="6886080"/>
+            <a:ext cx="2272680" cy="352440"/>
+          </a:xfrm>
+          <a:prstGeom prst="rect">
+            <a:avLst/>
+          </a:prstGeom>
+          <a:noFill/>
+          <a:ln w="0">
+            <a:noFill/>
+          </a:ln>
+        </p:spPr>
+        <p:style>
+          <a:lnRef idx="0"/>
+          <a:fillRef idx="0"/>
+          <a:effectRef idx="0"/>
+          <a:fontRef idx="minor"/>
+        </p:style>
+        <p:txBody>
+          <a:bodyPr lIns="90000" rIns="90000" tIns="45000" bIns="45000" anchor="t">
+            <a:noAutofit/>
+          </a:bodyPr>
+          <a:p>
+            <a:pPr>
+              <a:lnSpc>
+                <a:spcPct val="100000"/>
+              </a:lnSpc>
+              <a:buNone/>
+            </a:pPr>
+            <a:r>
+              <a:rPr b="0" lang="pt-BR" sz="1800" spc="-1" strike="noStrike">
+                <a:solidFill>
+                  <a:srgbClr val="000000"/>
+                </a:solidFill>
+                <a:latin typeface="Arial"/>
+                <a:ea typeface="DejaVu Sans"/>
+              </a:rPr>
+              <a:t>Naive Bayes</a:t>
+            </a:r>
+            <a:endParaRPr b="0" lang="pt-BR" sz="1800" spc="-1" strike="noStrike">
+              <a:latin typeface="Arial"/>
+            </a:endParaRPr>
+          </a:p>
+        </p:txBody>
+      </p:sp>
+      <p:sp>
+        <p:nvSpPr>
+          <p:cNvPr id="380" name=""/>
+          <p:cNvSpPr/>
+          <p:nvPr/>
+        </p:nvSpPr>
+        <p:spPr>
+          <a:xfrm rot="21596400">
+            <a:off x="329040" y="1553040"/>
+            <a:ext cx="9197280" cy="5130720"/>
+          </a:xfrm>
+          <a:prstGeom prst="rect">
+            <a:avLst/>
+          </a:prstGeom>
+          <a:noFill/>
+          <a:ln w="0">
+            <a:noFill/>
+          </a:ln>
+        </p:spPr>
+        <p:style>
+          <a:lnRef idx="0"/>
+          <a:fillRef idx="0"/>
+          <a:effectRef idx="0"/>
+          <a:fontRef idx="minor"/>
+        </p:style>
+        <p:txBody>
+          <a:bodyPr lIns="90000" rIns="90000" tIns="45000" bIns="45000" anchor="t">
+            <a:noAutofit/>
+          </a:bodyPr>
+          <a:p>
+            <a:pPr>
+              <a:lnSpc>
+                <a:spcPct val="100000"/>
+              </a:lnSpc>
+              <a:buNone/>
+            </a:pPr>
+            <a:endParaRPr b="0" lang="pt-BR" sz="2000" spc="-1" strike="noStrike">
+              <a:latin typeface="Arial"/>
+            </a:endParaRPr>
+          </a:p>
+          <a:p>
+            <a:pPr marL="216000" indent="-216000">
+              <a:lnSpc>
+                <a:spcPct val="100000"/>
+              </a:lnSpc>
+              <a:buClr>
+                <a:srgbClr val="000000"/>
+              </a:buClr>
+              <a:buSzPct val="45000"/>
+              <a:buFont typeface="Wingdings" charset="2"/>
+              <a:buChar char=""/>
+            </a:pPr>
+            <a:r>
+              <a:rPr b="0" lang="pt-BR" sz="1800" spc="-1" strike="noStrike">
+                <a:solidFill>
+                  <a:srgbClr val="1c1c1c"/>
+                </a:solidFill>
+                <a:latin typeface="Latin Modern Sans"/>
+                <a:ea typeface="DejaVu Sans"/>
+              </a:rPr>
+              <a:t>Vantagens</a:t>
+            </a:r>
+            <a:endParaRPr b="0" lang="pt-BR" sz="1800" spc="-1" strike="noStrike">
+              <a:latin typeface="Arial"/>
+            </a:endParaRPr>
+          </a:p>
+          <a:p>
+            <a:pPr lvl="1" marL="432000" indent="-216000">
+              <a:lnSpc>
+                <a:spcPct val="100000"/>
+              </a:lnSpc>
+              <a:buClr>
+                <a:srgbClr val="000000"/>
+              </a:buClr>
+              <a:buSzPct val="45000"/>
+              <a:buFont typeface="Wingdings" charset="2"/>
+              <a:buChar char=""/>
+            </a:pPr>
+            <a:r>
+              <a:rPr b="0" lang="pt-BR" sz="1800" spc="-1" strike="noStrike">
+                <a:solidFill>
+                  <a:srgbClr val="1c1c1c"/>
+                </a:solidFill>
+                <a:latin typeface="Latin Modern Sans"/>
+                <a:ea typeface="DejaVu Sans"/>
+              </a:rPr>
+              <a:t>Implementação simples</a:t>
+            </a:r>
+            <a:endParaRPr b="0" lang="pt-BR" sz="1800" spc="-1" strike="noStrike">
+              <a:latin typeface="Arial"/>
+            </a:endParaRPr>
+          </a:p>
+          <a:p>
+            <a:pPr lvl="1" marL="432000" indent="-216000">
+              <a:lnSpc>
+                <a:spcPct val="100000"/>
+              </a:lnSpc>
+              <a:buClr>
+                <a:srgbClr val="000000"/>
+              </a:buClr>
+              <a:buSzPct val="45000"/>
+              <a:buFont typeface="Wingdings" charset="2"/>
+              <a:buChar char=""/>
+            </a:pPr>
+            <a:r>
+              <a:rPr b="0" lang="pt-BR" sz="1800" spc="-1" strike="noStrike">
+                <a:solidFill>
+                  <a:srgbClr val="1c1c1c"/>
+                </a:solidFill>
+                <a:latin typeface="Latin Modern Sans"/>
+                <a:ea typeface="DejaVu Sans"/>
+              </a:rPr>
+              <a:t>Se ajusta bem com datasets pequenos</a:t>
+            </a:r>
+            <a:endParaRPr b="0" lang="pt-BR" sz="1800" spc="-1" strike="noStrike">
+              <a:latin typeface="Arial"/>
+            </a:endParaRPr>
+          </a:p>
+          <a:p>
+            <a:pPr lvl="1" marL="432000" indent="-216000">
+              <a:lnSpc>
+                <a:spcPct val="100000"/>
+              </a:lnSpc>
+              <a:buClr>
+                <a:srgbClr val="000000"/>
+              </a:buClr>
+              <a:buSzPct val="45000"/>
+              <a:buFont typeface="Wingdings" charset="2"/>
+              <a:buChar char=""/>
+            </a:pPr>
+            <a:r>
+              <a:rPr b="0" lang="pt-BR" sz="1800" spc="-1" strike="noStrike">
+                <a:solidFill>
+                  <a:srgbClr val="1c1c1c"/>
+                </a:solidFill>
+                <a:latin typeface="Latin Modern Sans"/>
+                <a:ea typeface="DejaVu Sans"/>
+              </a:rPr>
+              <a:t>Deve haver independência das características</a:t>
+            </a:r>
+            <a:endParaRPr b="0" lang="pt-BR" sz="1800" spc="-1" strike="noStrike">
+              <a:latin typeface="Arial"/>
+            </a:endParaRPr>
+          </a:p>
+          <a:p>
+            <a:pPr lvl="1" marL="432000" indent="-216000">
+              <a:lnSpc>
+                <a:spcPct val="100000"/>
+              </a:lnSpc>
+              <a:buClr>
+                <a:srgbClr val="000000"/>
+              </a:buClr>
+              <a:buSzPct val="45000"/>
+              <a:buFont typeface="Wingdings" charset="2"/>
+              <a:buChar char=""/>
+            </a:pPr>
+            <a:endParaRPr b="0" lang="pt-BR" sz="1800" spc="-1" strike="noStrike">
+              <a:latin typeface="Arial"/>
+            </a:endParaRPr>
+          </a:p>
+          <a:p>
+            <a:pPr marL="216000" indent="-216000">
+              <a:lnSpc>
+                <a:spcPct val="100000"/>
+              </a:lnSpc>
+              <a:buClr>
+                <a:srgbClr val="000000"/>
+              </a:buClr>
+              <a:buSzPct val="45000"/>
+              <a:buFont typeface="Wingdings" charset="2"/>
+              <a:buChar char=""/>
+            </a:pPr>
+            <a:r>
+              <a:rPr b="0" lang="pt-BR" sz="1800" spc="-1" strike="noStrike">
+                <a:solidFill>
+                  <a:srgbClr val="1c1c1c"/>
+                </a:solidFill>
+                <a:latin typeface="Latin Modern Sans"/>
+                <a:ea typeface="DejaVu Sans"/>
+              </a:rPr>
+              <a:t>Desvantagens:</a:t>
+            </a:r>
+            <a:endParaRPr b="0" lang="pt-BR" sz="1800" spc="-1" strike="noStrike">
+              <a:latin typeface="Arial"/>
+            </a:endParaRPr>
+          </a:p>
+          <a:p>
+            <a:pPr lvl="1" marL="432000" indent="-216000">
+              <a:lnSpc>
+                <a:spcPct val="100000"/>
+              </a:lnSpc>
+              <a:buClr>
+                <a:srgbClr val="000000"/>
+              </a:buClr>
+              <a:buSzPct val="45000"/>
+              <a:buFont typeface="Wingdings" charset="2"/>
+              <a:buChar char=""/>
+            </a:pPr>
+            <a:r>
+              <a:rPr b="0" lang="pt-BR" sz="1800" spc="-1" strike="noStrike">
+                <a:solidFill>
+                  <a:srgbClr val="1c1c1c"/>
+                </a:solidFill>
+                <a:latin typeface="Latin Modern Sans"/>
+                <a:ea typeface="DejaVu Sans"/>
+              </a:rPr>
+              <a:t>Bases complexas normalmente apresentam dados dependentes</a:t>
+            </a:r>
+            <a:endParaRPr b="0" lang="pt-BR" sz="1800" spc="-1" strike="noStrike">
+              <a:latin typeface="Arial"/>
+            </a:endParaRPr>
+          </a:p>
+          <a:p>
+            <a:pPr lvl="1" marL="432000" indent="-216000">
+              <a:lnSpc>
+                <a:spcPct val="100000"/>
+              </a:lnSpc>
+              <a:buClr>
+                <a:srgbClr val="000000"/>
+              </a:buClr>
+              <a:buSzPct val="45000"/>
+              <a:buFont typeface="Wingdings" charset="2"/>
+              <a:buChar char=""/>
+            </a:pPr>
+            <a:r>
+              <a:rPr b="0" lang="pt-BR" sz="1800" spc="-1" strike="noStrike">
+                <a:solidFill>
+                  <a:srgbClr val="1c1c1c"/>
+                </a:solidFill>
+                <a:latin typeface="Latin Modern Sans"/>
+                <a:ea typeface="DejaVu Sans"/>
+              </a:rPr>
+              <a:t>Se um atributo novo ocorrer no test, a probabilidade será zerada visto que não estava presente no treino</a:t>
+            </a:r>
+            <a:endParaRPr b="0" lang="pt-BR" sz="1800" spc="-1" strike="noStrike">
+              <a:latin typeface="Arial"/>
+            </a:endParaRPr>
+          </a:p>
+        </p:txBody>
+      </p:sp>
+    </p:spTree>
+  </p:cSld>
+  <mc:AlternateContent>
+    <mc:Choice Requires="p14">
+      <p:transition spd="slow" p14:dur="2000"/>
+    </mc:Choice>
+    <mc:Fallback>
+      <p:transition spd="slow"/>
+    </mc:Fallback>
+  </mc:AlternateContent>
+</p:sld>
+</file>
+
+<file path=ppt/slides/slide18.xml><?xml version="1.0" encoding="utf-8"?>
+<p:sld xmlns:a="http://schemas.openxmlformats.org/drawingml/2006/main" xmlns:p="http://schemas.openxmlformats.org/presentationml/2006/main" xmlns:r="http://schemas.openxmlformats.org/officeDocument/2006/relationships" xmlns:p14="http://schemas.microsoft.com/office/powerpoint/2010/main" xmlns:p15="http://schemas.microsoft.com/office/powerpoint/2012/main" xmlns:mc="http://schemas.openxmlformats.org/markup-compatibility/2006">
+  <p:cSld>
+    <p:spTree>
+      <p:nvGrpSpPr>
+        <p:cNvPr id="1" name=""/>
+        <p:cNvGrpSpPr/>
+        <p:nvPr/>
+      </p:nvGrpSpPr>
+      <p:grpSpPr>
+        <a:xfrm>
+          <a:off x="0" y="0"/>
+          <a:ext cx="0" cy="0"/>
+          <a:chOff x="0" y="0"/>
+          <a:chExt cx="0" cy="0"/>
+        </a:xfrm>
+      </p:grpSpPr>
+      <p:sp>
+        <p:nvSpPr>
+          <p:cNvPr id="381" name="CustomShape 65"/>
+          <p:cNvSpPr/>
+          <p:nvPr/>
+        </p:nvSpPr>
+        <p:spPr>
+          <a:xfrm>
+            <a:off x="360000" y="360000"/>
+            <a:ext cx="9347400" cy="887400"/>
+          </a:xfrm>
+          <a:prstGeom prst="rect">
+            <a:avLst/>
+          </a:prstGeom>
+          <a:noFill/>
+          <a:ln w="0">
+            <a:noFill/>
+          </a:ln>
+        </p:spPr>
+        <p:style>
+          <a:lnRef idx="0"/>
+          <a:fillRef idx="0"/>
+          <a:effectRef idx="0"/>
+          <a:fontRef idx="minor"/>
+        </p:style>
+        <p:txBody>
+          <a:bodyPr lIns="0" rIns="0" tIns="0" bIns="0" anchor="b">
+            <a:noAutofit/>
+          </a:bodyPr>
+          <a:p>
+            <a:pPr>
+              <a:lnSpc>
+                <a:spcPct val="100000"/>
+              </a:lnSpc>
+              <a:buNone/>
+            </a:pPr>
+            <a:r>
+              <a:rPr b="1" lang="pt-BR" sz="2600" spc="-1" strike="noStrike">
+                <a:solidFill>
+                  <a:srgbClr val="ffffff"/>
+                </a:solidFill>
+                <a:latin typeface="Source Sans Pro Black"/>
+                <a:ea typeface="DejaVu Sans"/>
+              </a:rPr>
+              <a:t>Let’s code!</a:t>
+            </a:r>
+            <a:endParaRPr b="0" lang="pt-BR" sz="2600" spc="-1" strike="noStrike">
+              <a:latin typeface="Arial"/>
+            </a:endParaRPr>
+          </a:p>
+        </p:txBody>
+      </p:sp>
+      <p:sp>
+        <p:nvSpPr>
+          <p:cNvPr id="382" name="CustomShape 66"/>
+          <p:cNvSpPr/>
+          <p:nvPr/>
+        </p:nvSpPr>
+        <p:spPr>
+          <a:xfrm>
+            <a:off x="897120" y="6886080"/>
+            <a:ext cx="6434640" cy="352440"/>
+          </a:xfrm>
+          <a:prstGeom prst="rect">
+            <a:avLst/>
+          </a:prstGeom>
+          <a:noFill/>
+          <a:ln w="0">
+            <a:noFill/>
+          </a:ln>
+        </p:spPr>
+        <p:style>
+          <a:lnRef idx="0"/>
+          <a:fillRef idx="0"/>
+          <a:effectRef idx="0"/>
+          <a:fontRef idx="minor"/>
+        </p:style>
+        <p:txBody>
+          <a:bodyPr lIns="90000" rIns="90000" tIns="45000" bIns="45000" anchor="t">
+            <a:noAutofit/>
+          </a:bodyPr>
+          <a:p>
+            <a:pPr>
+              <a:lnSpc>
+                <a:spcPct val="100000"/>
+              </a:lnSpc>
+              <a:buNone/>
+            </a:pPr>
+            <a:r>
+              <a:rPr b="0" lang="pt-BR" sz="1800" spc="-1" strike="noStrike">
+                <a:solidFill>
+                  <a:srgbClr val="000000"/>
+                </a:solidFill>
+                <a:latin typeface="Arial"/>
+                <a:ea typeface="DejaVu Sans"/>
+              </a:rPr>
+              <a:t>Aprendizado de Máquina - Prof. André Hochuli</a:t>
+            </a:r>
+            <a:endParaRPr b="0" lang="pt-BR" sz="1800" spc="-1" strike="noStrike">
+              <a:latin typeface="Arial"/>
+            </a:endParaRPr>
+          </a:p>
+        </p:txBody>
+      </p:sp>
+      <p:sp>
+        <p:nvSpPr>
+          <p:cNvPr id="383" name="CustomShape 67"/>
+          <p:cNvSpPr/>
+          <p:nvPr/>
+        </p:nvSpPr>
+        <p:spPr>
+          <a:xfrm>
+            <a:off x="7608600" y="6886080"/>
+            <a:ext cx="2272680" cy="352440"/>
+          </a:xfrm>
+          <a:prstGeom prst="rect">
+            <a:avLst/>
+          </a:prstGeom>
+          <a:noFill/>
+          <a:ln w="0">
+            <a:noFill/>
+          </a:ln>
+        </p:spPr>
+        <p:style>
+          <a:lnRef idx="0"/>
+          <a:fillRef idx="0"/>
+          <a:effectRef idx="0"/>
+          <a:fontRef idx="minor"/>
+        </p:style>
+        <p:txBody>
+          <a:bodyPr lIns="90000" rIns="90000" tIns="45000" bIns="45000" anchor="t">
+            <a:noAutofit/>
+          </a:bodyPr>
+          <a:p>
+            <a:pPr>
+              <a:lnSpc>
+                <a:spcPct val="100000"/>
+              </a:lnSpc>
+              <a:buNone/>
+            </a:pPr>
+            <a:r>
+              <a:rPr b="0" lang="pt-BR" sz="1800" spc="-1" strike="noStrike">
+                <a:solidFill>
+                  <a:srgbClr val="000000"/>
+                </a:solidFill>
+                <a:latin typeface="Arial"/>
+                <a:ea typeface="DejaVu Sans"/>
+              </a:rPr>
+              <a:t>Naive Bayes</a:t>
+            </a:r>
+            <a:endParaRPr b="0" lang="pt-BR" sz="1800" spc="-1" strike="noStrike">
+              <a:latin typeface="Arial"/>
+            </a:endParaRPr>
+          </a:p>
+        </p:txBody>
+      </p:sp>
+      <p:sp>
+        <p:nvSpPr>
+          <p:cNvPr id="384" name=""/>
+          <p:cNvSpPr/>
+          <p:nvPr/>
+        </p:nvSpPr>
+        <p:spPr>
+          <a:xfrm rot="21596400">
+            <a:off x="329040" y="1553040"/>
+            <a:ext cx="9197280" cy="5130720"/>
+          </a:xfrm>
+          <a:prstGeom prst="rect">
+            <a:avLst/>
+          </a:prstGeom>
+          <a:noFill/>
+          <a:ln w="0">
+            <a:noFill/>
+          </a:ln>
+        </p:spPr>
+        <p:style>
+          <a:lnRef idx="0"/>
+          <a:fillRef idx="0"/>
+          <a:effectRef idx="0"/>
+          <a:fontRef idx="minor"/>
+        </p:style>
+        <p:txBody>
+          <a:bodyPr lIns="90000" rIns="90000" tIns="45000" bIns="45000" anchor="t">
+            <a:noAutofit/>
+          </a:bodyPr>
+          <a:p>
+            <a:pPr>
+              <a:lnSpc>
+                <a:spcPct val="100000"/>
+              </a:lnSpc>
+              <a:buNone/>
+            </a:pPr>
+            <a:endParaRPr b="0" lang="pt-BR" sz="2000" spc="-1" strike="noStrike">
+              <a:latin typeface="Arial"/>
+            </a:endParaRPr>
+          </a:p>
+          <a:p>
+            <a:pPr marL="216000" indent="-216000">
+              <a:lnSpc>
+                <a:spcPct val="100000"/>
+              </a:lnSpc>
+              <a:buClr>
+                <a:srgbClr val="000000"/>
+              </a:buClr>
+              <a:buSzPct val="45000"/>
+              <a:buFont typeface="Wingdings" charset="2"/>
+              <a:buChar char=""/>
+            </a:pPr>
+            <a:r>
+              <a:rPr b="0" lang="pt-BR" sz="1800" spc="-1" strike="noStrike">
+                <a:solidFill>
+                  <a:srgbClr val="1c1c1c"/>
+                </a:solidFill>
+                <a:latin typeface="Latin Modern Sans"/>
+                <a:ea typeface="DejaVu Sans"/>
+              </a:rPr>
+              <a:t>Vamos implementar o Naive Bayes com o Scikit learn</a:t>
+            </a:r>
+            <a:endParaRPr b="0" lang="pt-BR" sz="1800" spc="-1" strike="noStrike">
+              <a:latin typeface="Arial"/>
+            </a:endParaRPr>
+          </a:p>
+          <a:p>
+            <a:pPr marL="216000" indent="-216000">
+              <a:lnSpc>
+                <a:spcPct val="100000"/>
+              </a:lnSpc>
+              <a:buClr>
+                <a:srgbClr val="000000"/>
+              </a:buClr>
+              <a:buSzPct val="45000"/>
+              <a:buFont typeface="Wingdings" charset="2"/>
+              <a:buChar char=""/>
+            </a:pPr>
+            <a:r>
+              <a:rPr b="0" lang="pt-BR" sz="1800" spc="-1" strike="noStrike">
+                <a:solidFill>
+                  <a:srgbClr val="1c1c1c"/>
+                </a:solidFill>
+                <a:latin typeface="Latin Modern Sans"/>
+                <a:ea typeface="DejaVu Sans"/>
+              </a:rPr>
+              <a:t>Siga o link:</a:t>
+            </a:r>
+            <a:endParaRPr b="0" lang="pt-BR" sz="1800" spc="-1" strike="noStrike">
+              <a:latin typeface="Arial"/>
+            </a:endParaRPr>
+          </a:p>
+          <a:p>
+            <a:pPr marL="216000" indent="-216000">
+              <a:lnSpc>
+                <a:spcPct val="100000"/>
+              </a:lnSpc>
+              <a:buClr>
+                <a:srgbClr val="000000"/>
+              </a:buClr>
+              <a:buSzPct val="45000"/>
+              <a:buFont typeface="Wingdings" charset="2"/>
+              <a:buChar char=""/>
+            </a:pPr>
+            <a:endParaRPr b="0" lang="pt-BR" sz="1800" spc="-1" strike="noStrike">
+              <a:latin typeface="Arial"/>
+            </a:endParaRPr>
+          </a:p>
+          <a:p>
+            <a:pPr marL="216000" indent="-216000">
+              <a:lnSpc>
+                <a:spcPct val="100000"/>
+              </a:lnSpc>
+              <a:buClr>
+                <a:srgbClr val="000000"/>
+              </a:buClr>
+              <a:buSzPct val="45000"/>
+              <a:buFont typeface="Wingdings" charset="2"/>
+              <a:buChar char=""/>
+            </a:pPr>
+            <a:r>
+              <a:rPr b="0" lang="pt-BR" sz="1800" spc="-1" strike="noStrike">
+                <a:solidFill>
+                  <a:srgbClr val="1c1c1c"/>
+                </a:solidFill>
+                <a:latin typeface="Latin Modern Sans"/>
+                <a:ea typeface="DejaVu Sans"/>
+              </a:rPr>
+              <a:t> </a:t>
+            </a:r>
+            <a:endParaRPr b="0" lang="pt-BR" sz="1800" spc="-1" strike="noStrike">
+              <a:latin typeface="Arial"/>
+            </a:endParaRPr>
+          </a:p>
+        </p:txBody>
+      </p:sp>
     </p:spTree>
   </p:cSld>
   <mc:AlternateContent>
@@ -26321,8 +32634,8 @@
         </p:blipFill>
         <p:spPr>
           <a:xfrm>
-            <a:off x="1122120" y="3132000"/>
-            <a:ext cx="8057880" cy="2914200"/>
+            <a:off x="3240000" y="3600000"/>
+            <a:ext cx="5768280" cy="2086200"/>
           </a:xfrm>
           <a:prstGeom prst="rect">
             <a:avLst/>
@@ -26332,6 +32645,181 @@
           </a:ln>
         </p:spPr>
       </p:pic>
+      <p:sp>
+        <p:nvSpPr>
+          <p:cNvPr id="325" name=""/>
+          <p:cNvSpPr txBox="1"/>
+          <p:nvPr/>
+        </p:nvSpPr>
+        <p:spPr>
+          <a:xfrm>
+            <a:off x="900000" y="3960000"/>
+            <a:ext cx="2100960" cy="1272960"/>
+          </a:xfrm>
+          <a:prstGeom prst="rect">
+            <a:avLst/>
+          </a:prstGeom>
+          <a:noFill/>
+          <a:ln w="0">
+            <a:noFill/>
+          </a:ln>
+        </p:spPr>
+        <p:txBody>
+          <a:bodyPr lIns="90000" rIns="90000" tIns="45000" bIns="45000" anchor="t">
+            <a:noAutofit/>
+          </a:bodyPr>
+          <a:p>
+            <a:r>
+              <a:rPr b="0" lang="pt-BR" sz="2000" spc="-1" strike="noStrike">
+                <a:solidFill>
+                  <a:srgbClr val="1c1c1c"/>
+                </a:solidFill>
+                <a:latin typeface="Latin Modern Sans"/>
+                <a:ea typeface="DejaVu Sans"/>
+              </a:rPr>
+              <a:t>P(C) </a:t>
+            </a:r>
+            <a:r>
+              <a:rPr b="0" lang="pt-BR" sz="2000" spc="-1" strike="noStrike">
+                <a:solidFill>
+                  <a:srgbClr val="1c1c1c"/>
+                </a:solidFill>
+                <a:latin typeface="Latin Modern Sans"/>
+                <a:ea typeface="DejaVu Sans"/>
+              </a:rPr>
+              <a:t>= </a:t>
+            </a:r>
+            <a:r>
+              <a:rPr b="0" lang="pt-BR" sz="2000" spc="-1" strike="noStrike">
+                <a:solidFill>
+                  <a:srgbClr val="1c1c1c"/>
+                </a:solidFill>
+                <a:latin typeface="Latin Modern Sans"/>
+                <a:ea typeface="DejaVu Sans"/>
+              </a:rPr>
+              <a:t>30%</a:t>
+            </a:r>
+            <a:endParaRPr b="0" lang="pt-BR" sz="2000" spc="-1" strike="noStrike">
+              <a:latin typeface="Arial"/>
+            </a:endParaRPr>
+          </a:p>
+          <a:p>
+            <a:r>
+              <a:rPr b="0" lang="pt-BR" sz="2000" spc="-1" strike="noStrike">
+                <a:solidFill>
+                  <a:srgbClr val="1c1c1c"/>
+                </a:solidFill>
+                <a:latin typeface="Latin Modern Sans"/>
+                <a:ea typeface="DejaVu Sans"/>
+              </a:rPr>
+              <a:t>P(N</a:t>
+            </a:r>
+            <a:r>
+              <a:rPr b="0" lang="pt-BR" sz="2000" spc="-1" strike="noStrike">
+                <a:solidFill>
+                  <a:srgbClr val="1c1c1c"/>
+                </a:solidFill>
+                <a:latin typeface="Latin Modern Sans"/>
+                <a:ea typeface="DejaVu Sans"/>
+              </a:rPr>
+              <a:t>C) = </a:t>
+            </a:r>
+            <a:r>
+              <a:rPr b="0" lang="pt-BR" sz="2000" spc="-1" strike="noStrike">
+                <a:solidFill>
+                  <a:srgbClr val="1c1c1c"/>
+                </a:solidFill>
+                <a:latin typeface="Latin Modern Sans"/>
+                <a:ea typeface="DejaVu Sans"/>
+              </a:rPr>
+              <a:t>70%</a:t>
+            </a:r>
+            <a:endParaRPr b="0" lang="pt-BR" sz="2000" spc="-1" strike="noStrike">
+              <a:latin typeface="Arial"/>
+            </a:endParaRPr>
+          </a:p>
+          <a:p>
+            <a:r>
+              <a:rPr b="0" lang="pt-BR" sz="2000" spc="-1" strike="noStrike">
+                <a:solidFill>
+                  <a:srgbClr val="1c1c1c"/>
+                </a:solidFill>
+                <a:latin typeface="Latin Modern Sans"/>
+                <a:ea typeface="DejaVu Sans"/>
+              </a:rPr>
+              <a:t>P(V|</a:t>
+            </a:r>
+            <a:r>
+              <a:rPr b="0" lang="pt-BR" sz="2000" spc="-1" strike="noStrike">
+                <a:solidFill>
+                  <a:srgbClr val="1c1c1c"/>
+                </a:solidFill>
+                <a:latin typeface="Latin Modern Sans"/>
+                <a:ea typeface="DejaVu Sans"/>
+              </a:rPr>
+              <a:t>C) = </a:t>
+            </a:r>
+            <a:r>
+              <a:rPr b="0" lang="pt-BR" sz="2000" spc="-1" strike="noStrike">
+                <a:solidFill>
+                  <a:srgbClr val="1c1c1c"/>
+                </a:solidFill>
+                <a:latin typeface="Latin Modern Sans"/>
+                <a:ea typeface="DejaVu Sans"/>
+              </a:rPr>
+              <a:t>50%</a:t>
+            </a:r>
+            <a:endParaRPr b="0" lang="pt-BR" sz="2000" spc="-1" strike="noStrike">
+              <a:latin typeface="Arial"/>
+            </a:endParaRPr>
+          </a:p>
+          <a:p>
+            <a:r>
+              <a:rPr b="0" lang="pt-BR" sz="2000" spc="-1" strike="noStrike">
+                <a:solidFill>
+                  <a:srgbClr val="1c1c1c"/>
+                </a:solidFill>
+                <a:latin typeface="Latin Modern Sans"/>
+                <a:ea typeface="DejaVu Sans"/>
+              </a:rPr>
+              <a:t>P(V|</a:t>
+            </a:r>
+            <a:r>
+              <a:rPr b="0" lang="pt-BR" sz="2000" spc="-1" strike="noStrike">
+                <a:solidFill>
+                  <a:srgbClr val="1c1c1c"/>
+                </a:solidFill>
+                <a:latin typeface="Latin Modern Sans"/>
+                <a:ea typeface="DejaVu Sans"/>
+              </a:rPr>
+              <a:t>NC) </a:t>
+            </a:r>
+            <a:r>
+              <a:rPr b="0" lang="pt-BR" sz="2000" spc="-1" strike="noStrike">
+                <a:solidFill>
+                  <a:srgbClr val="1c1c1c"/>
+                </a:solidFill>
+                <a:latin typeface="Latin Modern Sans"/>
+                <a:ea typeface="DejaVu Sans"/>
+              </a:rPr>
+              <a:t>= </a:t>
+            </a:r>
+            <a:r>
+              <a:rPr b="0" lang="pt-BR" sz="2000" spc="-1" strike="noStrike">
+                <a:solidFill>
+                  <a:srgbClr val="1c1c1c"/>
+                </a:solidFill>
+                <a:latin typeface="Latin Modern Sans"/>
+                <a:ea typeface="DejaVu Sans"/>
+              </a:rPr>
+              <a:t>25%</a:t>
+            </a:r>
+            <a:endParaRPr b="0" lang="pt-BR" sz="2000" spc="-1" strike="noStrike">
+              <a:latin typeface="Arial"/>
+            </a:endParaRPr>
+          </a:p>
+        </p:txBody>
+      </p:sp>
     </p:spTree>
   </p:cSld>
   <mc:AlternateContent>
